--- a/0652074_1092影像辨識.pptx
+++ b/0652074_1092影像辨識.pptx
@@ -7,8 +7,8 @@
   <p:sldIdLst>
     <p:sldId id="256" r:id="rId2"/>
     <p:sldId id="257" r:id="rId3"/>
-    <p:sldId id="258" r:id="rId4"/>
-    <p:sldId id="259" r:id="rId5"/>
+    <p:sldId id="259" r:id="rId4"/>
+    <p:sldId id="258" r:id="rId5"/>
   </p:sldIdLst>
   <p:sldSz cx="12192000" cy="6858000"/>
   <p:notesSz cx="6858000" cy="9144000"/>
@@ -107,6 +107,11 @@
       </a:defRPr>
     </a:lvl9pPr>
   </p:defaultTextStyle>
+  <p:extLst>
+    <p:ext uri="{EFAFB233-063F-42B5-8137-9DF3F51BA10A}">
+      <p15:sldGuideLst xmlns:p15="http://schemas.microsoft.com/office/powerpoint/2012/main"/>
+    </p:ext>
+  </p:extLst>
 </p:presentation>
 </file>
 
@@ -336,7 +341,7 @@
           <a:p>
             <a:fld id="{ACBE0DA0-4DCE-4BF7-A9E3-A7B65040C92D}" type="datetimeFigureOut">
               <a:rPr lang="zh-TW" altLang="en-US" smtClean="0"/>
-              <a:t>2021/4/30</a:t>
+              <a:t>2021/5/7</a:t>
             </a:fld>
             <a:endParaRPr lang="zh-TW" altLang="en-US"/>
           </a:p>
@@ -544,7 +549,7 @@
           <a:p>
             <a:fld id="{ACBE0DA0-4DCE-4BF7-A9E3-A7B65040C92D}" type="datetimeFigureOut">
               <a:rPr lang="zh-TW" altLang="en-US" smtClean="0"/>
-              <a:t>2021/4/30</a:t>
+              <a:t>2021/5/7</a:t>
             </a:fld>
             <a:endParaRPr lang="zh-TW" altLang="en-US"/>
           </a:p>
@@ -800,7 +805,7 @@
           <a:p>
             <a:fld id="{ACBE0DA0-4DCE-4BF7-A9E3-A7B65040C92D}" type="datetimeFigureOut">
               <a:rPr lang="zh-TW" altLang="en-US" smtClean="0"/>
-              <a:t>2021/4/30</a:t>
+              <a:t>2021/5/7</a:t>
             </a:fld>
             <a:endParaRPr lang="zh-TW" altLang="en-US"/>
           </a:p>
@@ -974,7 +979,7 @@
           <a:p>
             <a:fld id="{ACBE0DA0-4DCE-4BF7-A9E3-A7B65040C92D}" type="datetimeFigureOut">
               <a:rPr lang="zh-TW" altLang="en-US" smtClean="0"/>
-              <a:t>2021/4/30</a:t>
+              <a:t>2021/5/7</a:t>
             </a:fld>
             <a:endParaRPr lang="zh-TW" altLang="en-US"/>
           </a:p>
@@ -1317,7 +1322,7 @@
           <a:p>
             <a:fld id="{ACBE0DA0-4DCE-4BF7-A9E3-A7B65040C92D}" type="datetimeFigureOut">
               <a:rPr lang="zh-TW" altLang="en-US" smtClean="0"/>
-              <a:t>2021/4/30</a:t>
+              <a:t>2021/5/7</a:t>
             </a:fld>
             <a:endParaRPr lang="zh-TW" altLang="en-US"/>
           </a:p>
@@ -1592,7 +1597,7 @@
           <a:p>
             <a:fld id="{ACBE0DA0-4DCE-4BF7-A9E3-A7B65040C92D}" type="datetimeFigureOut">
               <a:rPr lang="zh-TW" altLang="en-US" smtClean="0"/>
-              <a:t>2021/4/30</a:t>
+              <a:t>2021/5/7</a:t>
             </a:fld>
             <a:endParaRPr lang="zh-TW" altLang="en-US"/>
           </a:p>
@@ -1971,7 +1976,7 @@
           <a:p>
             <a:fld id="{ACBE0DA0-4DCE-4BF7-A9E3-A7B65040C92D}" type="datetimeFigureOut">
               <a:rPr lang="zh-TW" altLang="en-US" smtClean="0"/>
-              <a:t>2021/4/30</a:t>
+              <a:t>2021/5/7</a:t>
             </a:fld>
             <a:endParaRPr lang="zh-TW" altLang="en-US"/>
           </a:p>
@@ -2089,7 +2094,7 @@
           <a:p>
             <a:fld id="{ACBE0DA0-4DCE-4BF7-A9E3-A7B65040C92D}" type="datetimeFigureOut">
               <a:rPr lang="zh-TW" altLang="en-US" smtClean="0"/>
-              <a:t>2021/4/30</a:t>
+              <a:t>2021/5/7</a:t>
             </a:fld>
             <a:endParaRPr lang="zh-TW" altLang="en-US"/>
           </a:p>
@@ -2260,7 +2265,7 @@
           <a:p>
             <a:fld id="{ACBE0DA0-4DCE-4BF7-A9E3-A7B65040C92D}" type="datetimeFigureOut">
               <a:rPr lang="zh-TW" altLang="en-US" smtClean="0"/>
-              <a:t>2021/4/30</a:t>
+              <a:t>2021/5/7</a:t>
             </a:fld>
             <a:endParaRPr lang="zh-TW" altLang="en-US"/>
           </a:p>
@@ -2614,7 +2619,7 @@
           <a:p>
             <a:fld id="{ACBE0DA0-4DCE-4BF7-A9E3-A7B65040C92D}" type="datetimeFigureOut">
               <a:rPr lang="zh-TW" altLang="en-US" smtClean="0"/>
-              <a:t>2021/4/30</a:t>
+              <a:t>2021/5/7</a:t>
             </a:fld>
             <a:endParaRPr lang="zh-TW" altLang="en-US"/>
           </a:p>
@@ -2996,7 +3001,7 @@
           <a:p>
             <a:fld id="{ACBE0DA0-4DCE-4BF7-A9E3-A7B65040C92D}" type="datetimeFigureOut">
               <a:rPr lang="zh-TW" altLang="en-US" smtClean="0"/>
-              <a:t>2021/4/30</a:t>
+              <a:t>2021/5/7</a:t>
             </a:fld>
             <a:endParaRPr lang="zh-TW" altLang="en-US"/>
           </a:p>
@@ -3283,7 +3288,7 @@
           <a:p>
             <a:fld id="{ACBE0DA0-4DCE-4BF7-A9E3-A7B65040C92D}" type="datetimeFigureOut">
               <a:rPr lang="zh-TW" altLang="en-US" smtClean="0"/>
-              <a:t>2021/4/30</a:t>
+              <a:t>2021/5/7</a:t>
             </a:fld>
             <a:endParaRPr lang="zh-TW" altLang="en-US"/>
           </a:p>
@@ -3849,7 +3854,27 @@
           <a:bodyPr/>
           <a:lstStyle/>
           <a:p>
-            <a:endParaRPr lang="zh-TW" altLang="en-US" dirty="0"/>
+            <a:r>
+              <a:rPr lang="en-US" altLang="zh-TW" dirty="0" smtClean="0">
+                <a:solidFill>
+                  <a:schemeClr val="tx1"/>
+                </a:solidFill>
+              </a:rPr>
+              <a:t>0652074 </a:t>
+            </a:r>
+            <a:r>
+              <a:rPr lang="zh-TW" altLang="en-US" dirty="0" smtClean="0">
+                <a:solidFill>
+                  <a:schemeClr val="tx1"/>
+                </a:solidFill>
+              </a:rPr>
+              <a:t>周登豐</a:t>
+            </a:r>
+            <a:endParaRPr lang="zh-TW" altLang="en-US" dirty="0">
+              <a:solidFill>
+                <a:schemeClr val="tx1"/>
+              </a:solidFill>
+            </a:endParaRPr>
           </a:p>
         </p:txBody>
       </p:sp>
@@ -3977,15 +4002,23 @@
               <a:t>顯示</a:t>
             </a:r>
             <a:r>
-              <a:rPr lang="en-US" altLang="zh-TW" dirty="0"/>
-              <a:t>”&gt;,3</a:t>
-            </a:r>
-            <a:r>
               <a:rPr lang="en-US" altLang="zh-TW" dirty="0" smtClean="0"/>
               <a:t>”</a:t>
             </a:r>
             <a:r>
-              <a:rPr lang="zh-TW" altLang="en-US" dirty="0"/>
+              <a:rPr lang="zh-TW" altLang="en-US" dirty="0" smtClean="0"/>
+              <a:t>右</a:t>
+            </a:r>
+            <a:r>
+              <a:rPr lang="en-US" altLang="zh-TW" dirty="0" smtClean="0"/>
+              <a:t>,</a:t>
+            </a:r>
+            <a:r>
+              <a:rPr lang="en-US" altLang="zh-TW" dirty="0" smtClean="0"/>
+              <a:t>3”/</a:t>
+            </a:r>
+            <a:r>
+              <a:rPr lang="zh-TW" altLang="en-US" dirty="0" smtClean="0"/>
               <a:t>人</a:t>
             </a:r>
             <a:r>
@@ -4016,7 +4049,15 @@
             </a:r>
             <a:r>
               <a:rPr lang="zh-TW" altLang="en-US" dirty="0" smtClean="0"/>
-              <a:t>藉由方向移動追蹤離開方向</a:t>
+              <a:t>藉由方向移動追蹤離開</a:t>
+            </a:r>
+            <a:r>
+              <a:rPr lang="zh-TW" altLang="en-US" dirty="0" smtClean="0"/>
+              <a:t>方向</a:t>
+            </a:r>
+            <a:r>
+              <a:rPr lang="zh-TW" altLang="en-US" dirty="0"/>
+              <a:t>，畫面</a:t>
             </a:r>
             <a:endParaRPr lang="zh-TW" altLang="en-US" dirty="0"/>
           </a:p>
@@ -4107,7 +4148,7 @@
           <a:p>
             <a:r>
               <a:rPr lang="en-US" altLang="zh-TW" dirty="0" smtClean="0"/>
-              <a:t>0.</a:t>
+              <a:t>.</a:t>
             </a:r>
             <a:r>
               <a:rPr lang="zh-TW" altLang="en-US" dirty="0" smtClean="0"/>
@@ -4237,7 +4278,7 @@
     </p:spTree>
     <p:extLst>
       <p:ext uri="{BB962C8B-B14F-4D97-AF65-F5344CB8AC3E}">
-        <p14:creationId xmlns:p14="http://schemas.microsoft.com/office/powerpoint/2010/main" val="2290354412"/>
+        <p14:creationId xmlns:p14="http://schemas.microsoft.com/office/powerpoint/2010/main" val="1502144601"/>
       </p:ext>
     </p:extLst>
   </p:cSld>
@@ -4293,27 +4334,675 @@
       </p:sp>
       <p:sp>
         <p:nvSpPr>
-          <p:cNvPr id="3" name="內容版面配置區 2"/>
-          <p:cNvSpPr>
-            <a:spLocks noGrp="1"/>
-          </p:cNvSpPr>
-          <p:nvPr>
-            <p:ph idx="1"/>
-          </p:nvPr>
-        </p:nvSpPr>
-        <p:spPr/>
-        <p:txBody>
-          <a:bodyPr/>
-          <a:lstStyle/>
-          <a:p>
+          <p:cNvPr id="4" name="矩形 3"/>
+          <p:cNvSpPr/>
+          <p:nvPr/>
+        </p:nvSpPr>
+        <p:spPr>
+          <a:xfrm>
+            <a:off x="543282" y="1982462"/>
+            <a:ext cx="1107996" cy="369332"/>
+          </a:xfrm>
+          <a:prstGeom prst="rect">
+            <a:avLst/>
+          </a:prstGeom>
+          <a:noFill/>
+          <a:ln w="38100">
+            <a:solidFill>
+              <a:schemeClr val="accent1"/>
+            </a:solidFill>
+          </a:ln>
+        </p:spPr>
+        <p:txBody>
+          <a:bodyPr wrap="none">
+            <a:spAutoFit/>
+          </a:bodyPr>
+          <a:lstStyle/>
+          <a:p>
+            <a:r>
+              <a:rPr lang="zh-TW" altLang="en-US" dirty="0"/>
+              <a:t>輸入影像</a:t>
+            </a:r>
+            <a:endParaRPr lang="en-US" altLang="zh-TW" dirty="0"/>
+          </a:p>
+        </p:txBody>
+      </p:sp>
+      <p:sp>
+        <p:nvSpPr>
+          <p:cNvPr id="5" name="矩形 4"/>
+          <p:cNvSpPr/>
+          <p:nvPr/>
+        </p:nvSpPr>
+        <p:spPr>
+          <a:xfrm>
+            <a:off x="4440383" y="2021724"/>
+            <a:ext cx="2031325" cy="369332"/>
+          </a:xfrm>
+          <a:prstGeom prst="rect">
+            <a:avLst/>
+          </a:prstGeom>
+          <a:noFill/>
+          <a:ln w="38100">
+            <a:solidFill>
+              <a:schemeClr val="accent1"/>
+            </a:solidFill>
+          </a:ln>
+        </p:spPr>
+        <p:txBody>
+          <a:bodyPr wrap="none">
+            <a:spAutoFit/>
+          </a:bodyPr>
+          <a:lstStyle/>
+          <a:p>
+            <a:r>
+              <a:rPr lang="zh-TW" altLang="en-US" dirty="0"/>
+              <a:t>影像轉為黑白灰階</a:t>
+            </a:r>
+          </a:p>
+        </p:txBody>
+      </p:sp>
+      <p:sp>
+        <p:nvSpPr>
+          <p:cNvPr id="6" name="矩形 5"/>
+          <p:cNvSpPr/>
+          <p:nvPr/>
+        </p:nvSpPr>
+        <p:spPr>
+          <a:xfrm>
+            <a:off x="7201563" y="1980676"/>
+            <a:ext cx="1911101" cy="369332"/>
+          </a:xfrm>
+          <a:prstGeom prst="rect">
+            <a:avLst/>
+          </a:prstGeom>
+          <a:noFill/>
+          <a:ln w="38100">
+            <a:solidFill>
+              <a:schemeClr val="accent1"/>
+            </a:solidFill>
+          </a:ln>
+        </p:spPr>
+        <p:txBody>
+          <a:bodyPr wrap="none">
+            <a:spAutoFit/>
+          </a:bodyPr>
+          <a:lstStyle/>
+          <a:p>
+            <a:r>
+              <a:rPr lang="en-US" altLang="zh-TW" dirty="0"/>
+              <a:t>LBP</a:t>
+            </a:r>
+            <a:r>
+              <a:rPr lang="zh-TW" altLang="en-US" dirty="0"/>
+              <a:t>切割不同區塊</a:t>
+            </a:r>
+            <a:endParaRPr lang="en-US" altLang="zh-TW" dirty="0"/>
+          </a:p>
+        </p:txBody>
+      </p:sp>
+      <p:sp>
+        <p:nvSpPr>
+          <p:cNvPr id="7" name="矩形 6"/>
+          <p:cNvSpPr/>
+          <p:nvPr/>
+        </p:nvSpPr>
+        <p:spPr>
+          <a:xfrm>
+            <a:off x="7201563" y="3077093"/>
+            <a:ext cx="1874039" cy="369332"/>
+          </a:xfrm>
+          <a:prstGeom prst="rect">
+            <a:avLst/>
+          </a:prstGeom>
+          <a:noFill/>
+          <a:ln w="38100">
+            <a:solidFill>
+              <a:schemeClr val="accent1"/>
+            </a:solidFill>
+          </a:ln>
+        </p:spPr>
+        <p:txBody>
+          <a:bodyPr wrap="none">
+            <a:spAutoFit/>
+          </a:bodyPr>
+          <a:lstStyle/>
+          <a:p>
+            <a:r>
+              <a:rPr lang="en-US" altLang="zh-TW" dirty="0" smtClean="0"/>
+              <a:t>Markers</a:t>
+            </a:r>
+            <a:r>
+              <a:rPr lang="zh-TW" altLang="en-US" dirty="0" smtClean="0"/>
+              <a:t>分出背景</a:t>
+            </a:r>
+            <a:endParaRPr lang="en-US" altLang="zh-TW" dirty="0"/>
+          </a:p>
+        </p:txBody>
+      </p:sp>
+      <p:sp>
+        <p:nvSpPr>
+          <p:cNvPr id="9" name="矩形 8"/>
+          <p:cNvSpPr/>
+          <p:nvPr/>
+        </p:nvSpPr>
+        <p:spPr>
+          <a:xfrm>
+            <a:off x="6031613" y="4110267"/>
+            <a:ext cx="1569660" cy="369332"/>
+          </a:xfrm>
+          <a:prstGeom prst="rect">
+            <a:avLst/>
+          </a:prstGeom>
+          <a:noFill/>
+          <a:ln w="38100">
+            <a:solidFill>
+              <a:schemeClr val="accent1"/>
+            </a:solidFill>
+          </a:ln>
+        </p:spPr>
+        <p:txBody>
+          <a:bodyPr wrap="none">
+            <a:spAutoFit/>
+          </a:bodyPr>
+          <a:lstStyle/>
+          <a:p>
+            <a:r>
+              <a:rPr lang="zh-TW" altLang="en-US" dirty="0" smtClean="0"/>
+              <a:t>找出</a:t>
+            </a:r>
+            <a:r>
+              <a:rPr lang="zh-TW" altLang="en-US" dirty="0"/>
+              <a:t>人體</a:t>
+            </a:r>
+            <a:r>
+              <a:rPr lang="zh-TW" altLang="en-US" dirty="0" smtClean="0"/>
+              <a:t>輪廓</a:t>
+            </a:r>
+            <a:endParaRPr lang="en-US" altLang="zh-TW" dirty="0"/>
+          </a:p>
+        </p:txBody>
+      </p:sp>
+      <p:sp>
+        <p:nvSpPr>
+          <p:cNvPr id="10" name="矩形 9"/>
+          <p:cNvSpPr/>
+          <p:nvPr/>
+        </p:nvSpPr>
+        <p:spPr>
+          <a:xfrm>
+            <a:off x="1469826" y="3203584"/>
+            <a:ext cx="2772126" cy="369332"/>
+          </a:xfrm>
+          <a:prstGeom prst="rect">
+            <a:avLst/>
+          </a:prstGeom>
+          <a:ln w="38100">
+            <a:solidFill>
+              <a:srgbClr val="0070C0"/>
+            </a:solidFill>
+          </a:ln>
+        </p:spPr>
+        <p:txBody>
+          <a:bodyPr wrap="square">
+            <a:spAutoFit/>
+          </a:bodyPr>
+          <a:lstStyle/>
+          <a:p>
+            <a:r>
+              <a:rPr lang="zh-TW" altLang="en-US" dirty="0"/>
+              <a:t>切出</a:t>
+            </a:r>
+            <a:r>
+              <a:rPr lang="zh-TW" altLang="en-US" dirty="0" smtClean="0"/>
+              <a:t>影像</a:t>
+            </a:r>
+            <a:r>
+              <a:rPr lang="zh-TW" altLang="en-US" dirty="0"/>
+              <a:t>上下</a:t>
+            </a:r>
+            <a:r>
+              <a:rPr lang="zh-TW" altLang="en-US" dirty="0" smtClean="0"/>
+              <a:t>左右的範圍</a:t>
+            </a:r>
             <a:endParaRPr lang="zh-TW" altLang="en-US" dirty="0"/>
+          </a:p>
+        </p:txBody>
+      </p:sp>
+      <p:sp>
+        <p:nvSpPr>
+          <p:cNvPr id="11" name="矩形 10"/>
+          <p:cNvSpPr/>
+          <p:nvPr/>
+        </p:nvSpPr>
+        <p:spPr>
+          <a:xfrm>
+            <a:off x="1769694" y="5110459"/>
+            <a:ext cx="3557384" cy="369332"/>
+          </a:xfrm>
+          <a:prstGeom prst="rect">
+            <a:avLst/>
+          </a:prstGeom>
+          <a:ln w="38100">
+            <a:solidFill>
+              <a:srgbClr val="0070C0"/>
+            </a:solidFill>
+          </a:ln>
+        </p:spPr>
+        <p:txBody>
+          <a:bodyPr wrap="none">
+            <a:spAutoFit/>
+          </a:bodyPr>
+          <a:lstStyle/>
+          <a:p>
+            <a:r>
+              <a:rPr lang="zh-TW" altLang="en-US" dirty="0"/>
+              <a:t>顯示</a:t>
+            </a:r>
+            <a:r>
+              <a:rPr lang="zh-TW" altLang="en-US" dirty="0" smtClean="0"/>
+              <a:t>方向</a:t>
+            </a:r>
+            <a:r>
+              <a:rPr lang="en-US" altLang="zh-TW" dirty="0" smtClean="0"/>
+              <a:t>(</a:t>
+            </a:r>
+            <a:r>
+              <a:rPr lang="zh-TW" altLang="en-US" dirty="0"/>
+              <a:t>上下左右</a:t>
+            </a:r>
+            <a:r>
+              <a:rPr lang="en-US" altLang="zh-TW" dirty="0" smtClean="0"/>
+              <a:t>)</a:t>
+            </a:r>
+            <a:r>
+              <a:rPr lang="zh-TW" altLang="en-US" dirty="0" smtClean="0"/>
+              <a:t>調整鏡頭方向</a:t>
+            </a:r>
+            <a:endParaRPr lang="en-US" altLang="zh-TW" dirty="0"/>
+          </a:p>
+        </p:txBody>
+      </p:sp>
+      <p:sp>
+        <p:nvSpPr>
+          <p:cNvPr id="12" name="矩形 11"/>
+          <p:cNvSpPr/>
+          <p:nvPr/>
+        </p:nvSpPr>
+        <p:spPr>
+          <a:xfrm>
+            <a:off x="1740244" y="4110267"/>
+            <a:ext cx="3185487" cy="369332"/>
+          </a:xfrm>
+          <a:prstGeom prst="rect">
+            <a:avLst/>
+          </a:prstGeom>
+          <a:ln w="38100">
+            <a:solidFill>
+              <a:srgbClr val="0070C0"/>
+            </a:solidFill>
+          </a:ln>
+        </p:spPr>
+        <p:txBody>
+          <a:bodyPr wrap="none">
+            <a:spAutoFit/>
+          </a:bodyPr>
+          <a:lstStyle/>
+          <a:p>
+            <a:r>
+              <a:rPr lang="zh-TW" altLang="en-US" dirty="0"/>
+              <a:t>人體輪廓達到範圍時顯示方向</a:t>
+            </a:r>
+          </a:p>
+        </p:txBody>
+      </p:sp>
+      <p:sp>
+        <p:nvSpPr>
+          <p:cNvPr id="17" name="向右箭號 16"/>
+          <p:cNvSpPr/>
+          <p:nvPr/>
+        </p:nvSpPr>
+        <p:spPr>
+          <a:xfrm>
+            <a:off x="1920240" y="2046684"/>
+            <a:ext cx="2321712" cy="305110"/>
+          </a:xfrm>
+          <a:prstGeom prst="rightArrow">
+            <a:avLst/>
+          </a:prstGeom>
+        </p:spPr>
+        <p:style>
+          <a:lnRef idx="2">
+            <a:schemeClr val="accent1">
+              <a:shade val="50000"/>
+            </a:schemeClr>
+          </a:lnRef>
+          <a:fillRef idx="1">
+            <a:schemeClr val="accent1"/>
+          </a:fillRef>
+          <a:effectRef idx="0">
+            <a:schemeClr val="accent1"/>
+          </a:effectRef>
+          <a:fontRef idx="minor">
+            <a:schemeClr val="lt1"/>
+          </a:fontRef>
+        </p:style>
+        <p:txBody>
+          <a:bodyPr rtlCol="0" anchor="ctr"/>
+          <a:lstStyle/>
+          <a:p>
+            <a:pPr algn="ctr"/>
+            <a:endParaRPr lang="zh-TW" altLang="en-US"/>
+          </a:p>
+        </p:txBody>
+      </p:sp>
+      <p:sp>
+        <p:nvSpPr>
+          <p:cNvPr id="18" name="向右箭號 17"/>
+          <p:cNvSpPr/>
+          <p:nvPr/>
+        </p:nvSpPr>
+        <p:spPr>
+          <a:xfrm>
+            <a:off x="6670139" y="2046684"/>
+            <a:ext cx="292608" cy="305110"/>
+          </a:xfrm>
+          <a:prstGeom prst="rightArrow">
+            <a:avLst/>
+          </a:prstGeom>
+        </p:spPr>
+        <p:style>
+          <a:lnRef idx="2">
+            <a:schemeClr val="accent1">
+              <a:shade val="50000"/>
+            </a:schemeClr>
+          </a:lnRef>
+          <a:fillRef idx="1">
+            <a:schemeClr val="accent1"/>
+          </a:fillRef>
+          <a:effectRef idx="0">
+            <a:schemeClr val="accent1"/>
+          </a:effectRef>
+          <a:fontRef idx="minor">
+            <a:schemeClr val="lt1"/>
+          </a:fontRef>
+        </p:style>
+        <p:txBody>
+          <a:bodyPr rtlCol="0" anchor="ctr"/>
+          <a:lstStyle/>
+          <a:p>
+            <a:pPr algn="ctr"/>
+            <a:endParaRPr lang="zh-TW" altLang="en-US"/>
+          </a:p>
+        </p:txBody>
+      </p:sp>
+      <p:sp>
+        <p:nvSpPr>
+          <p:cNvPr id="19" name="向下箭號 18"/>
+          <p:cNvSpPr/>
+          <p:nvPr/>
+        </p:nvSpPr>
+        <p:spPr>
+          <a:xfrm>
+            <a:off x="8157113" y="2591757"/>
+            <a:ext cx="457200" cy="319040"/>
+          </a:xfrm>
+          <a:prstGeom prst="downArrow">
+            <a:avLst/>
+          </a:prstGeom>
+        </p:spPr>
+        <p:style>
+          <a:lnRef idx="2">
+            <a:schemeClr val="accent1">
+              <a:shade val="50000"/>
+            </a:schemeClr>
+          </a:lnRef>
+          <a:fillRef idx="1">
+            <a:schemeClr val="accent1"/>
+          </a:fillRef>
+          <a:effectRef idx="0">
+            <a:schemeClr val="accent1"/>
+          </a:effectRef>
+          <a:fontRef idx="minor">
+            <a:schemeClr val="lt1"/>
+          </a:fontRef>
+        </p:style>
+        <p:txBody>
+          <a:bodyPr rtlCol="0" anchor="ctr"/>
+          <a:lstStyle/>
+          <a:p>
+            <a:pPr algn="ctr"/>
+            <a:endParaRPr lang="zh-TW" altLang="en-US"/>
+          </a:p>
+        </p:txBody>
+      </p:sp>
+      <p:sp>
+        <p:nvSpPr>
+          <p:cNvPr id="20" name="向右箭號 19"/>
+          <p:cNvSpPr/>
+          <p:nvPr/>
+        </p:nvSpPr>
+        <p:spPr>
+          <a:xfrm rot="5400000">
+            <a:off x="7168888" y="3628728"/>
+            <a:ext cx="421966" cy="356616"/>
+          </a:xfrm>
+          <a:prstGeom prst="rightArrow">
+            <a:avLst/>
+          </a:prstGeom>
+        </p:spPr>
+        <p:style>
+          <a:lnRef idx="2">
+            <a:schemeClr val="accent1">
+              <a:shade val="50000"/>
+            </a:schemeClr>
+          </a:lnRef>
+          <a:fillRef idx="1">
+            <a:schemeClr val="accent1"/>
+          </a:fillRef>
+          <a:effectRef idx="0">
+            <a:schemeClr val="accent1"/>
+          </a:effectRef>
+          <a:fontRef idx="minor">
+            <a:schemeClr val="lt1"/>
+          </a:fontRef>
+        </p:style>
+        <p:txBody>
+          <a:bodyPr rtlCol="0" anchor="ctr"/>
+          <a:lstStyle/>
+          <a:p>
+            <a:pPr algn="ctr"/>
+            <a:endParaRPr lang="zh-TW" altLang="en-US"/>
+          </a:p>
+        </p:txBody>
+      </p:sp>
+      <p:sp>
+        <p:nvSpPr>
+          <p:cNvPr id="22" name="向右箭號 21"/>
+          <p:cNvSpPr/>
+          <p:nvPr/>
+        </p:nvSpPr>
+        <p:spPr>
+          <a:xfrm rot="3210406">
+            <a:off x="996797" y="2578671"/>
+            <a:ext cx="812339" cy="396871"/>
+          </a:xfrm>
+          <a:prstGeom prst="rightArrow">
+            <a:avLst/>
+          </a:prstGeom>
+          <a:solidFill>
+            <a:srgbClr val="0070C0"/>
+          </a:solidFill>
+          <a:ln>
+            <a:solidFill>
+              <a:srgbClr val="0070C0"/>
+            </a:solidFill>
+          </a:ln>
+        </p:spPr>
+        <p:style>
+          <a:lnRef idx="2">
+            <a:schemeClr val="accent1">
+              <a:shade val="50000"/>
+            </a:schemeClr>
+          </a:lnRef>
+          <a:fillRef idx="1">
+            <a:schemeClr val="accent1"/>
+          </a:fillRef>
+          <a:effectRef idx="0">
+            <a:schemeClr val="accent1"/>
+          </a:effectRef>
+          <a:fontRef idx="minor">
+            <a:schemeClr val="lt1"/>
+          </a:fontRef>
+        </p:style>
+        <p:txBody>
+          <a:bodyPr rtlCol="0" anchor="ctr"/>
+          <a:lstStyle/>
+          <a:p>
+            <a:pPr algn="ctr"/>
+            <a:endParaRPr lang="zh-TW" altLang="en-US"/>
+          </a:p>
+        </p:txBody>
+      </p:sp>
+      <p:sp>
+        <p:nvSpPr>
+          <p:cNvPr id="23" name="向右箭號 22"/>
+          <p:cNvSpPr/>
+          <p:nvPr/>
+        </p:nvSpPr>
+        <p:spPr>
+          <a:xfrm rot="5400000">
+            <a:off x="2666444" y="3663882"/>
+            <a:ext cx="378890" cy="396871"/>
+          </a:xfrm>
+          <a:prstGeom prst="rightArrow">
+            <a:avLst/>
+          </a:prstGeom>
+          <a:solidFill>
+            <a:srgbClr val="0070C0"/>
+          </a:solidFill>
+          <a:ln>
+            <a:solidFill>
+              <a:srgbClr val="0070C0"/>
+            </a:solidFill>
+          </a:ln>
+        </p:spPr>
+        <p:style>
+          <a:lnRef idx="2">
+            <a:schemeClr val="accent1">
+              <a:shade val="50000"/>
+            </a:schemeClr>
+          </a:lnRef>
+          <a:fillRef idx="1">
+            <a:schemeClr val="accent1"/>
+          </a:fillRef>
+          <a:effectRef idx="0">
+            <a:schemeClr val="accent1"/>
+          </a:effectRef>
+          <a:fontRef idx="minor">
+            <a:schemeClr val="lt1"/>
+          </a:fontRef>
+        </p:style>
+        <p:txBody>
+          <a:bodyPr rtlCol="0" anchor="ctr"/>
+          <a:lstStyle/>
+          <a:p>
+            <a:pPr algn="ctr"/>
+            <a:endParaRPr lang="zh-TW" altLang="en-US"/>
+          </a:p>
+        </p:txBody>
+      </p:sp>
+      <p:sp>
+        <p:nvSpPr>
+          <p:cNvPr id="24" name="向右箭號 23"/>
+          <p:cNvSpPr/>
+          <p:nvPr/>
+        </p:nvSpPr>
+        <p:spPr>
+          <a:xfrm flipH="1">
+            <a:off x="5097515" y="4107963"/>
+            <a:ext cx="535646" cy="348800"/>
+          </a:xfrm>
+          <a:prstGeom prst="rightArrow">
+            <a:avLst/>
+          </a:prstGeom>
+        </p:spPr>
+        <p:style>
+          <a:lnRef idx="2">
+            <a:schemeClr val="accent1">
+              <a:shade val="50000"/>
+            </a:schemeClr>
+          </a:lnRef>
+          <a:fillRef idx="1">
+            <a:schemeClr val="accent1"/>
+          </a:fillRef>
+          <a:effectRef idx="0">
+            <a:schemeClr val="accent1"/>
+          </a:effectRef>
+          <a:fontRef idx="minor">
+            <a:schemeClr val="lt1"/>
+          </a:fontRef>
+        </p:style>
+        <p:txBody>
+          <a:bodyPr rtlCol="0" anchor="ctr"/>
+          <a:lstStyle/>
+          <a:p>
+            <a:pPr algn="ctr"/>
+            <a:endParaRPr lang="zh-TW" altLang="en-US"/>
+          </a:p>
+        </p:txBody>
+      </p:sp>
+      <p:sp>
+        <p:nvSpPr>
+          <p:cNvPr id="25" name="向下箭號 24"/>
+          <p:cNvSpPr/>
+          <p:nvPr/>
+        </p:nvSpPr>
+        <p:spPr>
+          <a:xfrm>
+            <a:off x="2523744" y="4584900"/>
+            <a:ext cx="530581" cy="347472"/>
+          </a:xfrm>
+          <a:prstGeom prst="downArrow">
+            <a:avLst/>
+          </a:prstGeom>
+          <a:solidFill>
+            <a:srgbClr val="0070C0"/>
+          </a:solidFill>
+          <a:ln>
+            <a:solidFill>
+              <a:srgbClr val="0070C0"/>
+            </a:solidFill>
+          </a:ln>
+        </p:spPr>
+        <p:style>
+          <a:lnRef idx="2">
+            <a:schemeClr val="accent1">
+              <a:shade val="50000"/>
+            </a:schemeClr>
+          </a:lnRef>
+          <a:fillRef idx="1">
+            <a:schemeClr val="accent1"/>
+          </a:fillRef>
+          <a:effectRef idx="0">
+            <a:schemeClr val="accent1"/>
+          </a:effectRef>
+          <a:fontRef idx="minor">
+            <a:schemeClr val="lt1"/>
+          </a:fontRef>
+        </p:style>
+        <p:txBody>
+          <a:bodyPr rtlCol="0" anchor="ctr"/>
+          <a:lstStyle/>
+          <a:p>
+            <a:pPr algn="ctr"/>
+            <a:endParaRPr lang="zh-TW" altLang="en-US"/>
           </a:p>
         </p:txBody>
       </p:sp>
     </p:spTree>
     <p:extLst>
       <p:ext uri="{BB962C8B-B14F-4D97-AF65-F5344CB8AC3E}">
-        <p14:creationId xmlns:p14="http://schemas.microsoft.com/office/powerpoint/2010/main" val="390719664"/>
+        <p14:creationId xmlns:p14="http://schemas.microsoft.com/office/powerpoint/2010/main" val="2290354412"/>
       </p:ext>
     </p:extLst>
   </p:cSld>

--- a/0652074_1092影像辨識.pptx
+++ b/0652074_1092影像辨識.pptx
@@ -6,9 +6,13 @@
   </p:sldMasterIdLst>
   <p:sldIdLst>
     <p:sldId id="256" r:id="rId2"/>
-    <p:sldId id="257" r:id="rId3"/>
-    <p:sldId id="259" r:id="rId4"/>
-    <p:sldId id="258" r:id="rId5"/>
+    <p:sldId id="261" r:id="rId3"/>
+    <p:sldId id="257" r:id="rId4"/>
+    <p:sldId id="262" r:id="rId5"/>
+    <p:sldId id="263" r:id="rId6"/>
+    <p:sldId id="264" r:id="rId7"/>
+    <p:sldId id="265" r:id="rId8"/>
+    <p:sldId id="266" r:id="rId9"/>
   </p:sldIdLst>
   <p:sldSz cx="12192000" cy="6858000"/>
   <p:notesSz cx="6858000" cy="9144000"/>
@@ -341,7 +345,7 @@
           <a:p>
             <a:fld id="{ACBE0DA0-4DCE-4BF7-A9E3-A7B65040C92D}" type="datetimeFigureOut">
               <a:rPr lang="zh-TW" altLang="en-US" smtClean="0"/>
-              <a:t>2021/5/7</a:t>
+              <a:t>2021/5/14</a:t>
             </a:fld>
             <a:endParaRPr lang="zh-TW" altLang="en-US"/>
           </a:p>
@@ -549,7 +553,7 @@
           <a:p>
             <a:fld id="{ACBE0DA0-4DCE-4BF7-A9E3-A7B65040C92D}" type="datetimeFigureOut">
               <a:rPr lang="zh-TW" altLang="en-US" smtClean="0"/>
-              <a:t>2021/5/7</a:t>
+              <a:t>2021/5/14</a:t>
             </a:fld>
             <a:endParaRPr lang="zh-TW" altLang="en-US"/>
           </a:p>
@@ -805,7 +809,7 @@
           <a:p>
             <a:fld id="{ACBE0DA0-4DCE-4BF7-A9E3-A7B65040C92D}" type="datetimeFigureOut">
               <a:rPr lang="zh-TW" altLang="en-US" smtClean="0"/>
-              <a:t>2021/5/7</a:t>
+              <a:t>2021/5/14</a:t>
             </a:fld>
             <a:endParaRPr lang="zh-TW" altLang="en-US"/>
           </a:p>
@@ -979,7 +983,7 @@
           <a:p>
             <a:fld id="{ACBE0DA0-4DCE-4BF7-A9E3-A7B65040C92D}" type="datetimeFigureOut">
               <a:rPr lang="zh-TW" altLang="en-US" smtClean="0"/>
-              <a:t>2021/5/7</a:t>
+              <a:t>2021/5/14</a:t>
             </a:fld>
             <a:endParaRPr lang="zh-TW" altLang="en-US"/>
           </a:p>
@@ -1322,7 +1326,7 @@
           <a:p>
             <a:fld id="{ACBE0DA0-4DCE-4BF7-A9E3-A7B65040C92D}" type="datetimeFigureOut">
               <a:rPr lang="zh-TW" altLang="en-US" smtClean="0"/>
-              <a:t>2021/5/7</a:t>
+              <a:t>2021/5/14</a:t>
             </a:fld>
             <a:endParaRPr lang="zh-TW" altLang="en-US"/>
           </a:p>
@@ -1597,7 +1601,7 @@
           <a:p>
             <a:fld id="{ACBE0DA0-4DCE-4BF7-A9E3-A7B65040C92D}" type="datetimeFigureOut">
               <a:rPr lang="zh-TW" altLang="en-US" smtClean="0"/>
-              <a:t>2021/5/7</a:t>
+              <a:t>2021/5/14</a:t>
             </a:fld>
             <a:endParaRPr lang="zh-TW" altLang="en-US"/>
           </a:p>
@@ -1976,7 +1980,7 @@
           <a:p>
             <a:fld id="{ACBE0DA0-4DCE-4BF7-A9E3-A7B65040C92D}" type="datetimeFigureOut">
               <a:rPr lang="zh-TW" altLang="en-US" smtClean="0"/>
-              <a:t>2021/5/7</a:t>
+              <a:t>2021/5/14</a:t>
             </a:fld>
             <a:endParaRPr lang="zh-TW" altLang="en-US"/>
           </a:p>
@@ -2094,7 +2098,7 @@
           <a:p>
             <a:fld id="{ACBE0DA0-4DCE-4BF7-A9E3-A7B65040C92D}" type="datetimeFigureOut">
               <a:rPr lang="zh-TW" altLang="en-US" smtClean="0"/>
-              <a:t>2021/5/7</a:t>
+              <a:t>2021/5/14</a:t>
             </a:fld>
             <a:endParaRPr lang="zh-TW" altLang="en-US"/>
           </a:p>
@@ -2265,7 +2269,7 @@
           <a:p>
             <a:fld id="{ACBE0DA0-4DCE-4BF7-A9E3-A7B65040C92D}" type="datetimeFigureOut">
               <a:rPr lang="zh-TW" altLang="en-US" smtClean="0"/>
-              <a:t>2021/5/7</a:t>
+              <a:t>2021/5/14</a:t>
             </a:fld>
             <a:endParaRPr lang="zh-TW" altLang="en-US"/>
           </a:p>
@@ -2619,7 +2623,7 @@
           <a:p>
             <a:fld id="{ACBE0DA0-4DCE-4BF7-A9E3-A7B65040C92D}" type="datetimeFigureOut">
               <a:rPr lang="zh-TW" altLang="en-US" smtClean="0"/>
-              <a:t>2021/5/7</a:t>
+              <a:t>2021/5/14</a:t>
             </a:fld>
             <a:endParaRPr lang="zh-TW" altLang="en-US"/>
           </a:p>
@@ -3001,7 +3005,7 @@
           <a:p>
             <a:fld id="{ACBE0DA0-4DCE-4BF7-A9E3-A7B65040C92D}" type="datetimeFigureOut">
               <a:rPr lang="zh-TW" altLang="en-US" smtClean="0"/>
-              <a:t>2021/5/7</a:t>
+              <a:t>2021/5/14</a:t>
             </a:fld>
             <a:endParaRPr lang="zh-TW" altLang="en-US"/>
           </a:p>
@@ -3288,7 +3292,7 @@
           <a:p>
             <a:fld id="{ACBE0DA0-4DCE-4BF7-A9E3-A7B65040C92D}" type="datetimeFigureOut">
               <a:rPr lang="zh-TW" altLang="en-US" smtClean="0"/>
-              <a:t>2021/5/7</a:t>
+              <a:t>2021/5/14</a:t>
             </a:fld>
             <a:endParaRPr lang="zh-TW" altLang="en-US"/>
           </a:p>
@@ -3948,19 +3952,19 @@
           <a:p>
             <a:r>
               <a:rPr lang="en-US" altLang="zh-TW" dirty="0" smtClean="0"/>
-              <a:t>1.</a:t>
+              <a:t>1</a:t>
+            </a:r>
+            <a:r>
+              <a:rPr lang="en-US" altLang="zh-TW" dirty="0" smtClean="0"/>
+              <a:t>.</a:t>
             </a:r>
             <a:r>
               <a:rPr lang="zh-TW" altLang="en-US" dirty="0" smtClean="0"/>
-              <a:t>偵測人</a:t>
-            </a:r>
-            <a:r>
-              <a:rPr lang="zh-TW" altLang="en-US" dirty="0"/>
-              <a:t>物</a:t>
+              <a:t>可以切換手動自動，自動時先</a:t>
             </a:r>
             <a:r>
               <a:rPr lang="zh-TW" altLang="en-US" dirty="0" smtClean="0"/>
-              <a:t>動作，把人像與背景分割。</a:t>
+              <a:t>鎖定第一個人</a:t>
             </a:r>
             <a:endParaRPr lang="en-US" altLang="zh-TW" dirty="0" smtClean="0"/>
           </a:p>
@@ -3971,19 +3975,22 @@
             </a:r>
             <a:r>
               <a:rPr lang="zh-TW" altLang="en-US" dirty="0"/>
-              <a:t>辨別出</a:t>
+              <a:t>辨別出動作方向並反饋於畫面上</a:t>
+            </a:r>
+            <a:endParaRPr lang="en-US" altLang="zh-TW" dirty="0" smtClean="0"/>
+          </a:p>
+          <a:p>
+            <a:r>
+              <a:rPr lang="en-US" altLang="zh-TW" dirty="0" smtClean="0"/>
+              <a:t>3</a:t>
+            </a:r>
+            <a:r>
+              <a:rPr lang="en-US" altLang="zh-TW" dirty="0"/>
+              <a:t>.</a:t>
             </a:r>
             <a:r>
               <a:rPr lang="zh-TW" altLang="en-US" dirty="0" smtClean="0"/>
-              <a:t>動作並反饋於畫面上</a:t>
-            </a:r>
-            <a:r>
-              <a:rPr lang="en-US" altLang="zh-TW" dirty="0" smtClean="0"/>
-              <a:t>(</a:t>
-            </a:r>
-            <a:r>
-              <a:rPr lang="zh-TW" altLang="en-US" dirty="0" smtClean="0"/>
-              <a:t>舉例</a:t>
+              <a:t>藉由方向移動追蹤離開方向</a:t>
             </a:r>
             <a:r>
               <a:rPr lang="en-US" altLang="zh-TW" dirty="0" smtClean="0"/>
@@ -3991,82 +3998,23 @@
             </a:r>
             <a:r>
               <a:rPr lang="zh-TW" altLang="en-US" dirty="0"/>
-              <a:t>人</a:t>
+              <a:t>移動畫面保持使</a:t>
             </a:r>
             <a:r>
               <a:rPr lang="zh-TW" altLang="en-US" dirty="0" smtClean="0"/>
-              <a:t>往右移動時</a:t>
-            </a:r>
-            <a:r>
-              <a:rPr lang="zh-TW" altLang="en-US" dirty="0"/>
-              <a:t>顯示</a:t>
-            </a:r>
-            <a:r>
-              <a:rPr lang="en-US" altLang="zh-TW" dirty="0" smtClean="0"/>
-              <a:t>”</a:t>
-            </a:r>
-            <a:r>
-              <a:rPr lang="zh-TW" altLang="en-US" dirty="0" smtClean="0"/>
-              <a:t>右</a:t>
-            </a:r>
-            <a:r>
-              <a:rPr lang="en-US" altLang="zh-TW" dirty="0" smtClean="0"/>
-              <a:t>,</a:t>
-            </a:r>
-            <a:r>
-              <a:rPr lang="en-US" altLang="zh-TW" dirty="0" smtClean="0"/>
-              <a:t>3”/</a:t>
-            </a:r>
-            <a:r>
-              <a:rPr lang="zh-TW" altLang="en-US" dirty="0" smtClean="0"/>
-              <a:t>人</a:t>
-            </a:r>
-            <a:r>
-              <a:rPr lang="zh-TW" altLang="en-US" dirty="0" smtClean="0"/>
-              <a:t>往正上移動時</a:t>
-            </a:r>
-            <a:r>
-              <a:rPr lang="zh-TW" altLang="en-US" dirty="0"/>
-              <a:t>顯示</a:t>
-            </a:r>
-            <a:r>
-              <a:rPr lang="en-US" altLang="zh-TW" dirty="0" smtClean="0"/>
-              <a:t>”</a:t>
-            </a:r>
-            <a:r>
-              <a:rPr lang="zh-TW" altLang="en-US" dirty="0" smtClean="0"/>
-              <a:t>上</a:t>
-            </a:r>
-            <a:r>
-              <a:rPr lang="en-US" altLang="zh-TW" dirty="0" smtClean="0"/>
-              <a:t>,12”)</a:t>
-            </a:r>
-          </a:p>
-          <a:p>
-            <a:r>
-              <a:rPr lang="en-US" altLang="zh-TW" dirty="0" smtClean="0"/>
-              <a:t>3.</a:t>
-            </a:r>
-            <a:r>
-              <a:rPr lang="zh-TW" altLang="en-US" dirty="0" smtClean="0"/>
-              <a:t>藉由方向移動追蹤離開</a:t>
-            </a:r>
-            <a:r>
-              <a:rPr lang="zh-TW" altLang="en-US" dirty="0" smtClean="0"/>
-              <a:t>方向</a:t>
-            </a:r>
-            <a:r>
-              <a:rPr lang="zh-TW" altLang="en-US" dirty="0"/>
-              <a:t>，畫面</a:t>
-            </a:r>
-            <a:endParaRPr lang="zh-TW" altLang="en-US" dirty="0"/>
+              <a:t>人物至中</a:t>
+            </a:r>
+            <a:endParaRPr lang="en-US" altLang="zh-TW" dirty="0" smtClean="0"/>
+          </a:p>
+          <a:p>
+            <a:endParaRPr lang="en-US" altLang="zh-TW" dirty="0" smtClean="0"/>
           </a:p>
         </p:txBody>
       </p:sp>
     </p:spTree>
     <p:extLst>
       <p:ext uri="{BB962C8B-B14F-4D97-AF65-F5344CB8AC3E}">
-        <p14:creationId xmlns:p14="http://schemas.microsoft.com/office/powerpoint/2010/main" val="2514732012"/>
+        <p14:creationId xmlns:p14="http://schemas.microsoft.com/office/powerpoint/2010/main" val="1147382736"/>
       </p:ext>
     </p:extLst>
   </p:cSld>
@@ -4110,11 +4058,7 @@
           <a:p>
             <a:r>
               <a:rPr lang="zh-TW" altLang="en-US" dirty="0"/>
-              <a:t>分析</a:t>
-            </a:r>
-            <a:r>
-              <a:rPr lang="zh-TW" altLang="en-US" dirty="0" smtClean="0"/>
-              <a:t> </a:t>
+              <a:t>環境需求</a:t>
             </a:r>
             <a:endParaRPr lang="zh-TW" altLang="en-US" dirty="0"/>
           </a:p>
@@ -4132,153 +4076,127 @@
         </p:nvSpPr>
         <p:spPr/>
         <p:txBody>
-          <a:bodyPr/>
-          <a:lstStyle/>
-          <a:p>
-            <a:r>
-              <a:rPr lang="zh-TW" altLang="en-US" dirty="0"/>
-              <a:t>功能</a:t>
-            </a:r>
-            <a:r>
-              <a:rPr lang="zh-TW" altLang="en-US" dirty="0" smtClean="0"/>
-              <a:t>分析</a:t>
-            </a:r>
-            <a:endParaRPr lang="en-US" altLang="zh-TW" dirty="0" smtClean="0"/>
-          </a:p>
-          <a:p>
-            <a:r>
-              <a:rPr lang="en-US" altLang="zh-TW" dirty="0" smtClean="0"/>
-              <a:t>.</a:t>
-            </a:r>
-            <a:r>
-              <a:rPr lang="zh-TW" altLang="en-US" dirty="0" smtClean="0"/>
-              <a:t>輸入影像</a:t>
-            </a:r>
-            <a:endParaRPr lang="en-US" altLang="zh-TW" dirty="0" smtClean="0"/>
-          </a:p>
-          <a:p>
-            <a:r>
-              <a:rPr lang="en-US" altLang="zh-TW" dirty="0" smtClean="0"/>
-              <a:t>1.</a:t>
-            </a:r>
-            <a:r>
-              <a:rPr lang="en-US" altLang="zh-TW" dirty="0"/>
-              <a:t> </a:t>
-            </a:r>
-            <a:r>
-              <a:rPr lang="zh-TW" altLang="en-US" dirty="0" smtClean="0"/>
-              <a:t>影像轉為黑白灰階後用</a:t>
-            </a:r>
-            <a:r>
-              <a:rPr lang="en-US" altLang="zh-TW" dirty="0" smtClean="0"/>
-              <a:t>LBP</a:t>
-            </a:r>
-            <a:r>
-              <a:rPr lang="zh-TW" altLang="en-US" dirty="0" smtClean="0"/>
-              <a:t>切割不同區塊</a:t>
-            </a:r>
-            <a:endParaRPr lang="en-US" altLang="zh-TW" dirty="0" smtClean="0"/>
-          </a:p>
-          <a:p>
-            <a:r>
-              <a:rPr lang="en-US" altLang="zh-TW" dirty="0" smtClean="0"/>
-              <a:t>2.</a:t>
-            </a:r>
-            <a:r>
-              <a:rPr lang="zh-TW" altLang="en-US" dirty="0"/>
-              <a:t>手動</a:t>
-            </a:r>
-            <a:r>
-              <a:rPr lang="en-US" altLang="zh-TW" dirty="0" smtClean="0"/>
-              <a:t>Markers</a:t>
-            </a:r>
-            <a:r>
-              <a:rPr lang="zh-TW" altLang="en-US" dirty="0" smtClean="0"/>
-              <a:t>把中心以外區域粗劃為背景</a:t>
-            </a:r>
-            <a:endParaRPr lang="en-US" altLang="zh-TW" dirty="0"/>
-          </a:p>
-          <a:p>
-            <a:r>
-              <a:rPr lang="en-US" altLang="zh-TW" dirty="0" smtClean="0"/>
-              <a:t>3.</a:t>
-            </a:r>
-            <a:r>
-              <a:rPr lang="zh-TW" altLang="en-US" dirty="0"/>
-              <a:t>自動</a:t>
-            </a:r>
-            <a:r>
-              <a:rPr lang="en-US" altLang="zh-TW" dirty="0"/>
-              <a:t>Markers</a:t>
-            </a:r>
-            <a:r>
-              <a:rPr lang="zh-TW" altLang="en-US" dirty="0"/>
-              <a:t>用</a:t>
-            </a:r>
-            <a:r>
-              <a:rPr lang="en-US" altLang="zh-TW" dirty="0"/>
-              <a:t>watershed</a:t>
-            </a:r>
-            <a:r>
-              <a:rPr lang="zh-TW" altLang="en-US" dirty="0"/>
-              <a:t>找出人體</a:t>
-            </a:r>
-            <a:r>
-              <a:rPr lang="zh-TW" altLang="en-US" dirty="0" smtClean="0"/>
-              <a:t>輪廓</a:t>
-            </a:r>
-            <a:endParaRPr lang="en-US" altLang="zh-TW" dirty="0" smtClean="0"/>
-          </a:p>
-          <a:p>
-            <a:r>
-              <a:rPr lang="en-US" altLang="zh-TW" dirty="0" smtClean="0"/>
-              <a:t>4.</a:t>
-            </a:r>
-            <a:r>
-              <a:rPr lang="zh-TW" altLang="en-US" dirty="0" smtClean="0"/>
-              <a:t>切出影像範圍分出上下左右或</a:t>
-            </a:r>
-            <a:r>
-              <a:rPr lang="en-US" altLang="zh-TW" dirty="0" smtClean="0"/>
-              <a:t>12</a:t>
-            </a:r>
-            <a:r>
-              <a:rPr lang="zh-TW" altLang="en-US" dirty="0" smtClean="0"/>
-              <a:t>方位</a:t>
-            </a:r>
-            <a:endParaRPr lang="en-US" altLang="zh-TW" dirty="0" smtClean="0"/>
-          </a:p>
-          <a:p>
-            <a:r>
-              <a:rPr lang="en-US" altLang="zh-TW" dirty="0" smtClean="0"/>
-              <a:t>5.</a:t>
-            </a:r>
-            <a:r>
-              <a:rPr lang="zh-TW" altLang="en-US" dirty="0" smtClean="0"/>
-              <a:t>當人體輪廓達到範圍時顯示方向</a:t>
-            </a:r>
-            <a:endParaRPr lang="en-US" altLang="zh-TW" dirty="0" smtClean="0"/>
-          </a:p>
-          <a:p>
-            <a:r>
-              <a:rPr lang="en-US" altLang="zh-TW" dirty="0" smtClean="0"/>
-              <a:t>6.</a:t>
-            </a:r>
-            <a:r>
-              <a:rPr lang="zh-TW" altLang="en-US" dirty="0" smtClean="0"/>
-              <a:t>方向整理後輸出訊號到馬達控制鏡頭移動直到人消失在畫面中</a:t>
-            </a:r>
-            <a:endParaRPr lang="en-US" altLang="zh-TW" dirty="0" smtClean="0"/>
-          </a:p>
-          <a:p>
-            <a:endParaRPr lang="zh-TW" altLang="en-US" dirty="0"/>
+          <a:bodyPr>
+            <a:normAutofit/>
+          </a:bodyPr>
+          <a:lstStyle/>
+          <a:p>
+            <a:pPr marL="0" indent="0">
+              <a:buNone/>
+            </a:pPr>
+            <a:r>
+              <a:rPr lang="zh-TW" altLang="en-US" sz="1600" b="1" dirty="0" smtClean="0"/>
+              <a:t>硬體</a:t>
+            </a:r>
+            <a:r>
+              <a:rPr lang="en-US" altLang="zh-TW" sz="1600" b="1" dirty="0" smtClean="0"/>
+              <a:t>:</a:t>
+            </a:r>
+            <a:endParaRPr lang="en-US" altLang="zh-TW" sz="1600" b="1" dirty="0"/>
+          </a:p>
+          <a:p>
+            <a:pPr marL="342900" indent="-342900">
+              <a:buFont typeface="+mj-lt"/>
+              <a:buAutoNum type="arabicPeriod"/>
+            </a:pPr>
+            <a:r>
+              <a:rPr lang="zh-TW" altLang="en-US" sz="1600" b="1" dirty="0"/>
+              <a:t>樹莓派</a:t>
+            </a:r>
+            <a:endParaRPr lang="en-US" altLang="zh-TW" sz="1600" b="1" dirty="0"/>
+          </a:p>
+          <a:p>
+            <a:pPr marL="342900" indent="-342900">
+              <a:buFont typeface="+mj-lt"/>
+              <a:buAutoNum type="arabicPeriod"/>
+            </a:pPr>
+            <a:r>
+              <a:rPr lang="zh-TW" altLang="en-US" sz="1600" b="1" dirty="0" smtClean="0"/>
+              <a:t>攝像頭模組</a:t>
+            </a:r>
+            <a:endParaRPr lang="en-US" altLang="zh-TW" sz="1600" b="1" dirty="0" smtClean="0"/>
+          </a:p>
+          <a:p>
+            <a:pPr marL="342900" indent="-342900">
+              <a:buFont typeface="+mj-lt"/>
+              <a:buAutoNum type="arabicPeriod"/>
+            </a:pPr>
+            <a:r>
+              <a:rPr lang="zh-TW" altLang="en-US" sz="1600" b="1" dirty="0" smtClean="0"/>
+              <a:t>伺服馬達</a:t>
+            </a:r>
+            <a:endParaRPr lang="en-US" altLang="zh-TW" sz="1600" b="1" dirty="0" smtClean="0"/>
+          </a:p>
+          <a:p>
+            <a:pPr marL="0" indent="0">
+              <a:buNone/>
+            </a:pPr>
+            <a:r>
+              <a:rPr lang="en-US" altLang="zh-TW" sz="1600" b="1" dirty="0" smtClean="0"/>
+              <a:t>--------------------------------------------------------------------------------------------------------------------------</a:t>
+            </a:r>
+            <a:endParaRPr lang="en-US" altLang="zh-TW" sz="1600" b="1" dirty="0"/>
+          </a:p>
+          <a:p>
+            <a:pPr marL="0" indent="0">
+              <a:buNone/>
+            </a:pPr>
+            <a:r>
+              <a:rPr lang="zh-TW" altLang="en-US" sz="1600" b="1" dirty="0" smtClean="0"/>
+              <a:t>軟體</a:t>
+            </a:r>
+            <a:r>
+              <a:rPr lang="en-US" altLang="zh-TW" sz="1600" b="1" dirty="0" smtClean="0"/>
+              <a:t>:</a:t>
+            </a:r>
+            <a:endParaRPr lang="en-US" altLang="zh-TW" sz="1600" b="1" dirty="0"/>
+          </a:p>
+          <a:p>
+            <a:pPr marL="457200" indent="-457200">
+              <a:buFont typeface="+mj-lt"/>
+              <a:buAutoNum type="arabicPeriod"/>
+            </a:pPr>
+            <a:r>
+              <a:rPr lang="en-US" altLang="zh-TW" sz="1600" b="1" dirty="0"/>
+              <a:t>Ubuntu(16.04)</a:t>
+            </a:r>
+          </a:p>
+          <a:p>
+            <a:pPr marL="457200" indent="-457200">
+              <a:buFont typeface="+mj-lt"/>
+              <a:buAutoNum type="arabicPeriod"/>
+            </a:pPr>
+            <a:r>
+              <a:rPr lang="en-US" altLang="zh-TW" sz="1600" b="1" dirty="0"/>
+              <a:t>Python</a:t>
+            </a:r>
+            <a:r>
+              <a:rPr lang="zh-TW" altLang="en-US" sz="1600" b="1" dirty="0"/>
+              <a:t>、</a:t>
+            </a:r>
+            <a:r>
+              <a:rPr lang="en-US" altLang="zh-TW" sz="1600" b="1" dirty="0" err="1"/>
+              <a:t>OpenCV</a:t>
+            </a:r>
+            <a:endParaRPr lang="en-US" altLang="zh-TW" sz="1600" b="1" dirty="0"/>
+          </a:p>
+          <a:p>
+            <a:pPr marL="457200" indent="-457200">
+              <a:buFont typeface="+mj-lt"/>
+              <a:buAutoNum type="arabicPeriod"/>
+            </a:pPr>
+            <a:r>
+              <a:rPr lang="en-US" altLang="zh-TW" sz="1600" b="1" dirty="0"/>
+              <a:t>GUI (webserver)</a:t>
+            </a:r>
+            <a:endParaRPr lang="en-US" altLang="zh-TW" sz="1600" b="1" dirty="0"/>
           </a:p>
         </p:txBody>
       </p:sp>
     </p:spTree>
     <p:extLst>
       <p:ext uri="{BB962C8B-B14F-4D97-AF65-F5344CB8AC3E}">
-        <p14:creationId xmlns:p14="http://schemas.microsoft.com/office/powerpoint/2010/main" val="1502144601"/>
+        <p14:creationId xmlns:p14="http://schemas.microsoft.com/office/powerpoint/2010/main" val="2514732012"/>
       </p:ext>
     </p:extLst>
   </p:cSld>
@@ -4321,6 +4239,148 @@
           <a:lstStyle/>
           <a:p>
             <a:r>
+              <a:rPr lang="zh-TW" altLang="en-US" dirty="0" smtClean="0"/>
+              <a:t>需求 </a:t>
+            </a:r>
+            <a:endParaRPr lang="zh-TW" altLang="en-US" dirty="0"/>
+          </a:p>
+        </p:txBody>
+      </p:sp>
+      <p:sp>
+        <p:nvSpPr>
+          <p:cNvPr id="3" name="內容版面配置區 2"/>
+          <p:cNvSpPr>
+            <a:spLocks noGrp="1"/>
+          </p:cNvSpPr>
+          <p:nvPr>
+            <p:ph idx="1"/>
+          </p:nvPr>
+        </p:nvSpPr>
+        <p:spPr/>
+        <p:txBody>
+          <a:bodyPr/>
+          <a:lstStyle/>
+          <a:p>
+            <a:r>
+              <a:rPr lang="en-US" altLang="zh-TW" dirty="0" smtClean="0"/>
+              <a:t>1</a:t>
+            </a:r>
+            <a:r>
+              <a:rPr lang="en-US" altLang="zh-TW" dirty="0" smtClean="0"/>
+              <a:t>.</a:t>
+            </a:r>
+            <a:r>
+              <a:rPr lang="zh-TW" altLang="en-US" dirty="0" smtClean="0"/>
+              <a:t>切換自動時用</a:t>
+            </a:r>
+            <a:r>
+              <a:rPr lang="en-US" altLang="zh-TW" dirty="0" smtClean="0"/>
+              <a:t>marker</a:t>
+            </a:r>
+            <a:r>
+              <a:rPr lang="zh-TW" altLang="en-US" dirty="0" smtClean="0"/>
+              <a:t>先鎖定人在用</a:t>
+            </a:r>
+            <a:r>
+              <a:rPr lang="en-US" altLang="zh-TW" dirty="0" smtClean="0"/>
+              <a:t>HVS</a:t>
+            </a:r>
+            <a:r>
+              <a:rPr lang="zh-TW" altLang="en-US" dirty="0" smtClean="0"/>
+              <a:t>及</a:t>
+            </a:r>
+            <a:r>
+              <a:rPr lang="en-US" altLang="zh-TW" dirty="0" err="1" smtClean="0"/>
+              <a:t>roi</a:t>
+            </a:r>
+            <a:r>
+              <a:rPr lang="zh-TW" altLang="en-US" dirty="0" smtClean="0"/>
+              <a:t>保持鎖定</a:t>
+            </a:r>
+            <a:endParaRPr lang="en-US" altLang="zh-TW" dirty="0" smtClean="0"/>
+          </a:p>
+          <a:p>
+            <a:r>
+              <a:rPr lang="en-US" altLang="zh-TW" dirty="0" smtClean="0"/>
+              <a:t>2.</a:t>
+            </a:r>
+            <a:r>
+              <a:rPr lang="zh-TW" altLang="en-US" dirty="0" smtClean="0"/>
+              <a:t>用影像前後偵</a:t>
+            </a:r>
+            <a:r>
+              <a:rPr lang="en-US" altLang="zh-TW" dirty="0" smtClean="0"/>
+              <a:t>,</a:t>
+            </a:r>
+            <a:r>
+              <a:rPr lang="zh-TW" altLang="en-US" dirty="0" smtClean="0"/>
+              <a:t>畫面中左右占比來確定左右移動</a:t>
+            </a:r>
+            <a:endParaRPr lang="en-US" altLang="zh-TW" dirty="0" smtClean="0"/>
+          </a:p>
+          <a:p>
+            <a:r>
+              <a:rPr lang="en-US" altLang="zh-TW" dirty="0" smtClean="0"/>
+              <a:t>3.</a:t>
+            </a:r>
+            <a:r>
+              <a:rPr lang="zh-TW" altLang="en-US" dirty="0" smtClean="0"/>
+              <a:t>驅動馬達</a:t>
+            </a:r>
+            <a:r>
+              <a:rPr lang="zh-TW" altLang="en-US" dirty="0" smtClean="0"/>
+              <a:t>移動鏡頭</a:t>
+            </a:r>
+            <a:endParaRPr lang="en-US" altLang="zh-TW" dirty="0" smtClean="0"/>
+          </a:p>
+        </p:txBody>
+      </p:sp>
+    </p:spTree>
+    <p:extLst>
+      <p:ext uri="{BB962C8B-B14F-4D97-AF65-F5344CB8AC3E}">
+        <p14:creationId xmlns:p14="http://schemas.microsoft.com/office/powerpoint/2010/main" val="1419275976"/>
+      </p:ext>
+    </p:extLst>
+  </p:cSld>
+  <p:clrMapOvr>
+    <a:masterClrMapping/>
+  </p:clrMapOvr>
+</p:sld>
+</file>
+
+<file path=ppt/slides/slide5.xml><?xml version="1.0" encoding="utf-8"?>
+<p:sld xmlns:a="http://schemas.openxmlformats.org/drawingml/2006/main" xmlns:r="http://schemas.openxmlformats.org/officeDocument/2006/relationships" xmlns:p="http://schemas.openxmlformats.org/presentationml/2006/main">
+  <p:cSld>
+    <p:spTree>
+      <p:nvGrpSpPr>
+        <p:cNvPr id="1" name=""/>
+        <p:cNvGrpSpPr/>
+        <p:nvPr/>
+      </p:nvGrpSpPr>
+      <p:grpSpPr>
+        <a:xfrm>
+          <a:off x="0" y="0"/>
+          <a:ext cx="0" cy="0"/>
+          <a:chOff x="0" y="0"/>
+          <a:chExt cx="0" cy="0"/>
+        </a:xfrm>
+      </p:grpSpPr>
+      <p:sp>
+        <p:nvSpPr>
+          <p:cNvPr id="2" name="標題 1"/>
+          <p:cNvSpPr>
+            <a:spLocks noGrp="1"/>
+          </p:cNvSpPr>
+          <p:nvPr>
+            <p:ph type="title"/>
+          </p:nvPr>
+        </p:nvSpPr>
+        <p:spPr/>
+        <p:txBody>
+          <a:bodyPr/>
+          <a:lstStyle/>
+          <a:p>
+            <a:r>
               <a:rPr lang="zh-TW" altLang="en-US" dirty="0"/>
               <a:t>分析</a:t>
             </a:r>
@@ -4334,14 +4394,156 @@
       </p:sp>
       <p:sp>
         <p:nvSpPr>
-          <p:cNvPr id="4" name="矩形 3"/>
+          <p:cNvPr id="3" name="矩形 2"/>
           <p:cNvSpPr/>
           <p:nvPr/>
         </p:nvSpPr>
         <p:spPr>
           <a:xfrm>
-            <a:off x="543282" y="1982462"/>
+            <a:off x="1549457" y="4808593"/>
+            <a:ext cx="2031325" cy="369332"/>
+          </a:xfrm>
+          <a:prstGeom prst="rect">
+            <a:avLst/>
+          </a:prstGeom>
+          <a:ln w="38100">
+            <a:solidFill>
+              <a:srgbClr val="0070C0"/>
+            </a:solidFill>
+          </a:ln>
+        </p:spPr>
+        <p:txBody>
+          <a:bodyPr wrap="none">
+            <a:spAutoFit/>
+          </a:bodyPr>
+          <a:lstStyle/>
+          <a:p>
+            <a:r>
+              <a:rPr lang="zh-TW" altLang="en-US" dirty="0" smtClean="0"/>
+              <a:t>輸出調整</a:t>
+            </a:r>
+            <a:r>
+              <a:rPr lang="zh-TW" altLang="en-US" dirty="0"/>
+              <a:t>鏡頭方向</a:t>
+            </a:r>
+          </a:p>
+        </p:txBody>
+      </p:sp>
+      <p:sp>
+        <p:nvSpPr>
+          <p:cNvPr id="16" name="文字方塊 15"/>
+          <p:cNvSpPr txBox="1"/>
+          <p:nvPr/>
+        </p:nvSpPr>
+        <p:spPr>
+          <a:xfrm>
+            <a:off x="1549457" y="1828800"/>
             <a:ext cx="1107996" cy="369332"/>
+          </a:xfrm>
+          <a:prstGeom prst="rect">
+            <a:avLst/>
+          </a:prstGeom>
+          <a:noFill/>
+          <a:ln w="38100">
+            <a:solidFill>
+              <a:srgbClr val="00B0F0"/>
+            </a:solidFill>
+          </a:ln>
+        </p:spPr>
+        <p:txBody>
+          <a:bodyPr wrap="none" rtlCol="0">
+            <a:spAutoFit/>
+          </a:bodyPr>
+          <a:lstStyle/>
+          <a:p>
+            <a:r>
+              <a:rPr lang="zh-TW" altLang="en-US" dirty="0" smtClean="0"/>
+              <a:t>輸入影像</a:t>
+            </a:r>
+            <a:endParaRPr lang="zh-TW" altLang="en-US" dirty="0"/>
+          </a:p>
+        </p:txBody>
+      </p:sp>
+      <p:sp>
+        <p:nvSpPr>
+          <p:cNvPr id="21" name="文字方塊 20"/>
+          <p:cNvSpPr txBox="1"/>
+          <p:nvPr/>
+        </p:nvSpPr>
+        <p:spPr>
+          <a:xfrm>
+            <a:off x="5153347" y="1828800"/>
+            <a:ext cx="646331" cy="369332"/>
+          </a:xfrm>
+          <a:prstGeom prst="rect">
+            <a:avLst/>
+          </a:prstGeom>
+          <a:noFill/>
+          <a:ln w="28575">
+            <a:solidFill>
+              <a:schemeClr val="accent1"/>
+            </a:solidFill>
+          </a:ln>
+        </p:spPr>
+        <p:txBody>
+          <a:bodyPr wrap="none" rtlCol="0">
+            <a:spAutoFit/>
+          </a:bodyPr>
+          <a:lstStyle/>
+          <a:p>
+            <a:r>
+              <a:rPr lang="zh-TW" altLang="en-US" dirty="0" smtClean="0"/>
+              <a:t>自動</a:t>
+            </a:r>
+            <a:endParaRPr lang="zh-TW" altLang="en-US" dirty="0"/>
+          </a:p>
+        </p:txBody>
+      </p:sp>
+      <p:sp>
+        <p:nvSpPr>
+          <p:cNvPr id="26" name="文字方塊 25"/>
+          <p:cNvSpPr txBox="1"/>
+          <p:nvPr/>
+        </p:nvSpPr>
+        <p:spPr>
+          <a:xfrm>
+            <a:off x="1780289" y="2570763"/>
+            <a:ext cx="646331" cy="369332"/>
+          </a:xfrm>
+          <a:prstGeom prst="rect">
+            <a:avLst/>
+          </a:prstGeom>
+          <a:noFill/>
+          <a:ln w="38100">
+            <a:solidFill>
+              <a:srgbClr val="00B050"/>
+            </a:solidFill>
+          </a:ln>
+        </p:spPr>
+        <p:txBody>
+          <a:bodyPr wrap="none" rtlCol="0">
+            <a:spAutoFit/>
+          </a:bodyPr>
+          <a:lstStyle/>
+          <a:p>
+            <a:r>
+              <a:rPr lang="zh-TW" altLang="en-US" dirty="0" smtClean="0"/>
+              <a:t>手動</a:t>
+            </a:r>
+            <a:endParaRPr lang="zh-TW" altLang="en-US" dirty="0"/>
+          </a:p>
+        </p:txBody>
+      </p:sp>
+      <p:sp>
+        <p:nvSpPr>
+          <p:cNvPr id="29" name="文字方塊 28"/>
+          <p:cNvSpPr txBox="1"/>
+          <p:nvPr/>
+        </p:nvSpPr>
+        <p:spPr>
+          <a:xfrm>
+            <a:off x="4357967" y="3131193"/>
+            <a:ext cx="2237087" cy="369332"/>
           </a:xfrm>
           <a:prstGeom prst="rect">
             <a:avLst/>
@@ -4354,29 +4556,37 @@
           </a:ln>
         </p:spPr>
         <p:txBody>
-          <a:bodyPr wrap="none">
+          <a:bodyPr wrap="none" rtlCol="0">
             <a:spAutoFit/>
           </a:bodyPr>
           <a:lstStyle/>
           <a:p>
             <a:r>
-              <a:rPr lang="zh-TW" altLang="en-US" dirty="0"/>
-              <a:t>輸入影像</a:t>
-            </a:r>
-            <a:endParaRPr lang="en-US" altLang="zh-TW" dirty="0"/>
-          </a:p>
-        </p:txBody>
-      </p:sp>
-      <p:sp>
-        <p:nvSpPr>
-          <p:cNvPr id="5" name="矩形 4"/>
-          <p:cNvSpPr/>
-          <p:nvPr/>
-        </p:nvSpPr>
-        <p:spPr>
-          <a:xfrm>
-            <a:off x="4440383" y="2021724"/>
-            <a:ext cx="2031325" cy="369332"/>
+              <a:rPr lang="zh-TW" altLang="en-US" dirty="0" smtClean="0"/>
+              <a:t>手動</a:t>
+            </a:r>
+            <a:r>
+              <a:rPr lang="en-US" altLang="zh-TW" dirty="0" smtClean="0"/>
+              <a:t>marker</a:t>
+            </a:r>
+            <a:r>
+              <a:rPr lang="zh-TW" altLang="en-US" dirty="0" smtClean="0"/>
+              <a:t>選取目標</a:t>
+            </a:r>
+            <a:endParaRPr lang="zh-TW" altLang="en-US" dirty="0"/>
+          </a:p>
+        </p:txBody>
+      </p:sp>
+      <p:sp>
+        <p:nvSpPr>
+          <p:cNvPr id="30" name="文字方塊 29"/>
+          <p:cNvSpPr txBox="1"/>
+          <p:nvPr/>
+        </p:nvSpPr>
+        <p:spPr>
+          <a:xfrm>
+            <a:off x="5037928" y="2593347"/>
+            <a:ext cx="877163" cy="369332"/>
           </a:xfrm>
           <a:prstGeom prst="rect">
             <a:avLst/>
@@ -4389,28 +4599,29 @@
           </a:ln>
         </p:spPr>
         <p:txBody>
-          <a:bodyPr wrap="none">
+          <a:bodyPr wrap="none" rtlCol="0">
             <a:spAutoFit/>
           </a:bodyPr>
           <a:lstStyle/>
           <a:p>
             <a:r>
-              <a:rPr lang="zh-TW" altLang="en-US" dirty="0"/>
-              <a:t>影像轉為黑白灰階</a:t>
-            </a:r>
-          </a:p>
-        </p:txBody>
-      </p:sp>
-      <p:sp>
-        <p:nvSpPr>
-          <p:cNvPr id="6" name="矩形 5"/>
-          <p:cNvSpPr/>
-          <p:nvPr/>
-        </p:nvSpPr>
-        <p:spPr>
-          <a:xfrm>
-            <a:off x="7201563" y="1980676"/>
-            <a:ext cx="1911101" cy="369332"/>
+              <a:rPr lang="zh-TW" altLang="en-US" dirty="0" smtClean="0"/>
+              <a:t>二值化</a:t>
+            </a:r>
+            <a:endParaRPr lang="zh-TW" altLang="en-US" dirty="0"/>
+          </a:p>
+        </p:txBody>
+      </p:sp>
+      <p:sp>
+        <p:nvSpPr>
+          <p:cNvPr id="32" name="文字方塊 31"/>
+          <p:cNvSpPr txBox="1"/>
+          <p:nvPr/>
+        </p:nvSpPr>
+        <p:spPr>
+          <a:xfrm>
+            <a:off x="4537183" y="3835582"/>
+            <a:ext cx="1878656" cy="369332"/>
           </a:xfrm>
           <a:prstGeom prst="rect">
             <a:avLst/>
@@ -4423,18 +4634,60 @@
           </a:ln>
         </p:spPr>
         <p:txBody>
+          <a:bodyPr wrap="none" rtlCol="0">
+            <a:spAutoFit/>
+          </a:bodyPr>
+          <a:lstStyle/>
+          <a:p>
+            <a:r>
+              <a:rPr lang="en-US" altLang="zh-TW" dirty="0" smtClean="0"/>
+              <a:t>HVS</a:t>
+            </a:r>
+            <a:r>
+              <a:rPr lang="en-US" altLang="zh-TW" dirty="0"/>
+              <a:t>,</a:t>
+            </a:r>
+            <a:r>
+              <a:rPr lang="en-US" altLang="zh-TW" dirty="0" smtClean="0"/>
+              <a:t>ROI</a:t>
+            </a:r>
+            <a:r>
+              <a:rPr lang="zh-TW" altLang="en-US" dirty="0" smtClean="0"/>
+              <a:t>進行鎖定</a:t>
+            </a:r>
+            <a:endParaRPr lang="zh-TW" altLang="en-US" dirty="0"/>
+          </a:p>
+        </p:txBody>
+      </p:sp>
+      <p:sp>
+        <p:nvSpPr>
+          <p:cNvPr id="33" name="矩形 32"/>
+          <p:cNvSpPr/>
+          <p:nvPr/>
+        </p:nvSpPr>
+        <p:spPr>
+          <a:xfrm>
+            <a:off x="6921737" y="2406012"/>
+            <a:ext cx="2262158" cy="369332"/>
+          </a:xfrm>
+          <a:prstGeom prst="rect">
+            <a:avLst/>
+          </a:prstGeom>
+          <a:ln w="38100">
+            <a:solidFill>
+              <a:schemeClr val="accent1"/>
+            </a:solidFill>
+          </a:ln>
+        </p:spPr>
+        <p:txBody>
           <a:bodyPr wrap="none">
             <a:spAutoFit/>
           </a:bodyPr>
           <a:lstStyle/>
           <a:p>
             <a:r>
-              <a:rPr lang="en-US" altLang="zh-TW" dirty="0"/>
-              <a:t>LBP</a:t>
-            </a:r>
-            <a:r>
               <a:rPr lang="zh-TW" altLang="en-US" dirty="0"/>
-              <a:t>切割不同區塊</a:t>
+              <a:t>切出影像左右的範圍</a:t>
             </a:r>
             <a:endParaRPr lang="en-US" altLang="zh-TW" dirty="0"/>
           </a:p>
@@ -4442,14 +4695,14 @@
       </p:sp>
       <p:sp>
         <p:nvSpPr>
-          <p:cNvPr id="7" name="矩形 6"/>
-          <p:cNvSpPr/>
-          <p:nvPr/>
-        </p:nvSpPr>
-        <p:spPr>
-          <a:xfrm>
-            <a:off x="7201563" y="3077093"/>
-            <a:ext cx="1874039" cy="369332"/>
+          <p:cNvPr id="4" name="文字方塊 3"/>
+          <p:cNvSpPr txBox="1"/>
+          <p:nvPr/>
+        </p:nvSpPr>
+        <p:spPr>
+          <a:xfrm>
+            <a:off x="7383402" y="3835582"/>
+            <a:ext cx="1338828" cy="369332"/>
           </a:xfrm>
           <a:prstGeom prst="rect">
             <a:avLst/>
@@ -4462,32 +4715,28 @@
           </a:ln>
         </p:spPr>
         <p:txBody>
-          <a:bodyPr wrap="none">
+          <a:bodyPr wrap="none" rtlCol="0">
             <a:spAutoFit/>
           </a:bodyPr>
           <a:lstStyle/>
           <a:p>
             <a:r>
-              <a:rPr lang="en-US" altLang="zh-TW" dirty="0" smtClean="0"/>
-              <a:t>Markers</a:t>
-            </a:r>
-            <a:r>
               <a:rPr lang="zh-TW" altLang="en-US" dirty="0" smtClean="0"/>
-              <a:t>分出背景</a:t>
-            </a:r>
-            <a:endParaRPr lang="en-US" altLang="zh-TW" dirty="0"/>
-          </a:p>
-        </p:txBody>
-      </p:sp>
-      <p:sp>
-        <p:nvSpPr>
-          <p:cNvPr id="9" name="矩形 8"/>
-          <p:cNvSpPr/>
-          <p:nvPr/>
-        </p:nvSpPr>
-        <p:spPr>
-          <a:xfrm>
-            <a:off x="6031613" y="4110267"/>
+              <a:t>像素前後偵</a:t>
+            </a:r>
+            <a:endParaRPr lang="zh-TW" altLang="en-US" dirty="0"/>
+          </a:p>
+        </p:txBody>
+      </p:sp>
+      <p:sp>
+        <p:nvSpPr>
+          <p:cNvPr id="5" name="文字方塊 4"/>
+          <p:cNvSpPr txBox="1"/>
+          <p:nvPr/>
+        </p:nvSpPr>
+        <p:spPr>
+          <a:xfrm>
+            <a:off x="7267986" y="4410443"/>
             <a:ext cx="1569660" cy="369332"/>
           </a:xfrm>
           <a:prstGeom prst="rect">
@@ -4501,41 +4750,420 @@
           </a:ln>
         </p:spPr>
         <p:txBody>
-          <a:bodyPr wrap="none">
+          <a:bodyPr wrap="none" rtlCol="0">
             <a:spAutoFit/>
           </a:bodyPr>
           <a:lstStyle/>
           <a:p>
             <a:r>
               <a:rPr lang="zh-TW" altLang="en-US" dirty="0" smtClean="0"/>
-              <a:t>找出</a:t>
-            </a:r>
-            <a:r>
-              <a:rPr lang="zh-TW" altLang="en-US" dirty="0"/>
-              <a:t>人體</a:t>
-            </a:r>
-            <a:r>
-              <a:rPr lang="zh-TW" altLang="en-US" dirty="0" smtClean="0"/>
-              <a:t>輪廓</a:t>
-            </a:r>
-            <a:endParaRPr lang="en-US" altLang="zh-TW" dirty="0"/>
-          </a:p>
-        </p:txBody>
-      </p:sp>
-      <p:sp>
-        <p:nvSpPr>
-          <p:cNvPr id="10" name="矩形 9"/>
-          <p:cNvSpPr/>
-          <p:nvPr/>
-        </p:nvSpPr>
-        <p:spPr>
-          <a:xfrm>
-            <a:off x="1469826" y="3203584"/>
-            <a:ext cx="2772126" cy="369332"/>
-          </a:xfrm>
-          <a:prstGeom prst="rect">
-            <a:avLst/>
-          </a:prstGeom>
+              <a:t>像素左右占比</a:t>
+            </a:r>
+            <a:endParaRPr lang="zh-TW" altLang="en-US" dirty="0"/>
+          </a:p>
+        </p:txBody>
+      </p:sp>
+      <p:cxnSp>
+        <p:nvCxnSpPr>
+          <p:cNvPr id="9" name="直線接點 8"/>
+          <p:cNvCxnSpPr>
+            <a:stCxn id="16" idx="2"/>
+            <a:endCxn id="26" idx="0"/>
+          </p:cNvCxnSpPr>
+          <p:nvPr/>
+        </p:nvCxnSpPr>
+        <p:spPr>
+          <a:xfrm>
+            <a:off x="2103455" y="2198132"/>
+            <a:ext cx="0" cy="372631"/>
+          </a:xfrm>
+          <a:prstGeom prst="line">
+            <a:avLst/>
+          </a:prstGeom>
+          <a:ln w="38100">
+            <a:solidFill>
+              <a:srgbClr val="00B050"/>
+            </a:solidFill>
+          </a:ln>
+        </p:spPr>
+        <p:style>
+          <a:lnRef idx="1">
+            <a:schemeClr val="accent1"/>
+          </a:lnRef>
+          <a:fillRef idx="0">
+            <a:schemeClr val="accent1"/>
+          </a:fillRef>
+          <a:effectRef idx="0">
+            <a:schemeClr val="accent1"/>
+          </a:effectRef>
+          <a:fontRef idx="minor">
+            <a:schemeClr val="tx1"/>
+          </a:fontRef>
+        </p:style>
+      </p:cxnSp>
+      <p:cxnSp>
+        <p:nvCxnSpPr>
+          <p:cNvPr id="13" name="直線接點 12"/>
+          <p:cNvCxnSpPr>
+            <a:stCxn id="26" idx="2"/>
+            <a:endCxn id="3" idx="0"/>
+          </p:cNvCxnSpPr>
+          <p:nvPr/>
+        </p:nvCxnSpPr>
+        <p:spPr>
+          <a:xfrm>
+            <a:off x="2103455" y="2940095"/>
+            <a:ext cx="461665" cy="1868498"/>
+          </a:xfrm>
+          <a:prstGeom prst="line">
+            <a:avLst/>
+          </a:prstGeom>
+          <a:ln w="38100">
+            <a:solidFill>
+              <a:srgbClr val="00B050"/>
+            </a:solidFill>
+          </a:ln>
+        </p:spPr>
+        <p:style>
+          <a:lnRef idx="1">
+            <a:schemeClr val="accent1"/>
+          </a:lnRef>
+          <a:fillRef idx="0">
+            <a:schemeClr val="accent1"/>
+          </a:fillRef>
+          <a:effectRef idx="0">
+            <a:schemeClr val="accent1"/>
+          </a:effectRef>
+          <a:fontRef idx="minor">
+            <a:schemeClr val="tx1"/>
+          </a:fontRef>
+        </p:style>
+      </p:cxnSp>
+      <p:cxnSp>
+        <p:nvCxnSpPr>
+          <p:cNvPr id="17" name="直線接點 16"/>
+          <p:cNvCxnSpPr>
+            <a:stCxn id="16" idx="3"/>
+            <a:endCxn id="21" idx="1"/>
+          </p:cNvCxnSpPr>
+          <p:nvPr/>
+        </p:nvCxnSpPr>
+        <p:spPr>
+          <a:xfrm>
+            <a:off x="2657453" y="2013466"/>
+            <a:ext cx="2495894" cy="0"/>
+          </a:xfrm>
+          <a:prstGeom prst="line">
+            <a:avLst/>
+          </a:prstGeom>
+          <a:ln w="38100"/>
+        </p:spPr>
+        <p:style>
+          <a:lnRef idx="1">
+            <a:schemeClr val="accent1"/>
+          </a:lnRef>
+          <a:fillRef idx="0">
+            <a:schemeClr val="accent1"/>
+          </a:fillRef>
+          <a:effectRef idx="0">
+            <a:schemeClr val="accent1"/>
+          </a:effectRef>
+          <a:fontRef idx="minor">
+            <a:schemeClr val="tx1"/>
+          </a:fontRef>
+        </p:style>
+      </p:cxnSp>
+      <p:cxnSp>
+        <p:nvCxnSpPr>
+          <p:cNvPr id="20" name="直線接點 19"/>
+          <p:cNvCxnSpPr>
+            <a:stCxn id="21" idx="2"/>
+            <a:endCxn id="30" idx="0"/>
+          </p:cNvCxnSpPr>
+          <p:nvPr/>
+        </p:nvCxnSpPr>
+        <p:spPr>
+          <a:xfrm flipH="1">
+            <a:off x="5476510" y="2198132"/>
+            <a:ext cx="3" cy="395215"/>
+          </a:xfrm>
+          <a:prstGeom prst="line">
+            <a:avLst/>
+          </a:prstGeom>
+          <a:ln w="38100"/>
+        </p:spPr>
+        <p:style>
+          <a:lnRef idx="1">
+            <a:schemeClr val="accent1"/>
+          </a:lnRef>
+          <a:fillRef idx="0">
+            <a:schemeClr val="accent1"/>
+          </a:fillRef>
+          <a:effectRef idx="0">
+            <a:schemeClr val="accent1"/>
+          </a:effectRef>
+          <a:fontRef idx="minor">
+            <a:schemeClr val="tx1"/>
+          </a:fontRef>
+        </p:style>
+      </p:cxnSp>
+      <p:cxnSp>
+        <p:nvCxnSpPr>
+          <p:cNvPr id="23" name="直線接點 22"/>
+          <p:cNvCxnSpPr>
+            <a:stCxn id="30" idx="2"/>
+            <a:endCxn id="29" idx="0"/>
+          </p:cNvCxnSpPr>
+          <p:nvPr/>
+        </p:nvCxnSpPr>
+        <p:spPr>
+          <a:xfrm>
+            <a:off x="5476510" y="2962679"/>
+            <a:ext cx="1" cy="168514"/>
+          </a:xfrm>
+          <a:prstGeom prst="line">
+            <a:avLst/>
+          </a:prstGeom>
+          <a:ln w="38100"/>
+        </p:spPr>
+        <p:style>
+          <a:lnRef idx="1">
+            <a:schemeClr val="accent1"/>
+          </a:lnRef>
+          <a:fillRef idx="0">
+            <a:schemeClr val="accent1"/>
+          </a:fillRef>
+          <a:effectRef idx="0">
+            <a:schemeClr val="accent1"/>
+          </a:effectRef>
+          <a:fontRef idx="minor">
+            <a:schemeClr val="tx1"/>
+          </a:fontRef>
+        </p:style>
+      </p:cxnSp>
+      <p:cxnSp>
+        <p:nvCxnSpPr>
+          <p:cNvPr id="25" name="直線接點 24"/>
+          <p:cNvCxnSpPr>
+            <a:stCxn id="29" idx="2"/>
+            <a:endCxn id="32" idx="0"/>
+          </p:cNvCxnSpPr>
+          <p:nvPr/>
+        </p:nvCxnSpPr>
+        <p:spPr>
+          <a:xfrm>
+            <a:off x="5476511" y="3500525"/>
+            <a:ext cx="0" cy="335057"/>
+          </a:xfrm>
+          <a:prstGeom prst="line">
+            <a:avLst/>
+          </a:prstGeom>
+          <a:ln w="38100"/>
+        </p:spPr>
+        <p:style>
+          <a:lnRef idx="1">
+            <a:schemeClr val="accent1"/>
+          </a:lnRef>
+          <a:fillRef idx="0">
+            <a:schemeClr val="accent1"/>
+          </a:fillRef>
+          <a:effectRef idx="0">
+            <a:schemeClr val="accent1"/>
+          </a:effectRef>
+          <a:fontRef idx="minor">
+            <a:schemeClr val="tx1"/>
+          </a:fontRef>
+        </p:style>
+      </p:cxnSp>
+      <p:cxnSp>
+        <p:nvCxnSpPr>
+          <p:cNvPr id="41" name="肘形接點 40"/>
+          <p:cNvCxnSpPr>
+            <a:stCxn id="21" idx="3"/>
+            <a:endCxn id="33" idx="0"/>
+          </p:cNvCxnSpPr>
+          <p:nvPr/>
+        </p:nvCxnSpPr>
+        <p:spPr>
+          <a:xfrm>
+            <a:off x="5799678" y="2013466"/>
+            <a:ext cx="2253138" cy="392546"/>
+          </a:xfrm>
+          <a:prstGeom prst="bentConnector2">
+            <a:avLst/>
+          </a:prstGeom>
+          <a:ln w="38100"/>
+        </p:spPr>
+        <p:style>
+          <a:lnRef idx="1">
+            <a:schemeClr val="accent1"/>
+          </a:lnRef>
+          <a:fillRef idx="0">
+            <a:schemeClr val="accent1"/>
+          </a:fillRef>
+          <a:effectRef idx="0">
+            <a:schemeClr val="accent1"/>
+          </a:effectRef>
+          <a:fontRef idx="minor">
+            <a:schemeClr val="tx1"/>
+          </a:fontRef>
+        </p:style>
+      </p:cxnSp>
+      <p:cxnSp>
+        <p:nvCxnSpPr>
+          <p:cNvPr id="44" name="直線接點 43"/>
+          <p:cNvCxnSpPr>
+            <a:stCxn id="33" idx="2"/>
+            <a:endCxn id="4" idx="0"/>
+          </p:cNvCxnSpPr>
+          <p:nvPr/>
+        </p:nvCxnSpPr>
+        <p:spPr>
+          <a:xfrm>
+            <a:off x="8052816" y="2775344"/>
+            <a:ext cx="0" cy="1060238"/>
+          </a:xfrm>
+          <a:prstGeom prst="line">
+            <a:avLst/>
+          </a:prstGeom>
+          <a:ln w="38100"/>
+        </p:spPr>
+        <p:style>
+          <a:lnRef idx="1">
+            <a:schemeClr val="accent1"/>
+          </a:lnRef>
+          <a:fillRef idx="0">
+            <a:schemeClr val="accent1"/>
+          </a:fillRef>
+          <a:effectRef idx="0">
+            <a:schemeClr val="accent1"/>
+          </a:effectRef>
+          <a:fontRef idx="minor">
+            <a:schemeClr val="tx1"/>
+          </a:fontRef>
+        </p:style>
+      </p:cxnSp>
+      <p:cxnSp>
+        <p:nvCxnSpPr>
+          <p:cNvPr id="47" name="直線接點 46"/>
+          <p:cNvCxnSpPr>
+            <a:stCxn id="4" idx="2"/>
+            <a:endCxn id="5" idx="0"/>
+          </p:cNvCxnSpPr>
+          <p:nvPr/>
+        </p:nvCxnSpPr>
+        <p:spPr>
+          <a:xfrm>
+            <a:off x="8052816" y="4204914"/>
+            <a:ext cx="0" cy="205529"/>
+          </a:xfrm>
+          <a:prstGeom prst="line">
+            <a:avLst/>
+          </a:prstGeom>
+          <a:ln w="38100"/>
+        </p:spPr>
+        <p:style>
+          <a:lnRef idx="1">
+            <a:schemeClr val="accent1"/>
+          </a:lnRef>
+          <a:fillRef idx="0">
+            <a:schemeClr val="accent1"/>
+          </a:fillRef>
+          <a:effectRef idx="0">
+            <a:schemeClr val="accent1"/>
+          </a:effectRef>
+          <a:fontRef idx="minor">
+            <a:schemeClr val="tx1"/>
+          </a:fontRef>
+        </p:style>
+      </p:cxnSp>
+      <p:cxnSp>
+        <p:nvCxnSpPr>
+          <p:cNvPr id="49" name="直線單箭頭接點 48"/>
+          <p:cNvCxnSpPr>
+            <a:stCxn id="32" idx="3"/>
+            <a:endCxn id="4" idx="1"/>
+          </p:cNvCxnSpPr>
+          <p:nvPr/>
+        </p:nvCxnSpPr>
+        <p:spPr>
+          <a:xfrm>
+            <a:off x="6415839" y="4020248"/>
+            <a:ext cx="967563" cy="0"/>
+          </a:xfrm>
+          <a:prstGeom prst="straightConnector1">
+            <a:avLst/>
+          </a:prstGeom>
+          <a:ln w="38100">
+            <a:tailEnd type="triangle"/>
+          </a:ln>
+        </p:spPr>
+        <p:style>
+          <a:lnRef idx="1">
+            <a:schemeClr val="accent1"/>
+          </a:lnRef>
+          <a:fillRef idx="0">
+            <a:schemeClr val="accent1"/>
+          </a:fillRef>
+          <a:effectRef idx="0">
+            <a:schemeClr val="accent1"/>
+          </a:effectRef>
+          <a:fontRef idx="minor">
+            <a:schemeClr val="tx1"/>
+          </a:fontRef>
+        </p:style>
+      </p:cxnSp>
+      <p:cxnSp>
+        <p:nvCxnSpPr>
+          <p:cNvPr id="53" name="肘形接點 52"/>
+          <p:cNvCxnSpPr>
+            <a:stCxn id="5" idx="2"/>
+            <a:endCxn id="3" idx="3"/>
+          </p:cNvCxnSpPr>
+          <p:nvPr/>
+        </p:nvCxnSpPr>
+        <p:spPr>
+          <a:xfrm rot="5400000">
+            <a:off x="5710057" y="2650500"/>
+            <a:ext cx="213484" cy="4472034"/>
+          </a:xfrm>
+          <a:prstGeom prst="bentConnector2">
+            <a:avLst/>
+          </a:prstGeom>
+          <a:ln w="38100">
+            <a:tailEnd type="triangle"/>
+          </a:ln>
+        </p:spPr>
+        <p:style>
+          <a:lnRef idx="1">
+            <a:schemeClr val="accent1"/>
+          </a:lnRef>
+          <a:fillRef idx="0">
+            <a:schemeClr val="accent1"/>
+          </a:fillRef>
+          <a:effectRef idx="0">
+            <a:schemeClr val="accent1"/>
+          </a:effectRef>
+          <a:fontRef idx="minor">
+            <a:schemeClr val="tx1"/>
+          </a:fontRef>
+        </p:style>
+      </p:cxnSp>
+      <p:sp>
+        <p:nvSpPr>
+          <p:cNvPr id="71" name="文字方塊 70"/>
+          <p:cNvSpPr txBox="1"/>
+          <p:nvPr/>
+        </p:nvSpPr>
+        <p:spPr>
+          <a:xfrm>
+            <a:off x="2011121" y="5507306"/>
+            <a:ext cx="1107996" cy="369332"/>
+          </a:xfrm>
+          <a:prstGeom prst="rect">
+            <a:avLst/>
+          </a:prstGeom>
+          <a:noFill/>
           <a:ln w="38100">
             <a:solidFill>
               <a:srgbClr val="0070C0"/>
@@ -4543,41 +5171,290 @@
           </a:ln>
         </p:spPr>
         <p:txBody>
-          <a:bodyPr wrap="square">
+          <a:bodyPr wrap="none" rtlCol="0">
             <a:spAutoFit/>
           </a:bodyPr>
           <a:lstStyle/>
           <a:p>
             <a:r>
-              <a:rPr lang="zh-TW" altLang="en-US" dirty="0"/>
-              <a:t>切出</a:t>
-            </a:r>
-            <a:r>
               <a:rPr lang="zh-TW" altLang="en-US" dirty="0" smtClean="0"/>
-              <a:t>影像</a:t>
-            </a:r>
-            <a:r>
-              <a:rPr lang="zh-TW" altLang="en-US" dirty="0"/>
-              <a:t>上下</a:t>
-            </a:r>
+              <a:t>輸出影像</a:t>
+            </a:r>
+            <a:endParaRPr lang="zh-TW" altLang="en-US" dirty="0"/>
+          </a:p>
+        </p:txBody>
+      </p:sp>
+      <p:cxnSp>
+        <p:nvCxnSpPr>
+          <p:cNvPr id="73" name="直線單箭頭接點 72"/>
+          <p:cNvCxnSpPr>
+            <a:stCxn id="3" idx="2"/>
+            <a:endCxn id="71" idx="0"/>
+          </p:cNvCxnSpPr>
+          <p:nvPr/>
+        </p:nvCxnSpPr>
+        <p:spPr>
+          <a:xfrm flipH="1">
+            <a:off x="2565119" y="5177925"/>
+            <a:ext cx="1" cy="329381"/>
+          </a:xfrm>
+          <a:prstGeom prst="straightConnector1">
+            <a:avLst/>
+          </a:prstGeom>
+          <a:ln w="57150">
+            <a:solidFill>
+              <a:srgbClr val="0070C0"/>
+            </a:solidFill>
+            <a:tailEnd type="triangle"/>
+          </a:ln>
+        </p:spPr>
+        <p:style>
+          <a:lnRef idx="1">
+            <a:schemeClr val="accent1"/>
+          </a:lnRef>
+          <a:fillRef idx="0">
+            <a:schemeClr val="accent1"/>
+          </a:fillRef>
+          <a:effectRef idx="0">
+            <a:schemeClr val="accent1"/>
+          </a:effectRef>
+          <a:fontRef idx="minor">
+            <a:schemeClr val="tx1"/>
+          </a:fontRef>
+        </p:style>
+      </p:cxnSp>
+    </p:spTree>
+    <p:extLst>
+      <p:ext uri="{BB962C8B-B14F-4D97-AF65-F5344CB8AC3E}">
+        <p14:creationId xmlns:p14="http://schemas.microsoft.com/office/powerpoint/2010/main" val="3501973617"/>
+      </p:ext>
+    </p:extLst>
+  </p:cSld>
+  <p:clrMapOvr>
+    <a:masterClrMapping/>
+  </p:clrMapOvr>
+</p:sld>
+</file>
+
+<file path=ppt/slides/slide6.xml><?xml version="1.0" encoding="utf-8"?>
+<p:sld xmlns:a="http://schemas.openxmlformats.org/drawingml/2006/main" xmlns:r="http://schemas.openxmlformats.org/officeDocument/2006/relationships" xmlns:p="http://schemas.openxmlformats.org/presentationml/2006/main">
+  <p:cSld>
+    <p:spTree>
+      <p:nvGrpSpPr>
+        <p:cNvPr id="1" name=""/>
+        <p:cNvGrpSpPr/>
+        <p:nvPr/>
+      </p:nvGrpSpPr>
+      <p:grpSpPr>
+        <a:xfrm>
+          <a:off x="0" y="0"/>
+          <a:ext cx="0" cy="0"/>
+          <a:chOff x="0" y="0"/>
+          <a:chExt cx="0" cy="0"/>
+        </a:xfrm>
+      </p:grpSpPr>
+      <p:sp>
+        <p:nvSpPr>
+          <p:cNvPr id="112" name="文字方塊 111"/>
+          <p:cNvSpPr txBox="1"/>
+          <p:nvPr/>
+        </p:nvSpPr>
+        <p:spPr>
+          <a:xfrm>
+            <a:off x="7759991" y="2089993"/>
+            <a:ext cx="2584210" cy="2308324"/>
+          </a:xfrm>
+          <a:prstGeom prst="rect">
+            <a:avLst/>
+          </a:prstGeom>
+          <a:noFill/>
+          <a:ln w="38100">
+            <a:solidFill>
+              <a:srgbClr val="FFC000"/>
+            </a:solidFill>
+          </a:ln>
+        </p:spPr>
+        <p:txBody>
+          <a:bodyPr wrap="square" rtlCol="0">
+            <a:spAutoFit/>
+          </a:bodyPr>
+          <a:lstStyle/>
+          <a:p>
             <a:r>
               <a:rPr lang="zh-TW" altLang="en-US" dirty="0" smtClean="0"/>
-              <a:t>左右的範圍</a:t>
-            </a:r>
+              <a:t>移動判斷模組</a:t>
+            </a:r>
+            <a:endParaRPr lang="en-US" altLang="zh-TW" dirty="0" smtClean="0"/>
+          </a:p>
+          <a:p>
+            <a:endParaRPr lang="en-US" altLang="zh-TW" dirty="0"/>
+          </a:p>
+          <a:p>
+            <a:endParaRPr lang="en-US" altLang="zh-TW" dirty="0" smtClean="0"/>
+          </a:p>
+          <a:p>
+            <a:endParaRPr lang="en-US" altLang="zh-TW" dirty="0" smtClean="0"/>
+          </a:p>
+          <a:p>
+            <a:endParaRPr lang="en-US" altLang="zh-TW" dirty="0"/>
+          </a:p>
+          <a:p>
+            <a:endParaRPr lang="en-US" altLang="zh-TW" dirty="0" smtClean="0"/>
+          </a:p>
+          <a:p>
+            <a:endParaRPr lang="en-US" altLang="zh-TW" dirty="0"/>
+          </a:p>
+          <a:p>
             <a:endParaRPr lang="zh-TW" altLang="en-US" dirty="0"/>
           </a:p>
         </p:txBody>
       </p:sp>
       <p:sp>
         <p:nvSpPr>
-          <p:cNvPr id="11" name="矩形 10"/>
+          <p:cNvPr id="21" name="文字方塊 20"/>
+          <p:cNvSpPr txBox="1"/>
+          <p:nvPr/>
+        </p:nvSpPr>
+        <p:spPr>
+          <a:xfrm>
+            <a:off x="4923913" y="1888627"/>
+            <a:ext cx="6014477" cy="3970318"/>
+          </a:xfrm>
+          <a:prstGeom prst="rect">
+            <a:avLst/>
+          </a:prstGeom>
+          <a:noFill/>
+          <a:ln w="38100">
+            <a:solidFill>
+              <a:schemeClr val="accent1"/>
+            </a:solidFill>
+          </a:ln>
+        </p:spPr>
+        <p:txBody>
+          <a:bodyPr wrap="square" rtlCol="0">
+            <a:spAutoFit/>
+          </a:bodyPr>
+          <a:lstStyle/>
+          <a:p>
+            <a:r>
+              <a:rPr lang="zh-TW" altLang="en-US" dirty="0" smtClean="0"/>
+              <a:t>自動模組</a:t>
+            </a:r>
+            <a:endParaRPr lang="en-US" altLang="zh-TW" dirty="0" smtClean="0"/>
+          </a:p>
+          <a:p>
+            <a:endParaRPr lang="en-US" altLang="zh-TW" dirty="0"/>
+          </a:p>
+          <a:p>
+            <a:endParaRPr lang="en-US" altLang="zh-TW" dirty="0" smtClean="0"/>
+          </a:p>
+          <a:p>
+            <a:endParaRPr lang="en-US" altLang="zh-TW" dirty="0"/>
+          </a:p>
+          <a:p>
+            <a:endParaRPr lang="en-US" altLang="zh-TW" dirty="0" smtClean="0"/>
+          </a:p>
+          <a:p>
+            <a:endParaRPr lang="en-US" altLang="zh-TW" dirty="0"/>
+          </a:p>
+          <a:p>
+            <a:endParaRPr lang="en-US" altLang="zh-TW" dirty="0" smtClean="0"/>
+          </a:p>
+          <a:p>
+            <a:endParaRPr lang="en-US" altLang="zh-TW" dirty="0"/>
+          </a:p>
+          <a:p>
+            <a:endParaRPr lang="en-US" altLang="zh-TW" dirty="0" smtClean="0"/>
+          </a:p>
+          <a:p>
+            <a:endParaRPr lang="en-US" altLang="zh-TW" dirty="0"/>
+          </a:p>
+          <a:p>
+            <a:endParaRPr lang="en-US" altLang="zh-TW" dirty="0" smtClean="0"/>
+          </a:p>
+          <a:p>
+            <a:endParaRPr lang="en-US" altLang="zh-TW" dirty="0"/>
+          </a:p>
+          <a:p>
+            <a:endParaRPr lang="en-US" altLang="zh-TW" dirty="0" smtClean="0"/>
+          </a:p>
+          <a:p>
+            <a:endParaRPr lang="zh-TW" altLang="en-US" dirty="0"/>
+          </a:p>
+        </p:txBody>
+      </p:sp>
+      <p:sp>
+        <p:nvSpPr>
+          <p:cNvPr id="11" name="文字方塊 10"/>
+          <p:cNvSpPr txBox="1"/>
+          <p:nvPr/>
+        </p:nvSpPr>
+        <p:spPr>
+          <a:xfrm>
+            <a:off x="1859035" y="2269954"/>
+            <a:ext cx="1234616" cy="369332"/>
+          </a:xfrm>
+          <a:prstGeom prst="rect">
+            <a:avLst/>
+          </a:prstGeom>
+          <a:noFill/>
+          <a:ln w="38100">
+            <a:solidFill>
+              <a:srgbClr val="00B0F0"/>
+            </a:solidFill>
+          </a:ln>
+        </p:spPr>
+        <p:txBody>
+          <a:bodyPr wrap="square" rtlCol="0">
+            <a:spAutoFit/>
+          </a:bodyPr>
+          <a:lstStyle/>
+          <a:p>
+            <a:r>
+              <a:rPr lang="zh-TW" altLang="en-US" dirty="0" smtClean="0"/>
+              <a:t>模式選擇</a:t>
+            </a:r>
+            <a:endParaRPr lang="en-US" altLang="zh-TW" dirty="0" smtClean="0"/>
+          </a:p>
+        </p:txBody>
+      </p:sp>
+      <p:sp>
+        <p:nvSpPr>
+          <p:cNvPr id="2" name="標題 1"/>
+          <p:cNvSpPr>
+            <a:spLocks noGrp="1"/>
+          </p:cNvSpPr>
+          <p:nvPr>
+            <p:ph type="title"/>
+          </p:nvPr>
+        </p:nvSpPr>
+        <p:spPr/>
+        <p:txBody>
+          <a:bodyPr/>
+          <a:lstStyle/>
+          <a:p>
+            <a:r>
+              <a:rPr lang="zh-TW" altLang="en-US" dirty="0" smtClean="0"/>
+              <a:t>設計</a:t>
+            </a:r>
+            <a:r>
+              <a:rPr lang="en-US" altLang="zh-TW" dirty="0" smtClean="0"/>
+              <a:t>-1</a:t>
+            </a:r>
+            <a:endParaRPr lang="zh-TW" altLang="en-US" dirty="0"/>
+          </a:p>
+        </p:txBody>
+      </p:sp>
+      <p:sp>
+        <p:nvSpPr>
+          <p:cNvPr id="3" name="矩形 2"/>
           <p:cNvSpPr/>
           <p:nvPr/>
         </p:nvSpPr>
         <p:spPr>
           <a:xfrm>
-            <a:off x="1769694" y="5110459"/>
-            <a:ext cx="3557384" cy="369332"/>
+            <a:off x="1116982" y="5072369"/>
+            <a:ext cx="2262158" cy="369332"/>
           </a:xfrm>
           <a:prstGeom prst="rect">
             <a:avLst/>
@@ -4596,46 +5473,299 @@
           <a:p>
             <a:r>
               <a:rPr lang="zh-TW" altLang="en-US" dirty="0"/>
-              <a:t>顯示</a:t>
+              <a:t>左右</a:t>
             </a:r>
             <a:r>
               <a:rPr lang="zh-TW" altLang="en-US" dirty="0" smtClean="0"/>
-              <a:t>方向</a:t>
+              <a:t>移訊號輸出控制</a:t>
+            </a:r>
+            <a:endParaRPr lang="zh-TW" altLang="en-US" dirty="0"/>
+          </a:p>
+        </p:txBody>
+      </p:sp>
+      <p:sp>
+        <p:nvSpPr>
+          <p:cNvPr id="16" name="文字方塊 15"/>
+          <p:cNvSpPr txBox="1"/>
+          <p:nvPr/>
+        </p:nvSpPr>
+        <p:spPr>
+          <a:xfrm>
+            <a:off x="550046" y="2258264"/>
+            <a:ext cx="646331" cy="369332"/>
+          </a:xfrm>
+          <a:prstGeom prst="rect">
+            <a:avLst/>
+          </a:prstGeom>
+          <a:noFill/>
+          <a:ln w="38100">
+            <a:solidFill>
+              <a:srgbClr val="00B0F0"/>
+            </a:solidFill>
+          </a:ln>
+        </p:spPr>
+        <p:txBody>
+          <a:bodyPr wrap="none" rtlCol="0">
+            <a:spAutoFit/>
+          </a:bodyPr>
+          <a:lstStyle/>
+          <a:p>
+            <a:r>
+              <a:rPr lang="zh-TW" altLang="en-US" dirty="0" smtClean="0"/>
+              <a:t>影</a:t>
+            </a:r>
+            <a:r>
+              <a:rPr lang="zh-TW" altLang="en-US" dirty="0"/>
+              <a:t>片</a:t>
+            </a:r>
+          </a:p>
+        </p:txBody>
+      </p:sp>
+      <p:sp>
+        <p:nvSpPr>
+          <p:cNvPr id="29" name="文字方塊 28"/>
+          <p:cNvSpPr txBox="1"/>
+          <p:nvPr/>
+        </p:nvSpPr>
+        <p:spPr>
+          <a:xfrm>
+            <a:off x="5168236" y="3207152"/>
+            <a:ext cx="1916487" cy="369332"/>
+          </a:xfrm>
+          <a:prstGeom prst="rect">
+            <a:avLst/>
+          </a:prstGeom>
+          <a:noFill/>
+          <a:ln w="38100">
+            <a:solidFill>
+              <a:schemeClr val="accent1"/>
+            </a:solidFill>
+          </a:ln>
+        </p:spPr>
+        <p:txBody>
+          <a:bodyPr wrap="none" rtlCol="0">
+            <a:spAutoFit/>
+          </a:bodyPr>
+          <a:lstStyle/>
+          <a:p>
+            <a:r>
+              <a:rPr lang="zh-TW" altLang="en-US" dirty="0" smtClean="0"/>
+              <a:t>選取目標</a:t>
             </a:r>
             <a:r>
               <a:rPr lang="en-US" altLang="zh-TW" dirty="0" smtClean="0"/>
-              <a:t>(</a:t>
+              <a:t>(marker)</a:t>
+            </a:r>
+            <a:endParaRPr lang="zh-TW" altLang="en-US" dirty="0"/>
+          </a:p>
+        </p:txBody>
+      </p:sp>
+      <p:sp>
+        <p:nvSpPr>
+          <p:cNvPr id="30" name="文字方塊 29"/>
+          <p:cNvSpPr txBox="1"/>
+          <p:nvPr/>
+        </p:nvSpPr>
+        <p:spPr>
+          <a:xfrm>
+            <a:off x="5502050" y="2459910"/>
+            <a:ext cx="1276311" cy="369332"/>
+          </a:xfrm>
+          <a:prstGeom prst="rect">
+            <a:avLst/>
+          </a:prstGeom>
+          <a:noFill/>
+          <a:ln w="38100">
+            <a:solidFill>
+              <a:schemeClr val="accent1"/>
+            </a:solidFill>
+          </a:ln>
+        </p:spPr>
+        <p:txBody>
+          <a:bodyPr wrap="none" rtlCol="0">
+            <a:spAutoFit/>
+          </a:bodyPr>
+          <a:lstStyle/>
+          <a:p>
+            <a:r>
+              <a:rPr lang="zh-TW" altLang="en-US" dirty="0" smtClean="0"/>
+              <a:t>二值化</a:t>
+            </a:r>
+            <a:r>
+              <a:rPr lang="en-US" altLang="zh-TW" dirty="0" smtClean="0"/>
+              <a:t>,LBP</a:t>
+            </a:r>
+            <a:endParaRPr lang="zh-TW" altLang="en-US" dirty="0"/>
+          </a:p>
+        </p:txBody>
+      </p:sp>
+      <p:sp>
+        <p:nvSpPr>
+          <p:cNvPr id="32" name="文字方塊 31"/>
+          <p:cNvSpPr txBox="1"/>
+          <p:nvPr/>
+        </p:nvSpPr>
+        <p:spPr>
+          <a:xfrm>
+            <a:off x="5234623" y="3958430"/>
+            <a:ext cx="1543738" cy="1200329"/>
+          </a:xfrm>
+          <a:prstGeom prst="rect">
+            <a:avLst/>
+          </a:prstGeom>
+          <a:noFill/>
+          <a:ln w="38100">
+            <a:solidFill>
+              <a:schemeClr val="accent1"/>
+            </a:solidFill>
+          </a:ln>
+        </p:spPr>
+        <p:txBody>
+          <a:bodyPr wrap="square" rtlCol="0">
+            <a:spAutoFit/>
+          </a:bodyPr>
+          <a:lstStyle/>
+          <a:p>
+            <a:r>
+              <a:rPr lang="zh-TW" altLang="en-US" dirty="0" smtClean="0"/>
+              <a:t>鎖定模組</a:t>
+            </a:r>
+            <a:endParaRPr lang="en-US" altLang="zh-TW" dirty="0" smtClean="0"/>
+          </a:p>
+          <a:p>
+            <a:endParaRPr lang="en-US" altLang="zh-TW" dirty="0"/>
+          </a:p>
+          <a:p>
+            <a:endParaRPr lang="en-US" altLang="zh-TW" dirty="0" smtClean="0"/>
+          </a:p>
+          <a:p>
+            <a:endParaRPr lang="en-US" altLang="zh-TW" dirty="0" smtClean="0"/>
+          </a:p>
+        </p:txBody>
+      </p:sp>
+      <p:sp>
+        <p:nvSpPr>
+          <p:cNvPr id="33" name="矩形 32"/>
+          <p:cNvSpPr/>
+          <p:nvPr/>
+        </p:nvSpPr>
+        <p:spPr>
+          <a:xfrm>
+            <a:off x="7944100" y="3489830"/>
+            <a:ext cx="2262158" cy="369332"/>
+          </a:xfrm>
+          <a:prstGeom prst="rect">
+            <a:avLst/>
+          </a:prstGeom>
+          <a:ln w="38100">
+            <a:solidFill>
+              <a:schemeClr val="accent1"/>
+            </a:solidFill>
+          </a:ln>
+        </p:spPr>
+        <p:txBody>
+          <a:bodyPr wrap="none">
+            <a:spAutoFit/>
+          </a:bodyPr>
+          <a:lstStyle/>
+          <a:p>
+            <a:r>
+              <a:rPr lang="zh-TW" altLang="en-US" dirty="0" smtClean="0"/>
+              <a:t>分出框架左右</a:t>
             </a:r>
             <a:r>
               <a:rPr lang="zh-TW" altLang="en-US" dirty="0"/>
-              <a:t>上下左右</a:t>
-            </a:r>
-            <a:r>
-              <a:rPr lang="en-US" altLang="zh-TW" dirty="0" smtClean="0"/>
-              <a:t>)</a:t>
-            </a:r>
+              <a:t>的範圍</a:t>
+            </a:r>
+            <a:endParaRPr lang="en-US" altLang="zh-TW" dirty="0"/>
+          </a:p>
+        </p:txBody>
+      </p:sp>
+      <p:sp>
+        <p:nvSpPr>
+          <p:cNvPr id="4" name="文字方塊 3"/>
+          <p:cNvSpPr txBox="1"/>
+          <p:nvPr/>
+        </p:nvSpPr>
+        <p:spPr>
+          <a:xfrm>
+            <a:off x="9274782" y="2494718"/>
+            <a:ext cx="877163" cy="369332"/>
+          </a:xfrm>
+          <a:prstGeom prst="rect">
+            <a:avLst/>
+          </a:prstGeom>
+          <a:noFill/>
+          <a:ln w="38100">
+            <a:solidFill>
+              <a:schemeClr val="accent1"/>
+            </a:solidFill>
+          </a:ln>
+        </p:spPr>
+        <p:txBody>
+          <a:bodyPr wrap="none" rtlCol="0">
+            <a:spAutoFit/>
+          </a:bodyPr>
+          <a:lstStyle/>
+          <a:p>
             <a:r>
               <a:rPr lang="zh-TW" altLang="en-US" dirty="0" smtClean="0"/>
-              <a:t>調整鏡頭方向</a:t>
-            </a:r>
-            <a:endParaRPr lang="en-US" altLang="zh-TW" dirty="0"/>
-          </a:p>
-        </p:txBody>
-      </p:sp>
-      <p:sp>
-        <p:nvSpPr>
-          <p:cNvPr id="12" name="矩形 11"/>
-          <p:cNvSpPr/>
-          <p:nvPr/>
-        </p:nvSpPr>
-        <p:spPr>
-          <a:xfrm>
-            <a:off x="1740244" y="4110267"/>
-            <a:ext cx="3185487" cy="369332"/>
-          </a:xfrm>
-          <a:prstGeom prst="rect">
-            <a:avLst/>
-          </a:prstGeom>
+              <a:t>前後偵</a:t>
+            </a:r>
+            <a:endParaRPr lang="zh-TW" altLang="en-US" dirty="0"/>
+          </a:p>
+        </p:txBody>
+      </p:sp>
+      <p:sp>
+        <p:nvSpPr>
+          <p:cNvPr id="5" name="文字方塊 4"/>
+          <p:cNvSpPr txBox="1"/>
+          <p:nvPr/>
+        </p:nvSpPr>
+        <p:spPr>
+          <a:xfrm>
+            <a:off x="8669443" y="2985967"/>
+            <a:ext cx="1569660" cy="369332"/>
+          </a:xfrm>
+          <a:prstGeom prst="rect">
+            <a:avLst/>
+          </a:prstGeom>
+          <a:noFill/>
+          <a:ln w="38100">
+            <a:solidFill>
+              <a:schemeClr val="accent1"/>
+            </a:solidFill>
+          </a:ln>
+        </p:spPr>
+        <p:txBody>
+          <a:bodyPr wrap="none" rtlCol="0">
+            <a:spAutoFit/>
+          </a:bodyPr>
+          <a:lstStyle/>
+          <a:p>
+            <a:r>
+              <a:rPr lang="zh-TW" altLang="en-US" dirty="0" smtClean="0"/>
+              <a:t>像素左右占比</a:t>
+            </a:r>
+            <a:endParaRPr lang="zh-TW" altLang="en-US" dirty="0"/>
+          </a:p>
+        </p:txBody>
+      </p:sp>
+      <p:sp>
+        <p:nvSpPr>
+          <p:cNvPr id="71" name="文字方塊 70"/>
+          <p:cNvSpPr txBox="1"/>
+          <p:nvPr/>
+        </p:nvSpPr>
+        <p:spPr>
+          <a:xfrm>
+            <a:off x="319213" y="5858945"/>
+            <a:ext cx="1107996" cy="369332"/>
+          </a:xfrm>
+          <a:prstGeom prst="rect">
+            <a:avLst/>
+          </a:prstGeom>
+          <a:noFill/>
           <a:ln w="38100">
             <a:solidFill>
               <a:srgbClr val="0070C0"/>
@@ -4643,366 +5773,3220 @@
           </a:ln>
         </p:spPr>
         <p:txBody>
+          <a:bodyPr wrap="none" rtlCol="0">
+            <a:spAutoFit/>
+          </a:bodyPr>
+          <a:lstStyle/>
+          <a:p>
+            <a:r>
+              <a:rPr lang="zh-TW" altLang="en-US" dirty="0" smtClean="0"/>
+              <a:t>輸出影像</a:t>
+            </a:r>
+            <a:endParaRPr lang="zh-TW" altLang="en-US" dirty="0"/>
+          </a:p>
+        </p:txBody>
+      </p:sp>
+      <p:cxnSp>
+        <p:nvCxnSpPr>
+          <p:cNvPr id="73" name="直線單箭頭接點 72"/>
+          <p:cNvCxnSpPr>
+            <a:stCxn id="16" idx="2"/>
+            <a:endCxn id="71" idx="0"/>
+          </p:cNvCxnSpPr>
+          <p:nvPr/>
+        </p:nvCxnSpPr>
+        <p:spPr>
+          <a:xfrm flipH="1">
+            <a:off x="873211" y="2627596"/>
+            <a:ext cx="1" cy="3231349"/>
+          </a:xfrm>
+          <a:prstGeom prst="straightConnector1">
+            <a:avLst/>
+          </a:prstGeom>
+          <a:ln w="57150">
+            <a:solidFill>
+              <a:srgbClr val="0070C0"/>
+            </a:solidFill>
+            <a:tailEnd type="triangle"/>
+          </a:ln>
+        </p:spPr>
+        <p:style>
+          <a:lnRef idx="1">
+            <a:schemeClr val="accent1"/>
+          </a:lnRef>
+          <a:fillRef idx="0">
+            <a:schemeClr val="accent1"/>
+          </a:fillRef>
+          <a:effectRef idx="0">
+            <a:schemeClr val="accent1"/>
+          </a:effectRef>
+          <a:fontRef idx="minor">
+            <a:schemeClr val="tx1"/>
+          </a:fontRef>
+        </p:style>
+      </p:cxnSp>
+      <p:sp>
+        <p:nvSpPr>
+          <p:cNvPr id="26" name="文字方塊 25"/>
+          <p:cNvSpPr txBox="1"/>
+          <p:nvPr/>
+        </p:nvSpPr>
+        <p:spPr>
+          <a:xfrm>
+            <a:off x="1384115" y="3132375"/>
+            <a:ext cx="2972704" cy="369332"/>
+          </a:xfrm>
+          <a:prstGeom prst="rect">
+            <a:avLst/>
+          </a:prstGeom>
+          <a:noFill/>
+          <a:ln w="38100">
+            <a:solidFill>
+              <a:srgbClr val="00B050"/>
+            </a:solidFill>
+          </a:ln>
+        </p:spPr>
+        <p:txBody>
+          <a:bodyPr wrap="square" rtlCol="0">
+            <a:spAutoFit/>
+          </a:bodyPr>
+          <a:lstStyle/>
+          <a:p>
+            <a:r>
+              <a:rPr lang="zh-TW" altLang="en-US" dirty="0" smtClean="0"/>
+              <a:t>手動模組</a:t>
+            </a:r>
+            <a:endParaRPr lang="zh-TW" altLang="en-US" dirty="0"/>
+          </a:p>
+        </p:txBody>
+      </p:sp>
+      <p:cxnSp>
+        <p:nvCxnSpPr>
+          <p:cNvPr id="15" name="直線單箭頭接點 14"/>
+          <p:cNvCxnSpPr>
+            <a:stCxn id="16" idx="3"/>
+            <a:endCxn id="11" idx="1"/>
+          </p:cNvCxnSpPr>
+          <p:nvPr/>
+        </p:nvCxnSpPr>
+        <p:spPr>
+          <a:xfrm>
+            <a:off x="1196377" y="2442930"/>
+            <a:ext cx="662658" cy="11690"/>
+          </a:xfrm>
+          <a:prstGeom prst="straightConnector1">
+            <a:avLst/>
+          </a:prstGeom>
+          <a:ln w="38100">
+            <a:solidFill>
+              <a:srgbClr val="00B0F0"/>
+            </a:solidFill>
+            <a:tailEnd type="triangle"/>
+          </a:ln>
+        </p:spPr>
+        <p:style>
+          <a:lnRef idx="1">
+            <a:schemeClr val="accent1"/>
+          </a:lnRef>
+          <a:fillRef idx="0">
+            <a:schemeClr val="accent1"/>
+          </a:fillRef>
+          <a:effectRef idx="0">
+            <a:schemeClr val="accent1"/>
+          </a:effectRef>
+          <a:fontRef idx="minor">
+            <a:schemeClr val="tx1"/>
+          </a:fontRef>
+        </p:style>
+      </p:cxnSp>
+      <p:cxnSp>
+        <p:nvCxnSpPr>
+          <p:cNvPr id="35" name="肘形接點 34"/>
+          <p:cNvCxnSpPr>
+            <a:stCxn id="26" idx="2"/>
+            <a:endCxn id="3" idx="0"/>
+          </p:cNvCxnSpPr>
+          <p:nvPr/>
+        </p:nvCxnSpPr>
+        <p:spPr>
+          <a:xfrm rot="5400000">
+            <a:off x="1773933" y="3975835"/>
+            <a:ext cx="1570662" cy="622406"/>
+          </a:xfrm>
+          <a:prstGeom prst="bentConnector3">
+            <a:avLst/>
+          </a:prstGeom>
+          <a:ln w="38100">
+            <a:solidFill>
+              <a:srgbClr val="00B050"/>
+            </a:solidFill>
+            <a:tailEnd type="triangle"/>
+          </a:ln>
+        </p:spPr>
+        <p:style>
+          <a:lnRef idx="1">
+            <a:schemeClr val="accent1"/>
+          </a:lnRef>
+          <a:fillRef idx="0">
+            <a:schemeClr val="accent1"/>
+          </a:fillRef>
+          <a:effectRef idx="0">
+            <a:schemeClr val="accent1"/>
+          </a:effectRef>
+          <a:fontRef idx="minor">
+            <a:schemeClr val="tx1"/>
+          </a:fontRef>
+        </p:style>
+      </p:cxnSp>
+      <p:sp>
+        <p:nvSpPr>
+          <p:cNvPr id="37" name="文字方塊 36"/>
+          <p:cNvSpPr txBox="1"/>
+          <p:nvPr/>
+        </p:nvSpPr>
+        <p:spPr>
+          <a:xfrm>
+            <a:off x="7944100" y="5257035"/>
+            <a:ext cx="1107996" cy="369332"/>
+          </a:xfrm>
+          <a:prstGeom prst="rect">
+            <a:avLst/>
+          </a:prstGeom>
+          <a:noFill/>
+        </p:spPr>
+        <p:txBody>
+          <a:bodyPr wrap="none" rtlCol="0">
+            <a:spAutoFit/>
+          </a:bodyPr>
+          <a:lstStyle>
+            <a:defPPr>
+              <a:defRPr lang="zh-TW"/>
+            </a:defPPr>
+          </a:lstStyle>
+          <a:p>
+            <a:r>
+              <a:rPr lang="zh-TW" altLang="en-US" dirty="0"/>
+              <a:t>移動訊號</a:t>
+            </a:r>
+          </a:p>
+        </p:txBody>
+      </p:sp>
+      <p:sp>
+        <p:nvSpPr>
+          <p:cNvPr id="52" name="矩形 51"/>
+          <p:cNvSpPr/>
+          <p:nvPr/>
+        </p:nvSpPr>
+        <p:spPr>
+          <a:xfrm>
+            <a:off x="1173706" y="2545707"/>
+            <a:ext cx="646331" cy="369332"/>
+          </a:xfrm>
+          <a:prstGeom prst="rect">
+            <a:avLst/>
+          </a:prstGeom>
+        </p:spPr>
+        <p:txBody>
           <a:bodyPr wrap="none">
             <a:spAutoFit/>
           </a:bodyPr>
           <a:lstStyle/>
           <a:p>
             <a:r>
-              <a:rPr lang="zh-TW" altLang="en-US" dirty="0"/>
-              <a:t>人體輪廓達到範圍時顯示方向</a:t>
-            </a:r>
-          </a:p>
-        </p:txBody>
-      </p:sp>
-      <p:sp>
-        <p:nvSpPr>
-          <p:cNvPr id="17" name="向右箭號 16"/>
+              <a:rPr lang="zh-TW" altLang="en-US" dirty="0" smtClean="0"/>
+              <a:t>影像</a:t>
+            </a:r>
+            <a:endParaRPr lang="zh-TW" altLang="en-US" dirty="0"/>
+          </a:p>
+        </p:txBody>
+      </p:sp>
+      <p:sp>
+        <p:nvSpPr>
+          <p:cNvPr id="72" name="文字方塊 71"/>
+          <p:cNvSpPr txBox="1"/>
+          <p:nvPr/>
+        </p:nvSpPr>
+        <p:spPr>
+          <a:xfrm>
+            <a:off x="2701879" y="3123768"/>
+            <a:ext cx="1569660" cy="369332"/>
+          </a:xfrm>
+          <a:prstGeom prst="rect">
+            <a:avLst/>
+          </a:prstGeom>
+          <a:noFill/>
+          <a:ln w="38100">
+            <a:solidFill>
+              <a:srgbClr val="92D050"/>
+            </a:solidFill>
+          </a:ln>
+        </p:spPr>
+        <p:txBody>
+          <a:bodyPr wrap="none" rtlCol="0">
+            <a:spAutoFit/>
+          </a:bodyPr>
+          <a:lstStyle/>
+          <a:p>
+            <a:r>
+              <a:rPr lang="zh-TW" altLang="en-US" dirty="0" smtClean="0"/>
+              <a:t>左右移控制器</a:t>
+            </a:r>
+            <a:endParaRPr lang="zh-TW" altLang="en-US" dirty="0"/>
+          </a:p>
+        </p:txBody>
+      </p:sp>
+      <p:sp>
+        <p:nvSpPr>
+          <p:cNvPr id="87" name="文字方塊 86"/>
+          <p:cNvSpPr txBox="1"/>
+          <p:nvPr/>
+        </p:nvSpPr>
+        <p:spPr>
+          <a:xfrm>
+            <a:off x="5259440" y="4357347"/>
+            <a:ext cx="564835" cy="369332"/>
+          </a:xfrm>
+          <a:prstGeom prst="rect">
+            <a:avLst/>
+          </a:prstGeom>
+          <a:noFill/>
+          <a:ln w="38100">
+            <a:solidFill>
+              <a:srgbClr val="FFC000"/>
+            </a:solidFill>
+          </a:ln>
+        </p:spPr>
+        <p:txBody>
+          <a:bodyPr wrap="none" rtlCol="0">
+            <a:spAutoFit/>
+          </a:bodyPr>
+          <a:lstStyle/>
+          <a:p>
+            <a:r>
+              <a:rPr lang="en-US" altLang="zh-TW" dirty="0" smtClean="0"/>
+              <a:t>HVS</a:t>
+            </a:r>
+            <a:endParaRPr lang="zh-TW" altLang="en-US" dirty="0"/>
+          </a:p>
+        </p:txBody>
+      </p:sp>
+      <p:sp>
+        <p:nvSpPr>
+          <p:cNvPr id="89" name="矩形 88"/>
           <p:cNvSpPr/>
           <p:nvPr/>
         </p:nvSpPr>
         <p:spPr>
           <a:xfrm>
-            <a:off x="1920240" y="2046684"/>
-            <a:ext cx="2321712" cy="305110"/>
-          </a:xfrm>
-          <a:prstGeom prst="rightArrow">
-            <a:avLst/>
-          </a:prstGeom>
+            <a:off x="5259440" y="4785060"/>
+            <a:ext cx="517449" cy="369332"/>
+          </a:xfrm>
+          <a:prstGeom prst="rect">
+            <a:avLst/>
+          </a:prstGeom>
+          <a:ln w="38100">
+            <a:solidFill>
+              <a:srgbClr val="FFC000"/>
+            </a:solidFill>
+          </a:ln>
+        </p:spPr>
+        <p:txBody>
+          <a:bodyPr wrap="none">
+            <a:spAutoFit/>
+          </a:bodyPr>
+          <a:lstStyle/>
+          <a:p>
+            <a:r>
+              <a:rPr lang="en-US" altLang="zh-TW" dirty="0" smtClean="0"/>
+              <a:t>ROI</a:t>
+            </a:r>
+            <a:endParaRPr lang="zh-TW" altLang="en-US" dirty="0"/>
+          </a:p>
+        </p:txBody>
+      </p:sp>
+      <p:cxnSp>
+        <p:nvCxnSpPr>
+          <p:cNvPr id="99" name="肘形接點 98"/>
+          <p:cNvCxnSpPr>
+            <a:stCxn id="29" idx="2"/>
+            <a:endCxn id="32" idx="0"/>
+          </p:cNvCxnSpPr>
+          <p:nvPr/>
+        </p:nvCxnSpPr>
+        <p:spPr>
+          <a:xfrm rot="5400000">
+            <a:off x="5875513" y="3707463"/>
+            <a:ext cx="381946" cy="119988"/>
+          </a:xfrm>
+          <a:prstGeom prst="bentConnector3">
+            <a:avLst/>
+          </a:prstGeom>
+          <a:ln w="38100">
+            <a:tailEnd type="triangle"/>
+          </a:ln>
         </p:spPr>
         <p:style>
-          <a:lnRef idx="2">
-            <a:schemeClr val="accent1">
-              <a:shade val="50000"/>
-            </a:schemeClr>
+          <a:lnRef idx="1">
+            <a:schemeClr val="accent1"/>
           </a:lnRef>
-          <a:fillRef idx="1">
+          <a:fillRef idx="0">
             <a:schemeClr val="accent1"/>
           </a:fillRef>
           <a:effectRef idx="0">
             <a:schemeClr val="accent1"/>
           </a:effectRef>
           <a:fontRef idx="minor">
-            <a:schemeClr val="lt1"/>
+            <a:schemeClr val="tx1"/>
           </a:fontRef>
         </p:style>
-        <p:txBody>
-          <a:bodyPr rtlCol="0" anchor="ctr"/>
-          <a:lstStyle/>
-          <a:p>
-            <a:pPr algn="ctr"/>
-            <a:endParaRPr lang="zh-TW" altLang="en-US"/>
-          </a:p>
-        </p:txBody>
-      </p:sp>
-      <p:sp>
-        <p:nvSpPr>
-          <p:cNvPr id="18" name="向右箭號 17"/>
-          <p:cNvSpPr/>
-          <p:nvPr/>
-        </p:nvSpPr>
-        <p:spPr>
-          <a:xfrm>
-            <a:off x="6670139" y="2046684"/>
-            <a:ext cx="292608" cy="305110"/>
-          </a:xfrm>
-          <a:prstGeom prst="rightArrow">
-            <a:avLst/>
-          </a:prstGeom>
+      </p:cxnSp>
+      <p:cxnSp>
+        <p:nvCxnSpPr>
+          <p:cNvPr id="102" name="肘形接點 101"/>
+          <p:cNvCxnSpPr>
+            <a:stCxn id="30" idx="2"/>
+            <a:endCxn id="29" idx="0"/>
+          </p:cNvCxnSpPr>
+          <p:nvPr/>
+        </p:nvCxnSpPr>
+        <p:spPr>
+          <a:xfrm rot="5400000">
+            <a:off x="5944388" y="3011334"/>
+            <a:ext cx="377910" cy="13726"/>
+          </a:xfrm>
+          <a:prstGeom prst="bentConnector3">
+            <a:avLst/>
+          </a:prstGeom>
+          <a:ln w="38100">
+            <a:tailEnd type="triangle"/>
+          </a:ln>
         </p:spPr>
         <p:style>
-          <a:lnRef idx="2">
-            <a:schemeClr val="accent1">
-              <a:shade val="50000"/>
-            </a:schemeClr>
+          <a:lnRef idx="1">
+            <a:schemeClr val="accent1"/>
           </a:lnRef>
-          <a:fillRef idx="1">
+          <a:fillRef idx="0">
             <a:schemeClr val="accent1"/>
           </a:fillRef>
           <a:effectRef idx="0">
             <a:schemeClr val="accent1"/>
           </a:effectRef>
           <a:fontRef idx="minor">
-            <a:schemeClr val="lt1"/>
+            <a:schemeClr val="tx1"/>
           </a:fontRef>
         </p:style>
-        <p:txBody>
-          <a:bodyPr rtlCol="0" anchor="ctr"/>
-          <a:lstStyle/>
-          <a:p>
-            <a:pPr algn="ctr"/>
-            <a:endParaRPr lang="zh-TW" altLang="en-US"/>
-          </a:p>
-        </p:txBody>
-      </p:sp>
-      <p:sp>
-        <p:nvSpPr>
-          <p:cNvPr id="19" name="向下箭號 18"/>
-          <p:cNvSpPr/>
-          <p:nvPr/>
-        </p:nvSpPr>
-        <p:spPr>
-          <a:xfrm>
-            <a:off x="8157113" y="2591757"/>
-            <a:ext cx="457200" cy="319040"/>
-          </a:xfrm>
-          <a:prstGeom prst="downArrow">
-            <a:avLst/>
-          </a:prstGeom>
+      </p:cxnSp>
+      <p:cxnSp>
+        <p:nvCxnSpPr>
+          <p:cNvPr id="104" name="直線單箭頭接點 103"/>
+          <p:cNvCxnSpPr>
+            <a:stCxn id="11" idx="3"/>
+          </p:cNvCxnSpPr>
+          <p:nvPr/>
+        </p:nvCxnSpPr>
+        <p:spPr>
+          <a:xfrm>
+            <a:off x="3093651" y="2454620"/>
+            <a:ext cx="1830262" cy="91087"/>
+          </a:xfrm>
+          <a:prstGeom prst="straightConnector1">
+            <a:avLst/>
+          </a:prstGeom>
+          <a:ln w="38100">
+            <a:tailEnd type="triangle"/>
+          </a:ln>
         </p:spPr>
         <p:style>
-          <a:lnRef idx="2">
-            <a:schemeClr val="accent1">
-              <a:shade val="50000"/>
-            </a:schemeClr>
+          <a:lnRef idx="1">
+            <a:schemeClr val="accent1"/>
           </a:lnRef>
-          <a:fillRef idx="1">
+          <a:fillRef idx="0">
             <a:schemeClr val="accent1"/>
           </a:fillRef>
           <a:effectRef idx="0">
             <a:schemeClr val="accent1"/>
           </a:effectRef>
           <a:fontRef idx="minor">
-            <a:schemeClr val="lt1"/>
+            <a:schemeClr val="tx1"/>
           </a:fontRef>
         </p:style>
-        <p:txBody>
-          <a:bodyPr rtlCol="0" anchor="ctr"/>
-          <a:lstStyle/>
-          <a:p>
-            <a:pPr algn="ctr"/>
-            <a:endParaRPr lang="zh-TW" altLang="en-US"/>
-          </a:p>
-        </p:txBody>
-      </p:sp>
-      <p:sp>
-        <p:nvSpPr>
-          <p:cNvPr id="20" name="向右箭號 19"/>
-          <p:cNvSpPr/>
-          <p:nvPr/>
-        </p:nvSpPr>
-        <p:spPr>
-          <a:xfrm rot="5400000">
-            <a:off x="7168888" y="3628728"/>
-            <a:ext cx="421966" cy="356616"/>
-          </a:xfrm>
-          <a:prstGeom prst="rightArrow">
-            <a:avLst/>
-          </a:prstGeom>
+      </p:cxnSp>
+      <p:cxnSp>
+        <p:nvCxnSpPr>
+          <p:cNvPr id="106" name="直線單箭頭接點 105"/>
+          <p:cNvCxnSpPr/>
+          <p:nvPr/>
+        </p:nvCxnSpPr>
+        <p:spPr>
+          <a:xfrm>
+            <a:off x="2710152" y="2639286"/>
+            <a:ext cx="160316" cy="405666"/>
+          </a:xfrm>
+          <a:prstGeom prst="straightConnector1">
+            <a:avLst/>
+          </a:prstGeom>
+          <a:ln w="38100">
+            <a:tailEnd type="triangle"/>
+          </a:ln>
         </p:spPr>
         <p:style>
-          <a:lnRef idx="2">
-            <a:schemeClr val="accent1">
-              <a:shade val="50000"/>
-            </a:schemeClr>
+          <a:lnRef idx="1">
+            <a:schemeClr val="accent1"/>
           </a:lnRef>
-          <a:fillRef idx="1">
+          <a:fillRef idx="0">
             <a:schemeClr val="accent1"/>
           </a:fillRef>
           <a:effectRef idx="0">
             <a:schemeClr val="accent1"/>
           </a:effectRef>
           <a:fontRef idx="minor">
-            <a:schemeClr val="lt1"/>
+            <a:schemeClr val="tx1"/>
           </a:fontRef>
         </p:style>
-        <p:txBody>
-          <a:bodyPr rtlCol="0" anchor="ctr"/>
-          <a:lstStyle/>
-          <a:p>
-            <a:pPr algn="ctr"/>
-            <a:endParaRPr lang="zh-TW" altLang="en-US"/>
-          </a:p>
-        </p:txBody>
-      </p:sp>
-      <p:sp>
-        <p:nvSpPr>
-          <p:cNvPr id="22" name="向右箭號 21"/>
-          <p:cNvSpPr/>
-          <p:nvPr/>
-        </p:nvSpPr>
-        <p:spPr>
-          <a:xfrm rot="3210406">
-            <a:off x="996797" y="2578671"/>
-            <a:ext cx="812339" cy="396871"/>
-          </a:xfrm>
-          <a:prstGeom prst="rightArrow">
-            <a:avLst/>
-          </a:prstGeom>
-          <a:solidFill>
-            <a:srgbClr val="0070C0"/>
-          </a:solidFill>
-          <a:ln>
+      </p:cxnSp>
+      <p:sp>
+        <p:nvSpPr>
+          <p:cNvPr id="107" name="文字方塊 106"/>
+          <p:cNvSpPr txBox="1"/>
+          <p:nvPr/>
+        </p:nvSpPr>
+        <p:spPr>
+          <a:xfrm>
+            <a:off x="2886223" y="2607585"/>
+            <a:ext cx="1385316" cy="369332"/>
+          </a:xfrm>
+          <a:prstGeom prst="rect">
+            <a:avLst/>
+          </a:prstGeom>
+          <a:noFill/>
+          <a:ln w="38100">
+            <a:noFill/>
+          </a:ln>
+        </p:spPr>
+        <p:txBody>
+          <a:bodyPr wrap="none" rtlCol="0">
+            <a:spAutoFit/>
+          </a:bodyPr>
+          <a:lstStyle/>
+          <a:p>
+            <a:r>
+              <a:rPr lang="zh-TW" altLang="en-US" dirty="0" smtClean="0"/>
+              <a:t>手動</a:t>
+            </a:r>
+            <a:r>
+              <a:rPr lang="en-US" altLang="zh-TW" dirty="0" smtClean="0"/>
+              <a:t>OR</a:t>
+            </a:r>
+            <a:r>
+              <a:rPr lang="zh-TW" altLang="en-US" dirty="0"/>
+              <a:t>自動</a:t>
+            </a:r>
+          </a:p>
+        </p:txBody>
+      </p:sp>
+      <p:sp>
+        <p:nvSpPr>
+          <p:cNvPr id="111" name="文字方塊 110"/>
+          <p:cNvSpPr txBox="1"/>
+          <p:nvPr/>
+        </p:nvSpPr>
+        <p:spPr>
+          <a:xfrm>
+            <a:off x="7844148" y="2440319"/>
+            <a:ext cx="1107996" cy="369332"/>
+          </a:xfrm>
+          <a:prstGeom prst="rect">
+            <a:avLst/>
+          </a:prstGeom>
+          <a:noFill/>
+          <a:ln w="38100">
+            <a:solidFill>
+              <a:srgbClr val="FFC000"/>
+            </a:solidFill>
+          </a:ln>
+        </p:spPr>
+        <p:txBody>
+          <a:bodyPr wrap="none" rtlCol="0">
+            <a:spAutoFit/>
+          </a:bodyPr>
+          <a:lstStyle/>
+          <a:p>
+            <a:r>
+              <a:rPr lang="zh-TW" altLang="en-US" dirty="0" smtClean="0"/>
+              <a:t>面積</a:t>
+            </a:r>
+            <a:r>
+              <a:rPr lang="zh-TW" altLang="en-US" dirty="0"/>
+              <a:t>計算</a:t>
+            </a:r>
+          </a:p>
+        </p:txBody>
+      </p:sp>
+      <p:cxnSp>
+        <p:nvCxnSpPr>
+          <p:cNvPr id="114" name="肘形接點 113"/>
+          <p:cNvCxnSpPr>
+            <a:stCxn id="32" idx="3"/>
+            <a:endCxn id="111" idx="1"/>
+          </p:cNvCxnSpPr>
+          <p:nvPr/>
+        </p:nvCxnSpPr>
+        <p:spPr>
+          <a:xfrm flipV="1">
+            <a:off x="6778361" y="2624985"/>
+            <a:ext cx="1065787" cy="1933610"/>
+          </a:xfrm>
+          <a:prstGeom prst="bentConnector3">
+            <a:avLst/>
+          </a:prstGeom>
+          <a:ln w="38100">
+            <a:tailEnd type="triangle"/>
+          </a:ln>
+        </p:spPr>
+        <p:style>
+          <a:lnRef idx="1">
+            <a:schemeClr val="accent1"/>
+          </a:lnRef>
+          <a:fillRef idx="0">
+            <a:schemeClr val="accent1"/>
+          </a:fillRef>
+          <a:effectRef idx="0">
+            <a:schemeClr val="accent1"/>
+          </a:effectRef>
+          <a:fontRef idx="minor">
+            <a:schemeClr val="tx1"/>
+          </a:fontRef>
+        </p:style>
+      </p:cxnSp>
+      <p:sp>
+        <p:nvSpPr>
+          <p:cNvPr id="119" name="文字方塊 118"/>
+          <p:cNvSpPr txBox="1"/>
+          <p:nvPr/>
+        </p:nvSpPr>
+        <p:spPr>
+          <a:xfrm>
+            <a:off x="1074594" y="4649167"/>
+            <a:ext cx="1107996" cy="369332"/>
+          </a:xfrm>
+          <a:prstGeom prst="rect">
+            <a:avLst/>
+          </a:prstGeom>
+          <a:noFill/>
+        </p:spPr>
+        <p:txBody>
+          <a:bodyPr wrap="none" rtlCol="0">
+            <a:spAutoFit/>
+          </a:bodyPr>
+          <a:lstStyle>
+            <a:defPPr>
+              <a:defRPr lang="zh-TW"/>
+            </a:defPPr>
+          </a:lstStyle>
+          <a:p>
+            <a:r>
+              <a:rPr lang="zh-TW" altLang="en-US" dirty="0"/>
+              <a:t>移動訊號</a:t>
+            </a:r>
+          </a:p>
+        </p:txBody>
+      </p:sp>
+      <p:cxnSp>
+        <p:nvCxnSpPr>
+          <p:cNvPr id="132" name="肘形接點 131"/>
+          <p:cNvCxnSpPr>
+            <a:endCxn id="3" idx="3"/>
+          </p:cNvCxnSpPr>
+          <p:nvPr/>
+        </p:nvCxnSpPr>
+        <p:spPr>
+          <a:xfrm rot="10800000" flipV="1">
+            <a:off x="3379140" y="4398317"/>
+            <a:ext cx="5672956" cy="858718"/>
+          </a:xfrm>
+          <a:prstGeom prst="bentConnector3">
+            <a:avLst>
+              <a:gd name="adj1" fmla="val 33"/>
+            </a:avLst>
+          </a:prstGeom>
+          <a:ln w="38100">
             <a:solidFill>
               <a:srgbClr val="0070C0"/>
             </a:solidFill>
+            <a:tailEnd type="triangle"/>
           </a:ln>
         </p:spPr>
         <p:style>
-          <a:lnRef idx="2">
-            <a:schemeClr val="accent1">
-              <a:shade val="50000"/>
-            </a:schemeClr>
+          <a:lnRef idx="1">
+            <a:schemeClr val="accent1"/>
           </a:lnRef>
-          <a:fillRef idx="1">
+          <a:fillRef idx="0">
             <a:schemeClr val="accent1"/>
           </a:fillRef>
           <a:effectRef idx="0">
             <a:schemeClr val="accent1"/>
           </a:effectRef>
           <a:fontRef idx="minor">
-            <a:schemeClr val="lt1"/>
+            <a:schemeClr val="tx1"/>
           </a:fontRef>
         </p:style>
-        <p:txBody>
-          <a:bodyPr rtlCol="0" anchor="ctr"/>
-          <a:lstStyle/>
-          <a:p>
-            <a:pPr algn="ctr"/>
-            <a:endParaRPr lang="zh-TW" altLang="en-US"/>
-          </a:p>
-        </p:txBody>
-      </p:sp>
-      <p:sp>
-        <p:nvSpPr>
-          <p:cNvPr id="23" name="向右箭號 22"/>
+      </p:cxnSp>
+    </p:spTree>
+    <p:extLst>
+      <p:ext uri="{BB962C8B-B14F-4D97-AF65-F5344CB8AC3E}">
+        <p14:creationId xmlns:p14="http://schemas.microsoft.com/office/powerpoint/2010/main" val="2534839054"/>
+      </p:ext>
+    </p:extLst>
+  </p:cSld>
+  <p:clrMapOvr>
+    <a:masterClrMapping/>
+  </p:clrMapOvr>
+</p:sld>
+</file>
+
+<file path=ppt/slides/slide7.xml><?xml version="1.0" encoding="utf-8"?>
+<p:sld xmlns:a="http://schemas.openxmlformats.org/drawingml/2006/main" xmlns:r="http://schemas.openxmlformats.org/officeDocument/2006/relationships" xmlns:p="http://schemas.openxmlformats.org/presentationml/2006/main">
+  <p:cSld>
+    <p:spTree>
+      <p:nvGrpSpPr>
+        <p:cNvPr id="1" name=""/>
+        <p:cNvGrpSpPr/>
+        <p:nvPr/>
+      </p:nvGrpSpPr>
+      <p:grpSpPr>
+        <a:xfrm>
+          <a:off x="0" y="0"/>
+          <a:ext cx="0" cy="0"/>
+          <a:chOff x="0" y="0"/>
+          <a:chExt cx="0" cy="0"/>
+        </a:xfrm>
+      </p:grpSpPr>
+      <p:sp>
+        <p:nvSpPr>
+          <p:cNvPr id="112" name="文字方塊 111"/>
+          <p:cNvSpPr txBox="1"/>
+          <p:nvPr/>
+        </p:nvSpPr>
+        <p:spPr>
+          <a:xfrm>
+            <a:off x="7759991" y="2089993"/>
+            <a:ext cx="2584210" cy="2308324"/>
+          </a:xfrm>
+          <a:prstGeom prst="rect">
+            <a:avLst/>
+          </a:prstGeom>
+          <a:noFill/>
+          <a:ln w="38100">
+            <a:solidFill>
+              <a:schemeClr val="bg1">
+                <a:lumMod val="65000"/>
+              </a:schemeClr>
+            </a:solidFill>
+          </a:ln>
+        </p:spPr>
+        <p:txBody>
+          <a:bodyPr wrap="square" rtlCol="0">
+            <a:spAutoFit/>
+          </a:bodyPr>
+          <a:lstStyle/>
+          <a:p>
+            <a:r>
+              <a:rPr lang="zh-TW" altLang="en-US" dirty="0" smtClean="0"/>
+              <a:t>移動判斷模組</a:t>
+            </a:r>
+            <a:endParaRPr lang="en-US" altLang="zh-TW" dirty="0" smtClean="0"/>
+          </a:p>
+          <a:p>
+            <a:endParaRPr lang="en-US" altLang="zh-TW" dirty="0"/>
+          </a:p>
+          <a:p>
+            <a:endParaRPr lang="en-US" altLang="zh-TW" dirty="0" smtClean="0"/>
+          </a:p>
+          <a:p>
+            <a:endParaRPr lang="en-US" altLang="zh-TW" dirty="0" smtClean="0"/>
+          </a:p>
+          <a:p>
+            <a:endParaRPr lang="en-US" altLang="zh-TW" dirty="0"/>
+          </a:p>
+          <a:p>
+            <a:endParaRPr lang="en-US" altLang="zh-TW" dirty="0" smtClean="0"/>
+          </a:p>
+          <a:p>
+            <a:endParaRPr lang="en-US" altLang="zh-TW" dirty="0"/>
+          </a:p>
+          <a:p>
+            <a:endParaRPr lang="zh-TW" altLang="en-US" dirty="0"/>
+          </a:p>
+        </p:txBody>
+      </p:sp>
+      <p:sp>
+        <p:nvSpPr>
+          <p:cNvPr id="21" name="文字方塊 20"/>
+          <p:cNvSpPr txBox="1"/>
+          <p:nvPr/>
+        </p:nvSpPr>
+        <p:spPr>
+          <a:xfrm>
+            <a:off x="4923913" y="1888627"/>
+            <a:ext cx="6014477" cy="3970318"/>
+          </a:xfrm>
+          <a:prstGeom prst="rect">
+            <a:avLst/>
+          </a:prstGeom>
+          <a:noFill/>
+          <a:ln w="38100">
+            <a:solidFill>
+              <a:schemeClr val="bg1">
+                <a:lumMod val="65000"/>
+              </a:schemeClr>
+            </a:solidFill>
+          </a:ln>
+        </p:spPr>
+        <p:txBody>
+          <a:bodyPr wrap="square" rtlCol="0">
+            <a:spAutoFit/>
+          </a:bodyPr>
+          <a:lstStyle/>
+          <a:p>
+            <a:r>
+              <a:rPr lang="zh-TW" altLang="en-US" dirty="0" smtClean="0"/>
+              <a:t>自動模組</a:t>
+            </a:r>
+            <a:endParaRPr lang="en-US" altLang="zh-TW" dirty="0" smtClean="0"/>
+          </a:p>
+          <a:p>
+            <a:endParaRPr lang="en-US" altLang="zh-TW" dirty="0"/>
+          </a:p>
+          <a:p>
+            <a:endParaRPr lang="en-US" altLang="zh-TW" dirty="0" smtClean="0"/>
+          </a:p>
+          <a:p>
+            <a:endParaRPr lang="en-US" altLang="zh-TW" dirty="0"/>
+          </a:p>
+          <a:p>
+            <a:endParaRPr lang="en-US" altLang="zh-TW" dirty="0" smtClean="0"/>
+          </a:p>
+          <a:p>
+            <a:endParaRPr lang="en-US" altLang="zh-TW" dirty="0"/>
+          </a:p>
+          <a:p>
+            <a:endParaRPr lang="en-US" altLang="zh-TW" dirty="0" smtClean="0"/>
+          </a:p>
+          <a:p>
+            <a:endParaRPr lang="en-US" altLang="zh-TW" dirty="0"/>
+          </a:p>
+          <a:p>
+            <a:endParaRPr lang="en-US" altLang="zh-TW" dirty="0" smtClean="0"/>
+          </a:p>
+          <a:p>
+            <a:endParaRPr lang="en-US" altLang="zh-TW" dirty="0"/>
+          </a:p>
+          <a:p>
+            <a:endParaRPr lang="en-US" altLang="zh-TW" dirty="0" smtClean="0"/>
+          </a:p>
+          <a:p>
+            <a:endParaRPr lang="en-US" altLang="zh-TW" dirty="0"/>
+          </a:p>
+          <a:p>
+            <a:endParaRPr lang="en-US" altLang="zh-TW" dirty="0" smtClean="0"/>
+          </a:p>
+          <a:p>
+            <a:endParaRPr lang="zh-TW" altLang="en-US" dirty="0"/>
+          </a:p>
+        </p:txBody>
+      </p:sp>
+      <p:sp>
+        <p:nvSpPr>
+          <p:cNvPr id="11" name="文字方塊 10"/>
+          <p:cNvSpPr txBox="1"/>
+          <p:nvPr/>
+        </p:nvSpPr>
+        <p:spPr>
+          <a:xfrm>
+            <a:off x="1859035" y="2269954"/>
+            <a:ext cx="1234616" cy="369332"/>
+          </a:xfrm>
+          <a:prstGeom prst="rect">
+            <a:avLst/>
+          </a:prstGeom>
+          <a:noFill/>
+          <a:ln w="38100">
+            <a:solidFill>
+              <a:srgbClr val="00B0F0"/>
+            </a:solidFill>
+          </a:ln>
+        </p:spPr>
+        <p:txBody>
+          <a:bodyPr wrap="square" rtlCol="0">
+            <a:spAutoFit/>
+          </a:bodyPr>
+          <a:lstStyle/>
+          <a:p>
+            <a:r>
+              <a:rPr lang="zh-TW" altLang="en-US" dirty="0" smtClean="0"/>
+              <a:t>模式選擇</a:t>
+            </a:r>
+            <a:endParaRPr lang="en-US" altLang="zh-TW" dirty="0" smtClean="0"/>
+          </a:p>
+        </p:txBody>
+      </p:sp>
+      <p:sp>
+        <p:nvSpPr>
+          <p:cNvPr id="2" name="標題 1"/>
+          <p:cNvSpPr>
+            <a:spLocks noGrp="1"/>
+          </p:cNvSpPr>
+          <p:nvPr>
+            <p:ph type="title"/>
+          </p:nvPr>
+        </p:nvSpPr>
+        <p:spPr/>
+        <p:txBody>
+          <a:bodyPr/>
+          <a:lstStyle/>
+          <a:p>
+            <a:r>
+              <a:rPr lang="zh-TW" altLang="en-US" dirty="0" smtClean="0"/>
+              <a:t>設計</a:t>
+            </a:r>
+            <a:r>
+              <a:rPr lang="en-US" altLang="zh-TW" dirty="0" smtClean="0"/>
+              <a:t>-2</a:t>
+            </a:r>
+            <a:endParaRPr lang="zh-TW" altLang="en-US" dirty="0"/>
+          </a:p>
+        </p:txBody>
+      </p:sp>
+      <p:sp>
+        <p:nvSpPr>
+          <p:cNvPr id="3" name="矩形 2"/>
           <p:cNvSpPr/>
           <p:nvPr/>
         </p:nvSpPr>
         <p:spPr>
-          <a:xfrm rot="5400000">
-            <a:off x="2666444" y="3663882"/>
-            <a:ext cx="378890" cy="396871"/>
-          </a:xfrm>
-          <a:prstGeom prst="rightArrow">
-            <a:avLst/>
-          </a:prstGeom>
-          <a:solidFill>
-            <a:srgbClr val="0070C0"/>
-          </a:solidFill>
-          <a:ln>
+          <a:xfrm>
+            <a:off x="1116982" y="5072369"/>
+            <a:ext cx="2262158" cy="369332"/>
+          </a:xfrm>
+          <a:prstGeom prst="rect">
+            <a:avLst/>
+          </a:prstGeom>
+          <a:ln w="38100">
             <a:solidFill>
               <a:srgbClr val="0070C0"/>
             </a:solidFill>
           </a:ln>
         </p:spPr>
-        <p:style>
-          <a:lnRef idx="2">
-            <a:schemeClr val="accent1">
-              <a:shade val="50000"/>
-            </a:schemeClr>
-          </a:lnRef>
-          <a:fillRef idx="1">
-            <a:schemeClr val="accent1"/>
-          </a:fillRef>
-          <a:effectRef idx="0">
-            <a:schemeClr val="accent1"/>
-          </a:effectRef>
-          <a:fontRef idx="minor">
-            <a:schemeClr val="lt1"/>
-          </a:fontRef>
-        </p:style>
-        <p:txBody>
-          <a:bodyPr rtlCol="0" anchor="ctr"/>
-          <a:lstStyle/>
-          <a:p>
-            <a:pPr algn="ctr"/>
-            <a:endParaRPr lang="zh-TW" altLang="en-US"/>
-          </a:p>
-        </p:txBody>
-      </p:sp>
-      <p:sp>
-        <p:nvSpPr>
-          <p:cNvPr id="24" name="向右箭號 23"/>
+        <p:txBody>
+          <a:bodyPr wrap="none">
+            <a:spAutoFit/>
+          </a:bodyPr>
+          <a:lstStyle/>
+          <a:p>
+            <a:r>
+              <a:rPr lang="zh-TW" altLang="en-US" dirty="0"/>
+              <a:t>左右</a:t>
+            </a:r>
+            <a:r>
+              <a:rPr lang="zh-TW" altLang="en-US" dirty="0" smtClean="0"/>
+              <a:t>移訊號輸出控制</a:t>
+            </a:r>
+            <a:endParaRPr lang="zh-TW" altLang="en-US" dirty="0"/>
+          </a:p>
+        </p:txBody>
+      </p:sp>
+      <p:sp>
+        <p:nvSpPr>
+          <p:cNvPr id="16" name="文字方塊 15"/>
+          <p:cNvSpPr txBox="1"/>
+          <p:nvPr/>
+        </p:nvSpPr>
+        <p:spPr>
+          <a:xfrm>
+            <a:off x="550046" y="2258264"/>
+            <a:ext cx="646331" cy="369332"/>
+          </a:xfrm>
+          <a:prstGeom prst="rect">
+            <a:avLst/>
+          </a:prstGeom>
+          <a:noFill/>
+          <a:ln w="38100">
+            <a:solidFill>
+              <a:srgbClr val="00B0F0"/>
+            </a:solidFill>
+          </a:ln>
+        </p:spPr>
+        <p:txBody>
+          <a:bodyPr wrap="none" rtlCol="0">
+            <a:spAutoFit/>
+          </a:bodyPr>
+          <a:lstStyle/>
+          <a:p>
+            <a:r>
+              <a:rPr lang="zh-TW" altLang="en-US" dirty="0" smtClean="0"/>
+              <a:t>影</a:t>
+            </a:r>
+            <a:r>
+              <a:rPr lang="zh-TW" altLang="en-US" dirty="0"/>
+              <a:t>片</a:t>
+            </a:r>
+          </a:p>
+        </p:txBody>
+      </p:sp>
+      <p:sp>
+        <p:nvSpPr>
+          <p:cNvPr id="29" name="文字方塊 28"/>
+          <p:cNvSpPr txBox="1"/>
+          <p:nvPr/>
+        </p:nvSpPr>
+        <p:spPr>
+          <a:xfrm>
+            <a:off x="5168236" y="3207152"/>
+            <a:ext cx="1916487" cy="369332"/>
+          </a:xfrm>
+          <a:prstGeom prst="rect">
+            <a:avLst/>
+          </a:prstGeom>
+          <a:noFill/>
+          <a:ln w="38100">
+            <a:solidFill>
+              <a:schemeClr val="bg1">
+                <a:lumMod val="65000"/>
+              </a:schemeClr>
+            </a:solidFill>
+          </a:ln>
+        </p:spPr>
+        <p:txBody>
+          <a:bodyPr wrap="none" rtlCol="0">
+            <a:spAutoFit/>
+          </a:bodyPr>
+          <a:lstStyle/>
+          <a:p>
+            <a:r>
+              <a:rPr lang="zh-TW" altLang="en-US" dirty="0" smtClean="0"/>
+              <a:t>選取目標</a:t>
+            </a:r>
+            <a:r>
+              <a:rPr lang="en-US" altLang="zh-TW" dirty="0" smtClean="0"/>
+              <a:t>(marker)</a:t>
+            </a:r>
+            <a:endParaRPr lang="zh-TW" altLang="en-US" dirty="0"/>
+          </a:p>
+        </p:txBody>
+      </p:sp>
+      <p:sp>
+        <p:nvSpPr>
+          <p:cNvPr id="30" name="文字方塊 29"/>
+          <p:cNvSpPr txBox="1"/>
+          <p:nvPr/>
+        </p:nvSpPr>
+        <p:spPr>
+          <a:xfrm>
+            <a:off x="5502050" y="2459910"/>
+            <a:ext cx="1276311" cy="369332"/>
+          </a:xfrm>
+          <a:prstGeom prst="rect">
+            <a:avLst/>
+          </a:prstGeom>
+          <a:noFill/>
+          <a:ln w="38100">
+            <a:solidFill>
+              <a:schemeClr val="bg1">
+                <a:lumMod val="65000"/>
+              </a:schemeClr>
+            </a:solidFill>
+          </a:ln>
+        </p:spPr>
+        <p:txBody>
+          <a:bodyPr wrap="none" rtlCol="0">
+            <a:spAutoFit/>
+          </a:bodyPr>
+          <a:lstStyle/>
+          <a:p>
+            <a:r>
+              <a:rPr lang="zh-TW" altLang="en-US" dirty="0" smtClean="0"/>
+              <a:t>二值化</a:t>
+            </a:r>
+            <a:r>
+              <a:rPr lang="en-US" altLang="zh-TW" dirty="0" smtClean="0"/>
+              <a:t>,LBP</a:t>
+            </a:r>
+            <a:endParaRPr lang="zh-TW" altLang="en-US" dirty="0"/>
+          </a:p>
+        </p:txBody>
+      </p:sp>
+      <p:sp>
+        <p:nvSpPr>
+          <p:cNvPr id="32" name="文字方塊 31"/>
+          <p:cNvSpPr txBox="1"/>
+          <p:nvPr/>
+        </p:nvSpPr>
+        <p:spPr>
+          <a:xfrm>
+            <a:off x="5234623" y="3958430"/>
+            <a:ext cx="1543738" cy="1200329"/>
+          </a:xfrm>
+          <a:prstGeom prst="rect">
+            <a:avLst/>
+          </a:prstGeom>
+          <a:noFill/>
+          <a:ln w="38100">
+            <a:solidFill>
+              <a:schemeClr val="bg1">
+                <a:lumMod val="65000"/>
+              </a:schemeClr>
+            </a:solidFill>
+          </a:ln>
+        </p:spPr>
+        <p:txBody>
+          <a:bodyPr wrap="square" rtlCol="0">
+            <a:spAutoFit/>
+          </a:bodyPr>
+          <a:lstStyle/>
+          <a:p>
+            <a:r>
+              <a:rPr lang="zh-TW" altLang="en-US" dirty="0" smtClean="0"/>
+              <a:t>鎖定模組</a:t>
+            </a:r>
+            <a:endParaRPr lang="en-US" altLang="zh-TW" dirty="0" smtClean="0"/>
+          </a:p>
+          <a:p>
+            <a:endParaRPr lang="en-US" altLang="zh-TW" dirty="0"/>
+          </a:p>
+          <a:p>
+            <a:endParaRPr lang="en-US" altLang="zh-TW" dirty="0" smtClean="0"/>
+          </a:p>
+          <a:p>
+            <a:endParaRPr lang="en-US" altLang="zh-TW" dirty="0" smtClean="0"/>
+          </a:p>
+        </p:txBody>
+      </p:sp>
+      <p:sp>
+        <p:nvSpPr>
+          <p:cNvPr id="33" name="矩形 32"/>
           <p:cNvSpPr/>
           <p:nvPr/>
         </p:nvSpPr>
         <p:spPr>
-          <a:xfrm flipH="1">
-            <a:off x="5097515" y="4107963"/>
-            <a:ext cx="535646" cy="348800"/>
-          </a:xfrm>
-          <a:prstGeom prst="rightArrow">
-            <a:avLst/>
-          </a:prstGeom>
-        </p:spPr>
-        <p:style>
-          <a:lnRef idx="2">
-            <a:schemeClr val="accent1">
-              <a:shade val="50000"/>
-            </a:schemeClr>
-          </a:lnRef>
-          <a:fillRef idx="1">
-            <a:schemeClr val="accent1"/>
-          </a:fillRef>
-          <a:effectRef idx="0">
-            <a:schemeClr val="accent1"/>
-          </a:effectRef>
-          <a:fontRef idx="minor">
-            <a:schemeClr val="lt1"/>
-          </a:fontRef>
-        </p:style>
-        <p:txBody>
-          <a:bodyPr rtlCol="0" anchor="ctr"/>
-          <a:lstStyle/>
-          <a:p>
-            <a:pPr algn="ctr"/>
-            <a:endParaRPr lang="zh-TW" altLang="en-US"/>
-          </a:p>
-        </p:txBody>
-      </p:sp>
-      <p:sp>
-        <p:nvSpPr>
-          <p:cNvPr id="25" name="向下箭號 24"/>
-          <p:cNvSpPr/>
-          <p:nvPr/>
-        </p:nvSpPr>
-        <p:spPr>
-          <a:xfrm>
-            <a:off x="2523744" y="4584900"/>
-            <a:ext cx="530581" cy="347472"/>
-          </a:xfrm>
-          <a:prstGeom prst="downArrow">
-            <a:avLst/>
-          </a:prstGeom>
-          <a:solidFill>
-            <a:srgbClr val="0070C0"/>
-          </a:solidFill>
-          <a:ln>
+          <a:xfrm>
+            <a:off x="7944100" y="3489830"/>
+            <a:ext cx="2262158" cy="369332"/>
+          </a:xfrm>
+          <a:prstGeom prst="rect">
+            <a:avLst/>
+          </a:prstGeom>
+          <a:ln w="38100">
+            <a:solidFill>
+              <a:schemeClr val="bg1">
+                <a:lumMod val="65000"/>
+              </a:schemeClr>
+            </a:solidFill>
+          </a:ln>
+        </p:spPr>
+        <p:txBody>
+          <a:bodyPr wrap="none">
+            <a:spAutoFit/>
+          </a:bodyPr>
+          <a:lstStyle/>
+          <a:p>
+            <a:r>
+              <a:rPr lang="zh-TW" altLang="en-US" dirty="0" smtClean="0"/>
+              <a:t>分出框架左右</a:t>
+            </a:r>
+            <a:r>
+              <a:rPr lang="zh-TW" altLang="en-US" dirty="0"/>
+              <a:t>的範圍</a:t>
+            </a:r>
+            <a:endParaRPr lang="en-US" altLang="zh-TW" dirty="0"/>
+          </a:p>
+        </p:txBody>
+      </p:sp>
+      <p:sp>
+        <p:nvSpPr>
+          <p:cNvPr id="4" name="文字方塊 3"/>
+          <p:cNvSpPr txBox="1"/>
+          <p:nvPr/>
+        </p:nvSpPr>
+        <p:spPr>
+          <a:xfrm>
+            <a:off x="9274782" y="2494718"/>
+            <a:ext cx="877163" cy="369332"/>
+          </a:xfrm>
+          <a:prstGeom prst="rect">
+            <a:avLst/>
+          </a:prstGeom>
+          <a:noFill/>
+          <a:ln w="38100">
+            <a:solidFill>
+              <a:schemeClr val="bg1">
+                <a:lumMod val="65000"/>
+              </a:schemeClr>
+            </a:solidFill>
+          </a:ln>
+        </p:spPr>
+        <p:txBody>
+          <a:bodyPr wrap="none" rtlCol="0">
+            <a:spAutoFit/>
+          </a:bodyPr>
+          <a:lstStyle/>
+          <a:p>
+            <a:r>
+              <a:rPr lang="zh-TW" altLang="en-US" dirty="0" smtClean="0"/>
+              <a:t>前後偵</a:t>
+            </a:r>
+            <a:endParaRPr lang="zh-TW" altLang="en-US" dirty="0"/>
+          </a:p>
+        </p:txBody>
+      </p:sp>
+      <p:sp>
+        <p:nvSpPr>
+          <p:cNvPr id="5" name="文字方塊 4"/>
+          <p:cNvSpPr txBox="1"/>
+          <p:nvPr/>
+        </p:nvSpPr>
+        <p:spPr>
+          <a:xfrm>
+            <a:off x="8669443" y="2985967"/>
+            <a:ext cx="1569660" cy="369332"/>
+          </a:xfrm>
+          <a:prstGeom prst="rect">
+            <a:avLst/>
+          </a:prstGeom>
+          <a:noFill/>
+          <a:ln w="38100">
+            <a:solidFill>
+              <a:schemeClr val="bg1">
+                <a:lumMod val="65000"/>
+              </a:schemeClr>
+            </a:solidFill>
+          </a:ln>
+        </p:spPr>
+        <p:txBody>
+          <a:bodyPr wrap="none" rtlCol="0">
+            <a:spAutoFit/>
+          </a:bodyPr>
+          <a:lstStyle/>
+          <a:p>
+            <a:r>
+              <a:rPr lang="zh-TW" altLang="en-US" dirty="0" smtClean="0"/>
+              <a:t>像素左右占比</a:t>
+            </a:r>
+            <a:endParaRPr lang="zh-TW" altLang="en-US" dirty="0"/>
+          </a:p>
+        </p:txBody>
+      </p:sp>
+      <p:sp>
+        <p:nvSpPr>
+          <p:cNvPr id="71" name="文字方塊 70"/>
+          <p:cNvSpPr txBox="1"/>
+          <p:nvPr/>
+        </p:nvSpPr>
+        <p:spPr>
+          <a:xfrm>
+            <a:off x="319213" y="5858945"/>
+            <a:ext cx="1107996" cy="369332"/>
+          </a:xfrm>
+          <a:prstGeom prst="rect">
+            <a:avLst/>
+          </a:prstGeom>
+          <a:noFill/>
+          <a:ln w="38100">
             <a:solidFill>
               <a:srgbClr val="0070C0"/>
             </a:solidFill>
           </a:ln>
         </p:spPr>
+        <p:txBody>
+          <a:bodyPr wrap="none" rtlCol="0">
+            <a:spAutoFit/>
+          </a:bodyPr>
+          <a:lstStyle/>
+          <a:p>
+            <a:r>
+              <a:rPr lang="zh-TW" altLang="en-US" dirty="0" smtClean="0"/>
+              <a:t>輸出影像</a:t>
+            </a:r>
+            <a:endParaRPr lang="zh-TW" altLang="en-US" dirty="0"/>
+          </a:p>
+        </p:txBody>
+      </p:sp>
+      <p:cxnSp>
+        <p:nvCxnSpPr>
+          <p:cNvPr id="73" name="直線單箭頭接點 72"/>
+          <p:cNvCxnSpPr>
+            <a:stCxn id="16" idx="2"/>
+            <a:endCxn id="71" idx="0"/>
+          </p:cNvCxnSpPr>
+          <p:nvPr/>
+        </p:nvCxnSpPr>
+        <p:spPr>
+          <a:xfrm flipH="1">
+            <a:off x="873211" y="2627596"/>
+            <a:ext cx="1" cy="3231349"/>
+          </a:xfrm>
+          <a:prstGeom prst="straightConnector1">
+            <a:avLst/>
+          </a:prstGeom>
+          <a:ln w="57150">
+            <a:solidFill>
+              <a:srgbClr val="0070C0"/>
+            </a:solidFill>
+            <a:tailEnd type="triangle"/>
+          </a:ln>
+        </p:spPr>
         <p:style>
-          <a:lnRef idx="2">
-            <a:schemeClr val="accent1">
-              <a:shade val="50000"/>
-            </a:schemeClr>
+          <a:lnRef idx="1">
+            <a:schemeClr val="accent1"/>
           </a:lnRef>
-          <a:fillRef idx="1">
+          <a:fillRef idx="0">
             <a:schemeClr val="accent1"/>
           </a:fillRef>
           <a:effectRef idx="0">
             <a:schemeClr val="accent1"/>
           </a:effectRef>
           <a:fontRef idx="minor">
-            <a:schemeClr val="lt1"/>
+            <a:schemeClr val="tx1"/>
           </a:fontRef>
         </p:style>
-        <p:txBody>
-          <a:bodyPr rtlCol="0" anchor="ctr"/>
-          <a:lstStyle/>
-          <a:p>
-            <a:pPr algn="ctr"/>
-            <a:endParaRPr lang="zh-TW" altLang="en-US"/>
+      </p:cxnSp>
+      <p:sp>
+        <p:nvSpPr>
+          <p:cNvPr id="26" name="文字方塊 25"/>
+          <p:cNvSpPr txBox="1"/>
+          <p:nvPr/>
+        </p:nvSpPr>
+        <p:spPr>
+          <a:xfrm>
+            <a:off x="1384115" y="3132375"/>
+            <a:ext cx="2972704" cy="369332"/>
+          </a:xfrm>
+          <a:prstGeom prst="rect">
+            <a:avLst/>
+          </a:prstGeom>
+          <a:noFill/>
+          <a:ln w="38100">
+            <a:solidFill>
+              <a:srgbClr val="00B050"/>
+            </a:solidFill>
+          </a:ln>
+        </p:spPr>
+        <p:txBody>
+          <a:bodyPr wrap="square" rtlCol="0">
+            <a:spAutoFit/>
+          </a:bodyPr>
+          <a:lstStyle/>
+          <a:p>
+            <a:r>
+              <a:rPr lang="zh-TW" altLang="en-US" dirty="0" smtClean="0"/>
+              <a:t>手動模組</a:t>
+            </a:r>
+            <a:endParaRPr lang="zh-TW" altLang="en-US" dirty="0"/>
+          </a:p>
+        </p:txBody>
+      </p:sp>
+      <p:cxnSp>
+        <p:nvCxnSpPr>
+          <p:cNvPr id="15" name="直線單箭頭接點 14"/>
+          <p:cNvCxnSpPr>
+            <a:stCxn id="16" idx="3"/>
+            <a:endCxn id="11" idx="1"/>
+          </p:cNvCxnSpPr>
+          <p:nvPr/>
+        </p:nvCxnSpPr>
+        <p:spPr>
+          <a:xfrm>
+            <a:off x="1196377" y="2442930"/>
+            <a:ext cx="662658" cy="11690"/>
+          </a:xfrm>
+          <a:prstGeom prst="straightConnector1">
+            <a:avLst/>
+          </a:prstGeom>
+          <a:ln w="38100">
+            <a:solidFill>
+              <a:srgbClr val="00B0F0"/>
+            </a:solidFill>
+            <a:tailEnd type="triangle"/>
+          </a:ln>
+        </p:spPr>
+        <p:style>
+          <a:lnRef idx="1">
+            <a:schemeClr val="accent1"/>
+          </a:lnRef>
+          <a:fillRef idx="0">
+            <a:schemeClr val="accent1"/>
+          </a:fillRef>
+          <a:effectRef idx="0">
+            <a:schemeClr val="accent1"/>
+          </a:effectRef>
+          <a:fontRef idx="minor">
+            <a:schemeClr val="tx1"/>
+          </a:fontRef>
+        </p:style>
+      </p:cxnSp>
+      <p:cxnSp>
+        <p:nvCxnSpPr>
+          <p:cNvPr id="35" name="肘形接點 34"/>
+          <p:cNvCxnSpPr>
+            <a:stCxn id="26" idx="2"/>
+            <a:endCxn id="3" idx="0"/>
+          </p:cNvCxnSpPr>
+          <p:nvPr/>
+        </p:nvCxnSpPr>
+        <p:spPr>
+          <a:xfrm rot="5400000">
+            <a:off x="1773933" y="3975835"/>
+            <a:ext cx="1570662" cy="622406"/>
+          </a:xfrm>
+          <a:prstGeom prst="bentConnector3">
+            <a:avLst/>
+          </a:prstGeom>
+          <a:ln w="38100">
+            <a:solidFill>
+              <a:srgbClr val="00B050"/>
+            </a:solidFill>
+            <a:tailEnd type="triangle"/>
+          </a:ln>
+        </p:spPr>
+        <p:style>
+          <a:lnRef idx="1">
+            <a:schemeClr val="accent1"/>
+          </a:lnRef>
+          <a:fillRef idx="0">
+            <a:schemeClr val="accent1"/>
+          </a:fillRef>
+          <a:effectRef idx="0">
+            <a:schemeClr val="accent1"/>
+          </a:effectRef>
+          <a:fontRef idx="minor">
+            <a:schemeClr val="tx1"/>
+          </a:fontRef>
+        </p:style>
+      </p:cxnSp>
+      <p:sp>
+        <p:nvSpPr>
+          <p:cNvPr id="37" name="文字方塊 36"/>
+          <p:cNvSpPr txBox="1"/>
+          <p:nvPr/>
+        </p:nvSpPr>
+        <p:spPr>
+          <a:xfrm>
+            <a:off x="7944100" y="5257035"/>
+            <a:ext cx="1107996" cy="369332"/>
+          </a:xfrm>
+          <a:prstGeom prst="rect">
+            <a:avLst/>
+          </a:prstGeom>
+          <a:noFill/>
+          <a:ln>
+            <a:solidFill>
+              <a:schemeClr val="bg1">
+                <a:lumMod val="65000"/>
+              </a:schemeClr>
+            </a:solidFill>
+          </a:ln>
+        </p:spPr>
+        <p:txBody>
+          <a:bodyPr wrap="none" rtlCol="0">
+            <a:spAutoFit/>
+          </a:bodyPr>
+          <a:lstStyle>
+            <a:defPPr>
+              <a:defRPr lang="zh-TW"/>
+            </a:defPPr>
+          </a:lstStyle>
+          <a:p>
+            <a:r>
+              <a:rPr lang="zh-TW" altLang="en-US" dirty="0"/>
+              <a:t>移動訊號</a:t>
+            </a:r>
+          </a:p>
+        </p:txBody>
+      </p:sp>
+      <p:sp>
+        <p:nvSpPr>
+          <p:cNvPr id="52" name="矩形 51"/>
+          <p:cNvSpPr/>
+          <p:nvPr/>
+        </p:nvSpPr>
+        <p:spPr>
+          <a:xfrm>
+            <a:off x="1173706" y="2545707"/>
+            <a:ext cx="646331" cy="369332"/>
+          </a:xfrm>
+          <a:prstGeom prst="rect">
+            <a:avLst/>
+          </a:prstGeom>
+        </p:spPr>
+        <p:txBody>
+          <a:bodyPr wrap="none">
+            <a:spAutoFit/>
+          </a:bodyPr>
+          <a:lstStyle/>
+          <a:p>
+            <a:r>
+              <a:rPr lang="zh-TW" altLang="en-US" dirty="0" smtClean="0"/>
+              <a:t>影像</a:t>
+            </a:r>
+            <a:endParaRPr lang="zh-TW" altLang="en-US" dirty="0"/>
+          </a:p>
+        </p:txBody>
+      </p:sp>
+      <p:sp>
+        <p:nvSpPr>
+          <p:cNvPr id="72" name="文字方塊 71"/>
+          <p:cNvSpPr txBox="1"/>
+          <p:nvPr/>
+        </p:nvSpPr>
+        <p:spPr>
+          <a:xfrm>
+            <a:off x="2701879" y="3123768"/>
+            <a:ext cx="1569660" cy="369332"/>
+          </a:xfrm>
+          <a:prstGeom prst="rect">
+            <a:avLst/>
+          </a:prstGeom>
+          <a:noFill/>
+          <a:ln w="38100">
+            <a:solidFill>
+              <a:srgbClr val="92D050"/>
+            </a:solidFill>
+          </a:ln>
+        </p:spPr>
+        <p:txBody>
+          <a:bodyPr wrap="none" rtlCol="0">
+            <a:spAutoFit/>
+          </a:bodyPr>
+          <a:lstStyle/>
+          <a:p>
+            <a:r>
+              <a:rPr lang="zh-TW" altLang="en-US" dirty="0" smtClean="0"/>
+              <a:t>左右移控制器</a:t>
+            </a:r>
+            <a:endParaRPr lang="zh-TW" altLang="en-US" dirty="0"/>
+          </a:p>
+        </p:txBody>
+      </p:sp>
+      <p:sp>
+        <p:nvSpPr>
+          <p:cNvPr id="87" name="文字方塊 86"/>
+          <p:cNvSpPr txBox="1"/>
+          <p:nvPr/>
+        </p:nvSpPr>
+        <p:spPr>
+          <a:xfrm>
+            <a:off x="5259440" y="4357347"/>
+            <a:ext cx="564835" cy="369332"/>
+          </a:xfrm>
+          <a:prstGeom prst="rect">
+            <a:avLst/>
+          </a:prstGeom>
+          <a:noFill/>
+          <a:ln w="38100">
+            <a:solidFill>
+              <a:schemeClr val="bg1">
+                <a:lumMod val="65000"/>
+              </a:schemeClr>
+            </a:solidFill>
+          </a:ln>
+        </p:spPr>
+        <p:txBody>
+          <a:bodyPr wrap="none" rtlCol="0">
+            <a:spAutoFit/>
+          </a:bodyPr>
+          <a:lstStyle/>
+          <a:p>
+            <a:r>
+              <a:rPr lang="en-US" altLang="zh-TW" dirty="0" smtClean="0"/>
+              <a:t>HVS</a:t>
+            </a:r>
+            <a:endParaRPr lang="zh-TW" altLang="en-US" dirty="0"/>
+          </a:p>
+        </p:txBody>
+      </p:sp>
+      <p:sp>
+        <p:nvSpPr>
+          <p:cNvPr id="89" name="矩形 88"/>
+          <p:cNvSpPr/>
+          <p:nvPr/>
+        </p:nvSpPr>
+        <p:spPr>
+          <a:xfrm>
+            <a:off x="5259440" y="4785060"/>
+            <a:ext cx="517449" cy="369332"/>
+          </a:xfrm>
+          <a:prstGeom prst="rect">
+            <a:avLst/>
+          </a:prstGeom>
+          <a:ln w="38100">
+            <a:solidFill>
+              <a:schemeClr val="bg1">
+                <a:lumMod val="65000"/>
+              </a:schemeClr>
+            </a:solidFill>
+          </a:ln>
+        </p:spPr>
+        <p:txBody>
+          <a:bodyPr wrap="none">
+            <a:spAutoFit/>
+          </a:bodyPr>
+          <a:lstStyle/>
+          <a:p>
+            <a:r>
+              <a:rPr lang="en-US" altLang="zh-TW" dirty="0" smtClean="0"/>
+              <a:t>ROI</a:t>
+            </a:r>
+            <a:endParaRPr lang="zh-TW" altLang="en-US" dirty="0"/>
+          </a:p>
+        </p:txBody>
+      </p:sp>
+      <p:cxnSp>
+        <p:nvCxnSpPr>
+          <p:cNvPr id="99" name="肘形接點 98"/>
+          <p:cNvCxnSpPr>
+            <a:stCxn id="29" idx="2"/>
+            <a:endCxn id="32" idx="0"/>
+          </p:cNvCxnSpPr>
+          <p:nvPr/>
+        </p:nvCxnSpPr>
+        <p:spPr>
+          <a:xfrm rot="5400000">
+            <a:off x="5875513" y="3707463"/>
+            <a:ext cx="381946" cy="119988"/>
+          </a:xfrm>
+          <a:prstGeom prst="bentConnector3">
+            <a:avLst/>
+          </a:prstGeom>
+          <a:ln w="38100">
+            <a:solidFill>
+              <a:schemeClr val="bg1">
+                <a:lumMod val="65000"/>
+              </a:schemeClr>
+            </a:solidFill>
+            <a:tailEnd type="triangle"/>
+          </a:ln>
+        </p:spPr>
+        <p:style>
+          <a:lnRef idx="1">
+            <a:schemeClr val="accent1"/>
+          </a:lnRef>
+          <a:fillRef idx="0">
+            <a:schemeClr val="accent1"/>
+          </a:fillRef>
+          <a:effectRef idx="0">
+            <a:schemeClr val="accent1"/>
+          </a:effectRef>
+          <a:fontRef idx="minor">
+            <a:schemeClr val="tx1"/>
+          </a:fontRef>
+        </p:style>
+      </p:cxnSp>
+      <p:cxnSp>
+        <p:nvCxnSpPr>
+          <p:cNvPr id="102" name="肘形接點 101"/>
+          <p:cNvCxnSpPr>
+            <a:stCxn id="30" idx="2"/>
+            <a:endCxn id="29" idx="0"/>
+          </p:cNvCxnSpPr>
+          <p:nvPr/>
+        </p:nvCxnSpPr>
+        <p:spPr>
+          <a:xfrm rot="5400000">
+            <a:off x="5944388" y="3011334"/>
+            <a:ext cx="377910" cy="13726"/>
+          </a:xfrm>
+          <a:prstGeom prst="bentConnector3">
+            <a:avLst/>
+          </a:prstGeom>
+          <a:ln w="38100">
+            <a:solidFill>
+              <a:schemeClr val="bg1">
+                <a:lumMod val="65000"/>
+              </a:schemeClr>
+            </a:solidFill>
+            <a:tailEnd type="triangle"/>
+          </a:ln>
+        </p:spPr>
+        <p:style>
+          <a:lnRef idx="1">
+            <a:schemeClr val="accent1"/>
+          </a:lnRef>
+          <a:fillRef idx="0">
+            <a:schemeClr val="accent1"/>
+          </a:fillRef>
+          <a:effectRef idx="0">
+            <a:schemeClr val="accent1"/>
+          </a:effectRef>
+          <a:fontRef idx="minor">
+            <a:schemeClr val="tx1"/>
+          </a:fontRef>
+        </p:style>
+      </p:cxnSp>
+      <p:cxnSp>
+        <p:nvCxnSpPr>
+          <p:cNvPr id="104" name="直線單箭頭接點 103"/>
+          <p:cNvCxnSpPr>
+            <a:stCxn id="11" idx="3"/>
+          </p:cNvCxnSpPr>
+          <p:nvPr/>
+        </p:nvCxnSpPr>
+        <p:spPr>
+          <a:xfrm>
+            <a:off x="3093651" y="2454620"/>
+            <a:ext cx="1830262" cy="91087"/>
+          </a:xfrm>
+          <a:prstGeom prst="straightConnector1">
+            <a:avLst/>
+          </a:prstGeom>
+          <a:ln w="38100">
+            <a:solidFill>
+              <a:schemeClr val="bg1">
+                <a:lumMod val="65000"/>
+              </a:schemeClr>
+            </a:solidFill>
+            <a:tailEnd type="triangle"/>
+          </a:ln>
+        </p:spPr>
+        <p:style>
+          <a:lnRef idx="1">
+            <a:schemeClr val="accent1"/>
+          </a:lnRef>
+          <a:fillRef idx="0">
+            <a:schemeClr val="accent1"/>
+          </a:fillRef>
+          <a:effectRef idx="0">
+            <a:schemeClr val="accent1"/>
+          </a:effectRef>
+          <a:fontRef idx="minor">
+            <a:schemeClr val="tx1"/>
+          </a:fontRef>
+        </p:style>
+      </p:cxnSp>
+      <p:cxnSp>
+        <p:nvCxnSpPr>
+          <p:cNvPr id="106" name="直線單箭頭接點 105"/>
+          <p:cNvCxnSpPr/>
+          <p:nvPr/>
+        </p:nvCxnSpPr>
+        <p:spPr>
+          <a:xfrm>
+            <a:off x="2710152" y="2639286"/>
+            <a:ext cx="160316" cy="405666"/>
+          </a:xfrm>
+          <a:prstGeom prst="straightConnector1">
+            <a:avLst/>
+          </a:prstGeom>
+          <a:ln w="38100">
+            <a:tailEnd type="triangle"/>
+          </a:ln>
+        </p:spPr>
+        <p:style>
+          <a:lnRef idx="1">
+            <a:schemeClr val="accent1"/>
+          </a:lnRef>
+          <a:fillRef idx="0">
+            <a:schemeClr val="accent1"/>
+          </a:fillRef>
+          <a:effectRef idx="0">
+            <a:schemeClr val="accent1"/>
+          </a:effectRef>
+          <a:fontRef idx="minor">
+            <a:schemeClr val="tx1"/>
+          </a:fontRef>
+        </p:style>
+      </p:cxnSp>
+      <p:sp>
+        <p:nvSpPr>
+          <p:cNvPr id="107" name="文字方塊 106"/>
+          <p:cNvSpPr txBox="1"/>
+          <p:nvPr/>
+        </p:nvSpPr>
+        <p:spPr>
+          <a:xfrm>
+            <a:off x="2886223" y="2607585"/>
+            <a:ext cx="646331" cy="369332"/>
+          </a:xfrm>
+          <a:prstGeom prst="rect">
+            <a:avLst/>
+          </a:prstGeom>
+          <a:solidFill>
+            <a:schemeClr val="accent2"/>
+          </a:solidFill>
+          <a:ln w="38100">
+            <a:solidFill>
+              <a:srgbClr val="FF0000"/>
+            </a:solidFill>
+          </a:ln>
+        </p:spPr>
+        <p:txBody>
+          <a:bodyPr wrap="none" rtlCol="0">
+            <a:spAutoFit/>
+          </a:bodyPr>
+          <a:lstStyle/>
+          <a:p>
+            <a:r>
+              <a:rPr lang="zh-TW" altLang="en-US" b="1" dirty="0" smtClean="0">
+                <a:solidFill>
+                  <a:schemeClr val="bg1"/>
+                </a:solidFill>
+              </a:rPr>
+              <a:t>手動</a:t>
+            </a:r>
+            <a:endParaRPr lang="zh-TW" altLang="en-US" b="1" dirty="0">
+              <a:solidFill>
+                <a:schemeClr val="bg1"/>
+              </a:solidFill>
+            </a:endParaRPr>
+          </a:p>
+        </p:txBody>
+      </p:sp>
+      <p:sp>
+        <p:nvSpPr>
+          <p:cNvPr id="111" name="文字方塊 110"/>
+          <p:cNvSpPr txBox="1"/>
+          <p:nvPr/>
+        </p:nvSpPr>
+        <p:spPr>
+          <a:xfrm>
+            <a:off x="7844148" y="2440319"/>
+            <a:ext cx="1107996" cy="369332"/>
+          </a:xfrm>
+          <a:prstGeom prst="rect">
+            <a:avLst/>
+          </a:prstGeom>
+          <a:noFill/>
+          <a:ln w="38100">
+            <a:solidFill>
+              <a:schemeClr val="bg1">
+                <a:lumMod val="65000"/>
+              </a:schemeClr>
+            </a:solidFill>
+          </a:ln>
+        </p:spPr>
+        <p:txBody>
+          <a:bodyPr wrap="none" rtlCol="0">
+            <a:spAutoFit/>
+          </a:bodyPr>
+          <a:lstStyle/>
+          <a:p>
+            <a:r>
+              <a:rPr lang="zh-TW" altLang="en-US" dirty="0" smtClean="0"/>
+              <a:t>面積</a:t>
+            </a:r>
+            <a:r>
+              <a:rPr lang="zh-TW" altLang="en-US" dirty="0"/>
+              <a:t>計算</a:t>
+            </a:r>
+          </a:p>
+        </p:txBody>
+      </p:sp>
+      <p:cxnSp>
+        <p:nvCxnSpPr>
+          <p:cNvPr id="114" name="肘形接點 113"/>
+          <p:cNvCxnSpPr>
+            <a:stCxn id="32" idx="3"/>
+            <a:endCxn id="111" idx="1"/>
+          </p:cNvCxnSpPr>
+          <p:nvPr/>
+        </p:nvCxnSpPr>
+        <p:spPr>
+          <a:xfrm flipV="1">
+            <a:off x="6778361" y="2624985"/>
+            <a:ext cx="1065787" cy="1933610"/>
+          </a:xfrm>
+          <a:prstGeom prst="bentConnector3">
+            <a:avLst/>
+          </a:prstGeom>
+          <a:ln w="38100">
+            <a:solidFill>
+              <a:schemeClr val="bg1">
+                <a:lumMod val="65000"/>
+              </a:schemeClr>
+            </a:solidFill>
+            <a:tailEnd type="triangle"/>
+          </a:ln>
+        </p:spPr>
+        <p:style>
+          <a:lnRef idx="1">
+            <a:schemeClr val="accent1"/>
+          </a:lnRef>
+          <a:fillRef idx="0">
+            <a:schemeClr val="accent1"/>
+          </a:fillRef>
+          <a:effectRef idx="0">
+            <a:schemeClr val="accent1"/>
+          </a:effectRef>
+          <a:fontRef idx="minor">
+            <a:schemeClr val="tx1"/>
+          </a:fontRef>
+        </p:style>
+      </p:cxnSp>
+      <p:sp>
+        <p:nvSpPr>
+          <p:cNvPr id="119" name="文字方塊 118"/>
+          <p:cNvSpPr txBox="1"/>
+          <p:nvPr/>
+        </p:nvSpPr>
+        <p:spPr>
+          <a:xfrm>
+            <a:off x="1074594" y="4649167"/>
+            <a:ext cx="1107996" cy="369332"/>
+          </a:xfrm>
+          <a:prstGeom prst="rect">
+            <a:avLst/>
+          </a:prstGeom>
+          <a:noFill/>
+        </p:spPr>
+        <p:txBody>
+          <a:bodyPr wrap="none" rtlCol="0">
+            <a:spAutoFit/>
+          </a:bodyPr>
+          <a:lstStyle>
+            <a:defPPr>
+              <a:defRPr lang="zh-TW"/>
+            </a:defPPr>
+          </a:lstStyle>
+          <a:p>
+            <a:r>
+              <a:rPr lang="zh-TW" altLang="en-US" dirty="0"/>
+              <a:t>移動訊號</a:t>
+            </a:r>
+          </a:p>
+        </p:txBody>
+      </p:sp>
+      <p:cxnSp>
+        <p:nvCxnSpPr>
+          <p:cNvPr id="132" name="肘形接點 131"/>
+          <p:cNvCxnSpPr>
+            <a:endCxn id="3" idx="3"/>
+          </p:cNvCxnSpPr>
+          <p:nvPr/>
+        </p:nvCxnSpPr>
+        <p:spPr>
+          <a:xfrm rot="10800000" flipV="1">
+            <a:off x="3379140" y="4398317"/>
+            <a:ext cx="5672956" cy="858718"/>
+          </a:xfrm>
+          <a:prstGeom prst="bentConnector3">
+            <a:avLst>
+              <a:gd name="adj1" fmla="val 33"/>
+            </a:avLst>
+          </a:prstGeom>
+          <a:ln w="38100">
+            <a:solidFill>
+              <a:schemeClr val="bg1">
+                <a:lumMod val="65000"/>
+              </a:schemeClr>
+            </a:solidFill>
+            <a:tailEnd type="triangle"/>
+          </a:ln>
+        </p:spPr>
+        <p:style>
+          <a:lnRef idx="1">
+            <a:schemeClr val="accent1"/>
+          </a:lnRef>
+          <a:fillRef idx="0">
+            <a:schemeClr val="accent1"/>
+          </a:fillRef>
+          <a:effectRef idx="0">
+            <a:schemeClr val="accent1"/>
+          </a:effectRef>
+          <a:fontRef idx="minor">
+            <a:schemeClr val="tx1"/>
+          </a:fontRef>
+        </p:style>
+      </p:cxnSp>
+      <p:sp>
+        <p:nvSpPr>
+          <p:cNvPr id="6" name="文字方塊 5"/>
+          <p:cNvSpPr txBox="1"/>
+          <p:nvPr/>
+        </p:nvSpPr>
+        <p:spPr>
+          <a:xfrm>
+            <a:off x="1593253" y="1862593"/>
+            <a:ext cx="2954655" cy="369332"/>
+          </a:xfrm>
+          <a:prstGeom prst="rect">
+            <a:avLst/>
+          </a:prstGeom>
+          <a:noFill/>
+        </p:spPr>
+        <p:txBody>
+          <a:bodyPr wrap="none" rtlCol="0">
+            <a:spAutoFit/>
+          </a:bodyPr>
+          <a:lstStyle/>
+          <a:p>
+            <a:r>
+              <a:rPr lang="zh-TW" altLang="en-US" dirty="0" smtClean="0"/>
+              <a:t>移動畫面中心到欲鎖定目標</a:t>
+            </a:r>
+            <a:endParaRPr lang="zh-TW" altLang="en-US" dirty="0"/>
           </a:p>
         </p:txBody>
       </p:sp>
     </p:spTree>
     <p:extLst>
       <p:ext uri="{BB962C8B-B14F-4D97-AF65-F5344CB8AC3E}">
-        <p14:creationId xmlns:p14="http://schemas.microsoft.com/office/powerpoint/2010/main" val="2290354412"/>
+        <p14:creationId xmlns:p14="http://schemas.microsoft.com/office/powerpoint/2010/main" val="1712706515"/>
+      </p:ext>
+    </p:extLst>
+  </p:cSld>
+  <p:clrMapOvr>
+    <a:masterClrMapping/>
+  </p:clrMapOvr>
+</p:sld>
+</file>
+
+<file path=ppt/slides/slide8.xml><?xml version="1.0" encoding="utf-8"?>
+<p:sld xmlns:a="http://schemas.openxmlformats.org/drawingml/2006/main" xmlns:r="http://schemas.openxmlformats.org/officeDocument/2006/relationships" xmlns:p="http://schemas.openxmlformats.org/presentationml/2006/main">
+  <p:cSld>
+    <p:spTree>
+      <p:nvGrpSpPr>
+        <p:cNvPr id="1" name=""/>
+        <p:cNvGrpSpPr/>
+        <p:nvPr/>
+      </p:nvGrpSpPr>
+      <p:grpSpPr>
+        <a:xfrm>
+          <a:off x="0" y="0"/>
+          <a:ext cx="0" cy="0"/>
+          <a:chOff x="0" y="0"/>
+          <a:chExt cx="0" cy="0"/>
+        </a:xfrm>
+      </p:grpSpPr>
+      <p:sp>
+        <p:nvSpPr>
+          <p:cNvPr id="112" name="文字方塊 111"/>
+          <p:cNvSpPr txBox="1"/>
+          <p:nvPr/>
+        </p:nvSpPr>
+        <p:spPr>
+          <a:xfrm>
+            <a:off x="7759991" y="2089993"/>
+            <a:ext cx="2584210" cy="2308324"/>
+          </a:xfrm>
+          <a:prstGeom prst="rect">
+            <a:avLst/>
+          </a:prstGeom>
+          <a:noFill/>
+          <a:ln w="38100">
+            <a:solidFill>
+              <a:srgbClr val="FFC000"/>
+            </a:solidFill>
+          </a:ln>
+        </p:spPr>
+        <p:txBody>
+          <a:bodyPr wrap="square" rtlCol="0">
+            <a:spAutoFit/>
+          </a:bodyPr>
+          <a:lstStyle/>
+          <a:p>
+            <a:r>
+              <a:rPr lang="zh-TW" altLang="en-US" dirty="0" smtClean="0"/>
+              <a:t>移動判斷模組</a:t>
+            </a:r>
+            <a:endParaRPr lang="en-US" altLang="zh-TW" dirty="0" smtClean="0"/>
+          </a:p>
+          <a:p>
+            <a:endParaRPr lang="en-US" altLang="zh-TW" dirty="0"/>
+          </a:p>
+          <a:p>
+            <a:endParaRPr lang="en-US" altLang="zh-TW" dirty="0" smtClean="0"/>
+          </a:p>
+          <a:p>
+            <a:endParaRPr lang="en-US" altLang="zh-TW" dirty="0" smtClean="0"/>
+          </a:p>
+          <a:p>
+            <a:endParaRPr lang="en-US" altLang="zh-TW" dirty="0"/>
+          </a:p>
+          <a:p>
+            <a:endParaRPr lang="en-US" altLang="zh-TW" dirty="0" smtClean="0"/>
+          </a:p>
+          <a:p>
+            <a:endParaRPr lang="en-US" altLang="zh-TW" dirty="0"/>
+          </a:p>
+          <a:p>
+            <a:endParaRPr lang="zh-TW" altLang="en-US" dirty="0"/>
+          </a:p>
+        </p:txBody>
+      </p:sp>
+      <p:sp>
+        <p:nvSpPr>
+          <p:cNvPr id="21" name="文字方塊 20"/>
+          <p:cNvSpPr txBox="1"/>
+          <p:nvPr/>
+        </p:nvSpPr>
+        <p:spPr>
+          <a:xfrm>
+            <a:off x="4923913" y="1888627"/>
+            <a:ext cx="6014477" cy="3970318"/>
+          </a:xfrm>
+          <a:prstGeom prst="rect">
+            <a:avLst/>
+          </a:prstGeom>
+          <a:noFill/>
+          <a:ln w="38100">
+            <a:solidFill>
+              <a:schemeClr val="accent1"/>
+            </a:solidFill>
+          </a:ln>
+        </p:spPr>
+        <p:txBody>
+          <a:bodyPr wrap="square" rtlCol="0">
+            <a:spAutoFit/>
+          </a:bodyPr>
+          <a:lstStyle/>
+          <a:p>
+            <a:r>
+              <a:rPr lang="zh-TW" altLang="en-US" dirty="0" smtClean="0"/>
+              <a:t>自動模組</a:t>
+            </a:r>
+            <a:endParaRPr lang="en-US" altLang="zh-TW" dirty="0" smtClean="0"/>
+          </a:p>
+          <a:p>
+            <a:endParaRPr lang="en-US" altLang="zh-TW" dirty="0"/>
+          </a:p>
+          <a:p>
+            <a:endParaRPr lang="en-US" altLang="zh-TW" dirty="0" smtClean="0"/>
+          </a:p>
+          <a:p>
+            <a:endParaRPr lang="en-US" altLang="zh-TW" dirty="0"/>
+          </a:p>
+          <a:p>
+            <a:endParaRPr lang="en-US" altLang="zh-TW" dirty="0" smtClean="0"/>
+          </a:p>
+          <a:p>
+            <a:endParaRPr lang="en-US" altLang="zh-TW" dirty="0"/>
+          </a:p>
+          <a:p>
+            <a:endParaRPr lang="en-US" altLang="zh-TW" dirty="0" smtClean="0"/>
+          </a:p>
+          <a:p>
+            <a:endParaRPr lang="en-US" altLang="zh-TW" dirty="0"/>
+          </a:p>
+          <a:p>
+            <a:endParaRPr lang="en-US" altLang="zh-TW" dirty="0" smtClean="0"/>
+          </a:p>
+          <a:p>
+            <a:endParaRPr lang="en-US" altLang="zh-TW" dirty="0"/>
+          </a:p>
+          <a:p>
+            <a:endParaRPr lang="en-US" altLang="zh-TW" dirty="0" smtClean="0"/>
+          </a:p>
+          <a:p>
+            <a:endParaRPr lang="en-US" altLang="zh-TW" dirty="0"/>
+          </a:p>
+          <a:p>
+            <a:endParaRPr lang="en-US" altLang="zh-TW" dirty="0" smtClean="0"/>
+          </a:p>
+          <a:p>
+            <a:endParaRPr lang="zh-TW" altLang="en-US" dirty="0"/>
+          </a:p>
+        </p:txBody>
+      </p:sp>
+      <p:sp>
+        <p:nvSpPr>
+          <p:cNvPr id="11" name="文字方塊 10"/>
+          <p:cNvSpPr txBox="1"/>
+          <p:nvPr/>
+        </p:nvSpPr>
+        <p:spPr>
+          <a:xfrm>
+            <a:off x="1859035" y="2269954"/>
+            <a:ext cx="1234616" cy="369332"/>
+          </a:xfrm>
+          <a:prstGeom prst="rect">
+            <a:avLst/>
+          </a:prstGeom>
+          <a:noFill/>
+          <a:ln w="38100">
+            <a:solidFill>
+              <a:srgbClr val="00B0F0"/>
+            </a:solidFill>
+          </a:ln>
+        </p:spPr>
+        <p:txBody>
+          <a:bodyPr wrap="square" rtlCol="0">
+            <a:spAutoFit/>
+          </a:bodyPr>
+          <a:lstStyle/>
+          <a:p>
+            <a:r>
+              <a:rPr lang="zh-TW" altLang="en-US" dirty="0" smtClean="0"/>
+              <a:t>模式選擇</a:t>
+            </a:r>
+            <a:endParaRPr lang="en-US" altLang="zh-TW" dirty="0" smtClean="0"/>
+          </a:p>
+        </p:txBody>
+      </p:sp>
+      <p:sp>
+        <p:nvSpPr>
+          <p:cNvPr id="2" name="標題 1"/>
+          <p:cNvSpPr>
+            <a:spLocks noGrp="1"/>
+          </p:cNvSpPr>
+          <p:nvPr>
+            <p:ph type="title"/>
+          </p:nvPr>
+        </p:nvSpPr>
+        <p:spPr/>
+        <p:txBody>
+          <a:bodyPr/>
+          <a:lstStyle/>
+          <a:p>
+            <a:r>
+              <a:rPr lang="zh-TW" altLang="en-US" dirty="0" smtClean="0"/>
+              <a:t>設計</a:t>
+            </a:r>
+            <a:r>
+              <a:rPr lang="en-US" altLang="zh-TW" dirty="0" smtClean="0"/>
+              <a:t>-3</a:t>
+            </a:r>
+            <a:endParaRPr lang="zh-TW" altLang="en-US" dirty="0"/>
+          </a:p>
+        </p:txBody>
+      </p:sp>
+      <p:sp>
+        <p:nvSpPr>
+          <p:cNvPr id="3" name="矩形 2"/>
+          <p:cNvSpPr/>
+          <p:nvPr/>
+        </p:nvSpPr>
+        <p:spPr>
+          <a:xfrm>
+            <a:off x="1116982" y="5072369"/>
+            <a:ext cx="2262158" cy="369332"/>
+          </a:xfrm>
+          <a:prstGeom prst="rect">
+            <a:avLst/>
+          </a:prstGeom>
+          <a:ln w="38100">
+            <a:solidFill>
+              <a:srgbClr val="0070C0"/>
+            </a:solidFill>
+          </a:ln>
+        </p:spPr>
+        <p:txBody>
+          <a:bodyPr wrap="none">
+            <a:spAutoFit/>
+          </a:bodyPr>
+          <a:lstStyle/>
+          <a:p>
+            <a:r>
+              <a:rPr lang="zh-TW" altLang="en-US" dirty="0"/>
+              <a:t>左右</a:t>
+            </a:r>
+            <a:r>
+              <a:rPr lang="zh-TW" altLang="en-US" dirty="0" smtClean="0"/>
+              <a:t>移訊號輸出控制</a:t>
+            </a:r>
+            <a:endParaRPr lang="zh-TW" altLang="en-US" dirty="0"/>
+          </a:p>
+        </p:txBody>
+      </p:sp>
+      <p:sp>
+        <p:nvSpPr>
+          <p:cNvPr id="16" name="文字方塊 15"/>
+          <p:cNvSpPr txBox="1"/>
+          <p:nvPr/>
+        </p:nvSpPr>
+        <p:spPr>
+          <a:xfrm>
+            <a:off x="550046" y="2258264"/>
+            <a:ext cx="646331" cy="369332"/>
+          </a:xfrm>
+          <a:prstGeom prst="rect">
+            <a:avLst/>
+          </a:prstGeom>
+          <a:noFill/>
+          <a:ln w="38100">
+            <a:solidFill>
+              <a:srgbClr val="00B0F0"/>
+            </a:solidFill>
+          </a:ln>
+        </p:spPr>
+        <p:txBody>
+          <a:bodyPr wrap="none" rtlCol="0">
+            <a:spAutoFit/>
+          </a:bodyPr>
+          <a:lstStyle/>
+          <a:p>
+            <a:r>
+              <a:rPr lang="zh-TW" altLang="en-US" dirty="0" smtClean="0"/>
+              <a:t>影</a:t>
+            </a:r>
+            <a:r>
+              <a:rPr lang="zh-TW" altLang="en-US" dirty="0"/>
+              <a:t>片</a:t>
+            </a:r>
+          </a:p>
+        </p:txBody>
+      </p:sp>
+      <p:sp>
+        <p:nvSpPr>
+          <p:cNvPr id="29" name="文字方塊 28"/>
+          <p:cNvSpPr txBox="1"/>
+          <p:nvPr/>
+        </p:nvSpPr>
+        <p:spPr>
+          <a:xfrm>
+            <a:off x="5168236" y="3207152"/>
+            <a:ext cx="1916487" cy="369332"/>
+          </a:xfrm>
+          <a:prstGeom prst="rect">
+            <a:avLst/>
+          </a:prstGeom>
+          <a:noFill/>
+          <a:ln w="38100">
+            <a:solidFill>
+              <a:schemeClr val="accent1"/>
+            </a:solidFill>
+          </a:ln>
+        </p:spPr>
+        <p:txBody>
+          <a:bodyPr wrap="none" rtlCol="0">
+            <a:spAutoFit/>
+          </a:bodyPr>
+          <a:lstStyle/>
+          <a:p>
+            <a:r>
+              <a:rPr lang="zh-TW" altLang="en-US" dirty="0" smtClean="0"/>
+              <a:t>選取目標</a:t>
+            </a:r>
+            <a:r>
+              <a:rPr lang="en-US" altLang="zh-TW" dirty="0" smtClean="0"/>
+              <a:t>(marker)</a:t>
+            </a:r>
+            <a:endParaRPr lang="zh-TW" altLang="en-US" dirty="0"/>
+          </a:p>
+        </p:txBody>
+      </p:sp>
+      <p:sp>
+        <p:nvSpPr>
+          <p:cNvPr id="30" name="文字方塊 29"/>
+          <p:cNvSpPr txBox="1"/>
+          <p:nvPr/>
+        </p:nvSpPr>
+        <p:spPr>
+          <a:xfrm>
+            <a:off x="5502050" y="2459910"/>
+            <a:ext cx="1276311" cy="369332"/>
+          </a:xfrm>
+          <a:prstGeom prst="rect">
+            <a:avLst/>
+          </a:prstGeom>
+          <a:noFill/>
+          <a:ln w="38100">
+            <a:solidFill>
+              <a:schemeClr val="accent1"/>
+            </a:solidFill>
+          </a:ln>
+        </p:spPr>
+        <p:txBody>
+          <a:bodyPr wrap="none" rtlCol="0">
+            <a:spAutoFit/>
+          </a:bodyPr>
+          <a:lstStyle/>
+          <a:p>
+            <a:r>
+              <a:rPr lang="zh-TW" altLang="en-US" dirty="0" smtClean="0"/>
+              <a:t>二值化</a:t>
+            </a:r>
+            <a:r>
+              <a:rPr lang="en-US" altLang="zh-TW" dirty="0" smtClean="0"/>
+              <a:t>,LBP</a:t>
+            </a:r>
+            <a:endParaRPr lang="zh-TW" altLang="en-US" dirty="0"/>
+          </a:p>
+        </p:txBody>
+      </p:sp>
+      <p:sp>
+        <p:nvSpPr>
+          <p:cNvPr id="32" name="文字方塊 31"/>
+          <p:cNvSpPr txBox="1"/>
+          <p:nvPr/>
+        </p:nvSpPr>
+        <p:spPr>
+          <a:xfrm>
+            <a:off x="5234623" y="3958430"/>
+            <a:ext cx="1543738" cy="1200329"/>
+          </a:xfrm>
+          <a:prstGeom prst="rect">
+            <a:avLst/>
+          </a:prstGeom>
+          <a:noFill/>
+          <a:ln w="38100">
+            <a:solidFill>
+              <a:schemeClr val="accent1"/>
+            </a:solidFill>
+          </a:ln>
+        </p:spPr>
+        <p:txBody>
+          <a:bodyPr wrap="square" rtlCol="0">
+            <a:spAutoFit/>
+          </a:bodyPr>
+          <a:lstStyle/>
+          <a:p>
+            <a:r>
+              <a:rPr lang="zh-TW" altLang="en-US" dirty="0" smtClean="0"/>
+              <a:t>鎖定模組</a:t>
+            </a:r>
+            <a:endParaRPr lang="en-US" altLang="zh-TW" dirty="0" smtClean="0"/>
+          </a:p>
+          <a:p>
+            <a:endParaRPr lang="en-US" altLang="zh-TW" dirty="0"/>
+          </a:p>
+          <a:p>
+            <a:endParaRPr lang="en-US" altLang="zh-TW" dirty="0" smtClean="0"/>
+          </a:p>
+          <a:p>
+            <a:endParaRPr lang="en-US" altLang="zh-TW" dirty="0" smtClean="0"/>
+          </a:p>
+        </p:txBody>
+      </p:sp>
+      <p:sp>
+        <p:nvSpPr>
+          <p:cNvPr id="33" name="矩形 32"/>
+          <p:cNvSpPr/>
+          <p:nvPr/>
+        </p:nvSpPr>
+        <p:spPr>
+          <a:xfrm>
+            <a:off x="7944100" y="3489830"/>
+            <a:ext cx="2262158" cy="369332"/>
+          </a:xfrm>
+          <a:prstGeom prst="rect">
+            <a:avLst/>
+          </a:prstGeom>
+          <a:ln w="38100">
+            <a:solidFill>
+              <a:schemeClr val="accent1"/>
+            </a:solidFill>
+          </a:ln>
+        </p:spPr>
+        <p:txBody>
+          <a:bodyPr wrap="none">
+            <a:spAutoFit/>
+          </a:bodyPr>
+          <a:lstStyle/>
+          <a:p>
+            <a:r>
+              <a:rPr lang="zh-TW" altLang="en-US" dirty="0" smtClean="0"/>
+              <a:t>分出框架左右</a:t>
+            </a:r>
+            <a:r>
+              <a:rPr lang="zh-TW" altLang="en-US" dirty="0"/>
+              <a:t>的範圍</a:t>
+            </a:r>
+            <a:endParaRPr lang="en-US" altLang="zh-TW" dirty="0"/>
+          </a:p>
+        </p:txBody>
+      </p:sp>
+      <p:sp>
+        <p:nvSpPr>
+          <p:cNvPr id="4" name="文字方塊 3"/>
+          <p:cNvSpPr txBox="1"/>
+          <p:nvPr/>
+        </p:nvSpPr>
+        <p:spPr>
+          <a:xfrm>
+            <a:off x="9274782" y="2494718"/>
+            <a:ext cx="877163" cy="369332"/>
+          </a:xfrm>
+          <a:prstGeom prst="rect">
+            <a:avLst/>
+          </a:prstGeom>
+          <a:noFill/>
+          <a:ln w="38100">
+            <a:solidFill>
+              <a:schemeClr val="accent1"/>
+            </a:solidFill>
+          </a:ln>
+        </p:spPr>
+        <p:txBody>
+          <a:bodyPr wrap="none" rtlCol="0">
+            <a:spAutoFit/>
+          </a:bodyPr>
+          <a:lstStyle/>
+          <a:p>
+            <a:r>
+              <a:rPr lang="zh-TW" altLang="en-US" dirty="0" smtClean="0"/>
+              <a:t>前後偵</a:t>
+            </a:r>
+            <a:endParaRPr lang="zh-TW" altLang="en-US" dirty="0"/>
+          </a:p>
+        </p:txBody>
+      </p:sp>
+      <p:sp>
+        <p:nvSpPr>
+          <p:cNvPr id="5" name="文字方塊 4"/>
+          <p:cNvSpPr txBox="1"/>
+          <p:nvPr/>
+        </p:nvSpPr>
+        <p:spPr>
+          <a:xfrm>
+            <a:off x="8669443" y="2985967"/>
+            <a:ext cx="1569660" cy="369332"/>
+          </a:xfrm>
+          <a:prstGeom prst="rect">
+            <a:avLst/>
+          </a:prstGeom>
+          <a:noFill/>
+          <a:ln w="38100">
+            <a:solidFill>
+              <a:schemeClr val="accent1"/>
+            </a:solidFill>
+          </a:ln>
+        </p:spPr>
+        <p:txBody>
+          <a:bodyPr wrap="none" rtlCol="0">
+            <a:spAutoFit/>
+          </a:bodyPr>
+          <a:lstStyle/>
+          <a:p>
+            <a:r>
+              <a:rPr lang="zh-TW" altLang="en-US" dirty="0" smtClean="0"/>
+              <a:t>像素左右占比</a:t>
+            </a:r>
+            <a:endParaRPr lang="zh-TW" altLang="en-US" dirty="0"/>
+          </a:p>
+        </p:txBody>
+      </p:sp>
+      <p:sp>
+        <p:nvSpPr>
+          <p:cNvPr id="71" name="文字方塊 70"/>
+          <p:cNvSpPr txBox="1"/>
+          <p:nvPr/>
+        </p:nvSpPr>
+        <p:spPr>
+          <a:xfrm>
+            <a:off x="319213" y="5858945"/>
+            <a:ext cx="1107996" cy="369332"/>
+          </a:xfrm>
+          <a:prstGeom prst="rect">
+            <a:avLst/>
+          </a:prstGeom>
+          <a:noFill/>
+          <a:ln w="38100">
+            <a:solidFill>
+              <a:srgbClr val="0070C0"/>
+            </a:solidFill>
+          </a:ln>
+        </p:spPr>
+        <p:txBody>
+          <a:bodyPr wrap="none" rtlCol="0">
+            <a:spAutoFit/>
+          </a:bodyPr>
+          <a:lstStyle/>
+          <a:p>
+            <a:r>
+              <a:rPr lang="zh-TW" altLang="en-US" dirty="0" smtClean="0"/>
+              <a:t>輸出影像</a:t>
+            </a:r>
+            <a:endParaRPr lang="zh-TW" altLang="en-US" dirty="0"/>
+          </a:p>
+        </p:txBody>
+      </p:sp>
+      <p:cxnSp>
+        <p:nvCxnSpPr>
+          <p:cNvPr id="73" name="直線單箭頭接點 72"/>
+          <p:cNvCxnSpPr>
+            <a:stCxn id="16" idx="2"/>
+            <a:endCxn id="71" idx="0"/>
+          </p:cNvCxnSpPr>
+          <p:nvPr/>
+        </p:nvCxnSpPr>
+        <p:spPr>
+          <a:xfrm flipH="1">
+            <a:off x="873211" y="2627596"/>
+            <a:ext cx="1" cy="3231349"/>
+          </a:xfrm>
+          <a:prstGeom prst="straightConnector1">
+            <a:avLst/>
+          </a:prstGeom>
+          <a:ln w="57150">
+            <a:solidFill>
+              <a:srgbClr val="0070C0"/>
+            </a:solidFill>
+            <a:tailEnd type="triangle"/>
+          </a:ln>
+        </p:spPr>
+        <p:style>
+          <a:lnRef idx="1">
+            <a:schemeClr val="accent1"/>
+          </a:lnRef>
+          <a:fillRef idx="0">
+            <a:schemeClr val="accent1"/>
+          </a:fillRef>
+          <a:effectRef idx="0">
+            <a:schemeClr val="accent1"/>
+          </a:effectRef>
+          <a:fontRef idx="minor">
+            <a:schemeClr val="tx1"/>
+          </a:fontRef>
+        </p:style>
+      </p:cxnSp>
+      <p:sp>
+        <p:nvSpPr>
+          <p:cNvPr id="26" name="文字方塊 25"/>
+          <p:cNvSpPr txBox="1"/>
+          <p:nvPr/>
+        </p:nvSpPr>
+        <p:spPr>
+          <a:xfrm>
+            <a:off x="1384115" y="3132375"/>
+            <a:ext cx="2972704" cy="369332"/>
+          </a:xfrm>
+          <a:prstGeom prst="rect">
+            <a:avLst/>
+          </a:prstGeom>
+          <a:noFill/>
+          <a:ln w="38100">
+            <a:solidFill>
+              <a:schemeClr val="bg1">
+                <a:lumMod val="65000"/>
+              </a:schemeClr>
+            </a:solidFill>
+          </a:ln>
+        </p:spPr>
+        <p:txBody>
+          <a:bodyPr wrap="square" rtlCol="0">
+            <a:spAutoFit/>
+          </a:bodyPr>
+          <a:lstStyle/>
+          <a:p>
+            <a:r>
+              <a:rPr lang="zh-TW" altLang="en-US" dirty="0" smtClean="0"/>
+              <a:t>手動模組</a:t>
+            </a:r>
+            <a:endParaRPr lang="zh-TW" altLang="en-US" dirty="0"/>
+          </a:p>
+        </p:txBody>
+      </p:sp>
+      <p:cxnSp>
+        <p:nvCxnSpPr>
+          <p:cNvPr id="15" name="直線單箭頭接點 14"/>
+          <p:cNvCxnSpPr>
+            <a:stCxn id="16" idx="3"/>
+            <a:endCxn id="11" idx="1"/>
+          </p:cNvCxnSpPr>
+          <p:nvPr/>
+        </p:nvCxnSpPr>
+        <p:spPr>
+          <a:xfrm>
+            <a:off x="1196377" y="2442930"/>
+            <a:ext cx="662658" cy="11690"/>
+          </a:xfrm>
+          <a:prstGeom prst="straightConnector1">
+            <a:avLst/>
+          </a:prstGeom>
+          <a:ln w="38100">
+            <a:solidFill>
+              <a:srgbClr val="00B0F0"/>
+            </a:solidFill>
+            <a:tailEnd type="triangle"/>
+          </a:ln>
+        </p:spPr>
+        <p:style>
+          <a:lnRef idx="1">
+            <a:schemeClr val="accent1"/>
+          </a:lnRef>
+          <a:fillRef idx="0">
+            <a:schemeClr val="accent1"/>
+          </a:fillRef>
+          <a:effectRef idx="0">
+            <a:schemeClr val="accent1"/>
+          </a:effectRef>
+          <a:fontRef idx="minor">
+            <a:schemeClr val="tx1"/>
+          </a:fontRef>
+        </p:style>
+      </p:cxnSp>
+      <p:cxnSp>
+        <p:nvCxnSpPr>
+          <p:cNvPr id="35" name="肘形接點 34"/>
+          <p:cNvCxnSpPr>
+            <a:stCxn id="26" idx="2"/>
+            <a:endCxn id="3" idx="0"/>
+          </p:cNvCxnSpPr>
+          <p:nvPr/>
+        </p:nvCxnSpPr>
+        <p:spPr>
+          <a:xfrm rot="5400000">
+            <a:off x="1773933" y="3975835"/>
+            <a:ext cx="1570662" cy="622406"/>
+          </a:xfrm>
+          <a:prstGeom prst="bentConnector3">
+            <a:avLst/>
+          </a:prstGeom>
+          <a:ln w="38100">
+            <a:solidFill>
+              <a:schemeClr val="bg1">
+                <a:lumMod val="65000"/>
+              </a:schemeClr>
+            </a:solidFill>
+            <a:tailEnd type="triangle"/>
+          </a:ln>
+        </p:spPr>
+        <p:style>
+          <a:lnRef idx="1">
+            <a:schemeClr val="accent1"/>
+          </a:lnRef>
+          <a:fillRef idx="0">
+            <a:schemeClr val="accent1"/>
+          </a:fillRef>
+          <a:effectRef idx="0">
+            <a:schemeClr val="accent1"/>
+          </a:effectRef>
+          <a:fontRef idx="minor">
+            <a:schemeClr val="tx1"/>
+          </a:fontRef>
+        </p:style>
+      </p:cxnSp>
+      <p:sp>
+        <p:nvSpPr>
+          <p:cNvPr id="37" name="文字方塊 36"/>
+          <p:cNvSpPr txBox="1"/>
+          <p:nvPr/>
+        </p:nvSpPr>
+        <p:spPr>
+          <a:xfrm>
+            <a:off x="7944100" y="5257035"/>
+            <a:ext cx="1107996" cy="369332"/>
+          </a:xfrm>
+          <a:prstGeom prst="rect">
+            <a:avLst/>
+          </a:prstGeom>
+          <a:noFill/>
+        </p:spPr>
+        <p:txBody>
+          <a:bodyPr wrap="none" rtlCol="0">
+            <a:spAutoFit/>
+          </a:bodyPr>
+          <a:lstStyle>
+            <a:defPPr>
+              <a:defRPr lang="zh-TW"/>
+            </a:defPPr>
+          </a:lstStyle>
+          <a:p>
+            <a:r>
+              <a:rPr lang="zh-TW" altLang="en-US" dirty="0"/>
+              <a:t>移動訊號</a:t>
+            </a:r>
+          </a:p>
+        </p:txBody>
+      </p:sp>
+      <p:sp>
+        <p:nvSpPr>
+          <p:cNvPr id="52" name="矩形 51"/>
+          <p:cNvSpPr/>
+          <p:nvPr/>
+        </p:nvSpPr>
+        <p:spPr>
+          <a:xfrm>
+            <a:off x="1173706" y="2545707"/>
+            <a:ext cx="646331" cy="369332"/>
+          </a:xfrm>
+          <a:prstGeom prst="rect">
+            <a:avLst/>
+          </a:prstGeom>
+        </p:spPr>
+        <p:txBody>
+          <a:bodyPr wrap="none">
+            <a:spAutoFit/>
+          </a:bodyPr>
+          <a:lstStyle/>
+          <a:p>
+            <a:r>
+              <a:rPr lang="zh-TW" altLang="en-US" dirty="0" smtClean="0"/>
+              <a:t>影像</a:t>
+            </a:r>
+            <a:endParaRPr lang="zh-TW" altLang="en-US" dirty="0"/>
+          </a:p>
+        </p:txBody>
+      </p:sp>
+      <p:sp>
+        <p:nvSpPr>
+          <p:cNvPr id="72" name="文字方塊 71"/>
+          <p:cNvSpPr txBox="1"/>
+          <p:nvPr/>
+        </p:nvSpPr>
+        <p:spPr>
+          <a:xfrm>
+            <a:off x="2701879" y="3123768"/>
+            <a:ext cx="1569660" cy="369332"/>
+          </a:xfrm>
+          <a:prstGeom prst="rect">
+            <a:avLst/>
+          </a:prstGeom>
+          <a:noFill/>
+          <a:ln w="38100">
+            <a:solidFill>
+              <a:schemeClr val="bg1">
+                <a:lumMod val="65000"/>
+              </a:schemeClr>
+            </a:solidFill>
+          </a:ln>
+        </p:spPr>
+        <p:txBody>
+          <a:bodyPr wrap="none" rtlCol="0">
+            <a:spAutoFit/>
+          </a:bodyPr>
+          <a:lstStyle/>
+          <a:p>
+            <a:r>
+              <a:rPr lang="zh-TW" altLang="en-US" dirty="0" smtClean="0"/>
+              <a:t>左右移控制器</a:t>
+            </a:r>
+            <a:endParaRPr lang="zh-TW" altLang="en-US" dirty="0"/>
+          </a:p>
+        </p:txBody>
+      </p:sp>
+      <p:sp>
+        <p:nvSpPr>
+          <p:cNvPr id="87" name="文字方塊 86"/>
+          <p:cNvSpPr txBox="1"/>
+          <p:nvPr/>
+        </p:nvSpPr>
+        <p:spPr>
+          <a:xfrm>
+            <a:off x="5259440" y="4357347"/>
+            <a:ext cx="564835" cy="369332"/>
+          </a:xfrm>
+          <a:prstGeom prst="rect">
+            <a:avLst/>
+          </a:prstGeom>
+          <a:noFill/>
+          <a:ln w="38100">
+            <a:solidFill>
+              <a:srgbClr val="FFC000"/>
+            </a:solidFill>
+          </a:ln>
+        </p:spPr>
+        <p:txBody>
+          <a:bodyPr wrap="none" rtlCol="0">
+            <a:spAutoFit/>
+          </a:bodyPr>
+          <a:lstStyle/>
+          <a:p>
+            <a:r>
+              <a:rPr lang="en-US" altLang="zh-TW" dirty="0" smtClean="0"/>
+              <a:t>HVS</a:t>
+            </a:r>
+            <a:endParaRPr lang="zh-TW" altLang="en-US" dirty="0"/>
+          </a:p>
+        </p:txBody>
+      </p:sp>
+      <p:sp>
+        <p:nvSpPr>
+          <p:cNvPr id="89" name="矩形 88"/>
+          <p:cNvSpPr/>
+          <p:nvPr/>
+        </p:nvSpPr>
+        <p:spPr>
+          <a:xfrm>
+            <a:off x="5259440" y="4785060"/>
+            <a:ext cx="517449" cy="369332"/>
+          </a:xfrm>
+          <a:prstGeom prst="rect">
+            <a:avLst/>
+          </a:prstGeom>
+          <a:ln w="38100">
+            <a:solidFill>
+              <a:srgbClr val="FFC000"/>
+            </a:solidFill>
+          </a:ln>
+        </p:spPr>
+        <p:txBody>
+          <a:bodyPr wrap="none">
+            <a:spAutoFit/>
+          </a:bodyPr>
+          <a:lstStyle/>
+          <a:p>
+            <a:r>
+              <a:rPr lang="en-US" altLang="zh-TW" dirty="0" smtClean="0"/>
+              <a:t>ROI</a:t>
+            </a:r>
+            <a:endParaRPr lang="zh-TW" altLang="en-US" dirty="0"/>
+          </a:p>
+        </p:txBody>
+      </p:sp>
+      <p:cxnSp>
+        <p:nvCxnSpPr>
+          <p:cNvPr id="99" name="肘形接點 98"/>
+          <p:cNvCxnSpPr>
+            <a:stCxn id="29" idx="2"/>
+            <a:endCxn id="32" idx="0"/>
+          </p:cNvCxnSpPr>
+          <p:nvPr/>
+        </p:nvCxnSpPr>
+        <p:spPr>
+          <a:xfrm rot="5400000">
+            <a:off x="5875513" y="3707463"/>
+            <a:ext cx="381946" cy="119988"/>
+          </a:xfrm>
+          <a:prstGeom prst="bentConnector3">
+            <a:avLst/>
+          </a:prstGeom>
+          <a:ln w="38100">
+            <a:tailEnd type="triangle"/>
+          </a:ln>
+        </p:spPr>
+        <p:style>
+          <a:lnRef idx="1">
+            <a:schemeClr val="accent1"/>
+          </a:lnRef>
+          <a:fillRef idx="0">
+            <a:schemeClr val="accent1"/>
+          </a:fillRef>
+          <a:effectRef idx="0">
+            <a:schemeClr val="accent1"/>
+          </a:effectRef>
+          <a:fontRef idx="minor">
+            <a:schemeClr val="tx1"/>
+          </a:fontRef>
+        </p:style>
+      </p:cxnSp>
+      <p:cxnSp>
+        <p:nvCxnSpPr>
+          <p:cNvPr id="102" name="肘形接點 101"/>
+          <p:cNvCxnSpPr>
+            <a:stCxn id="30" idx="2"/>
+            <a:endCxn id="29" idx="0"/>
+          </p:cNvCxnSpPr>
+          <p:nvPr/>
+        </p:nvCxnSpPr>
+        <p:spPr>
+          <a:xfrm rot="5400000">
+            <a:off x="5944388" y="3011334"/>
+            <a:ext cx="377910" cy="13726"/>
+          </a:xfrm>
+          <a:prstGeom prst="bentConnector3">
+            <a:avLst/>
+          </a:prstGeom>
+          <a:ln w="38100">
+            <a:tailEnd type="triangle"/>
+          </a:ln>
+        </p:spPr>
+        <p:style>
+          <a:lnRef idx="1">
+            <a:schemeClr val="accent1"/>
+          </a:lnRef>
+          <a:fillRef idx="0">
+            <a:schemeClr val="accent1"/>
+          </a:fillRef>
+          <a:effectRef idx="0">
+            <a:schemeClr val="accent1"/>
+          </a:effectRef>
+          <a:fontRef idx="minor">
+            <a:schemeClr val="tx1"/>
+          </a:fontRef>
+        </p:style>
+      </p:cxnSp>
+      <p:cxnSp>
+        <p:nvCxnSpPr>
+          <p:cNvPr id="104" name="直線單箭頭接點 103"/>
+          <p:cNvCxnSpPr>
+            <a:stCxn id="11" idx="3"/>
+          </p:cNvCxnSpPr>
+          <p:nvPr/>
+        </p:nvCxnSpPr>
+        <p:spPr>
+          <a:xfrm>
+            <a:off x="3093651" y="2454620"/>
+            <a:ext cx="1830262" cy="91087"/>
+          </a:xfrm>
+          <a:prstGeom prst="straightConnector1">
+            <a:avLst/>
+          </a:prstGeom>
+          <a:ln w="38100">
+            <a:tailEnd type="triangle"/>
+          </a:ln>
+        </p:spPr>
+        <p:style>
+          <a:lnRef idx="1">
+            <a:schemeClr val="accent1"/>
+          </a:lnRef>
+          <a:fillRef idx="0">
+            <a:schemeClr val="accent1"/>
+          </a:fillRef>
+          <a:effectRef idx="0">
+            <a:schemeClr val="accent1"/>
+          </a:effectRef>
+          <a:fontRef idx="minor">
+            <a:schemeClr val="tx1"/>
+          </a:fontRef>
+        </p:style>
+      </p:cxnSp>
+      <p:cxnSp>
+        <p:nvCxnSpPr>
+          <p:cNvPr id="106" name="直線單箭頭接點 105"/>
+          <p:cNvCxnSpPr/>
+          <p:nvPr/>
+        </p:nvCxnSpPr>
+        <p:spPr>
+          <a:xfrm>
+            <a:off x="2710152" y="2639286"/>
+            <a:ext cx="160316" cy="405666"/>
+          </a:xfrm>
+          <a:prstGeom prst="straightConnector1">
+            <a:avLst/>
+          </a:prstGeom>
+          <a:ln w="38100">
+            <a:solidFill>
+              <a:schemeClr val="bg1">
+                <a:lumMod val="65000"/>
+              </a:schemeClr>
+            </a:solidFill>
+            <a:tailEnd type="triangle"/>
+          </a:ln>
+        </p:spPr>
+        <p:style>
+          <a:lnRef idx="1">
+            <a:schemeClr val="accent1"/>
+          </a:lnRef>
+          <a:fillRef idx="0">
+            <a:schemeClr val="accent1"/>
+          </a:fillRef>
+          <a:effectRef idx="0">
+            <a:schemeClr val="accent1"/>
+          </a:effectRef>
+          <a:fontRef idx="minor">
+            <a:schemeClr val="tx1"/>
+          </a:fontRef>
+        </p:style>
+      </p:cxnSp>
+      <p:sp>
+        <p:nvSpPr>
+          <p:cNvPr id="107" name="文字方塊 106"/>
+          <p:cNvSpPr txBox="1"/>
+          <p:nvPr/>
+        </p:nvSpPr>
+        <p:spPr>
+          <a:xfrm>
+            <a:off x="3522349" y="2393712"/>
+            <a:ext cx="646331" cy="369332"/>
+          </a:xfrm>
+          <a:prstGeom prst="rect">
+            <a:avLst/>
+          </a:prstGeom>
+          <a:solidFill>
+            <a:schemeClr val="accent2"/>
+          </a:solidFill>
+          <a:ln w="38100">
+            <a:solidFill>
+              <a:srgbClr val="FF0000"/>
+            </a:solidFill>
+          </a:ln>
+        </p:spPr>
+        <p:txBody>
+          <a:bodyPr wrap="none" rtlCol="0">
+            <a:spAutoFit/>
+          </a:bodyPr>
+          <a:lstStyle/>
+          <a:p>
+            <a:r>
+              <a:rPr lang="zh-TW" altLang="en-US" dirty="0" smtClean="0">
+                <a:solidFill>
+                  <a:schemeClr val="bg1"/>
+                </a:solidFill>
+              </a:rPr>
+              <a:t>自動</a:t>
+            </a:r>
+            <a:endParaRPr lang="zh-TW" altLang="en-US" dirty="0">
+              <a:solidFill>
+                <a:schemeClr val="bg1"/>
+              </a:solidFill>
+            </a:endParaRPr>
+          </a:p>
+        </p:txBody>
+      </p:sp>
+      <p:sp>
+        <p:nvSpPr>
+          <p:cNvPr id="111" name="文字方塊 110"/>
+          <p:cNvSpPr txBox="1"/>
+          <p:nvPr/>
+        </p:nvSpPr>
+        <p:spPr>
+          <a:xfrm>
+            <a:off x="7844148" y="2440319"/>
+            <a:ext cx="1107996" cy="369332"/>
+          </a:xfrm>
+          <a:prstGeom prst="rect">
+            <a:avLst/>
+          </a:prstGeom>
+          <a:noFill/>
+          <a:ln w="38100">
+            <a:solidFill>
+              <a:srgbClr val="FFC000"/>
+            </a:solidFill>
+          </a:ln>
+        </p:spPr>
+        <p:txBody>
+          <a:bodyPr wrap="none" rtlCol="0">
+            <a:spAutoFit/>
+          </a:bodyPr>
+          <a:lstStyle/>
+          <a:p>
+            <a:r>
+              <a:rPr lang="zh-TW" altLang="en-US" dirty="0" smtClean="0"/>
+              <a:t>面積</a:t>
+            </a:r>
+            <a:r>
+              <a:rPr lang="zh-TW" altLang="en-US" dirty="0"/>
+              <a:t>計算</a:t>
+            </a:r>
+          </a:p>
+        </p:txBody>
+      </p:sp>
+      <p:cxnSp>
+        <p:nvCxnSpPr>
+          <p:cNvPr id="114" name="肘形接點 113"/>
+          <p:cNvCxnSpPr>
+            <a:stCxn id="32" idx="3"/>
+            <a:endCxn id="111" idx="1"/>
+          </p:cNvCxnSpPr>
+          <p:nvPr/>
+        </p:nvCxnSpPr>
+        <p:spPr>
+          <a:xfrm flipV="1">
+            <a:off x="6778361" y="2624985"/>
+            <a:ext cx="1065787" cy="1933610"/>
+          </a:xfrm>
+          <a:prstGeom prst="bentConnector3">
+            <a:avLst/>
+          </a:prstGeom>
+          <a:ln w="38100">
+            <a:tailEnd type="triangle"/>
+          </a:ln>
+        </p:spPr>
+        <p:style>
+          <a:lnRef idx="1">
+            <a:schemeClr val="accent1"/>
+          </a:lnRef>
+          <a:fillRef idx="0">
+            <a:schemeClr val="accent1"/>
+          </a:fillRef>
+          <a:effectRef idx="0">
+            <a:schemeClr val="accent1"/>
+          </a:effectRef>
+          <a:fontRef idx="minor">
+            <a:schemeClr val="tx1"/>
+          </a:fontRef>
+        </p:style>
+      </p:cxnSp>
+      <p:sp>
+        <p:nvSpPr>
+          <p:cNvPr id="119" name="文字方塊 118"/>
+          <p:cNvSpPr txBox="1"/>
+          <p:nvPr/>
+        </p:nvSpPr>
+        <p:spPr>
+          <a:xfrm>
+            <a:off x="1074594" y="4649167"/>
+            <a:ext cx="1107996" cy="369332"/>
+          </a:xfrm>
+          <a:prstGeom prst="rect">
+            <a:avLst/>
+          </a:prstGeom>
+          <a:noFill/>
+        </p:spPr>
+        <p:txBody>
+          <a:bodyPr wrap="none" rtlCol="0">
+            <a:spAutoFit/>
+          </a:bodyPr>
+          <a:lstStyle>
+            <a:defPPr>
+              <a:defRPr lang="zh-TW"/>
+            </a:defPPr>
+          </a:lstStyle>
+          <a:p>
+            <a:r>
+              <a:rPr lang="zh-TW" altLang="en-US" dirty="0"/>
+              <a:t>移動訊號</a:t>
+            </a:r>
+          </a:p>
+        </p:txBody>
+      </p:sp>
+      <p:cxnSp>
+        <p:nvCxnSpPr>
+          <p:cNvPr id="132" name="肘形接點 131"/>
+          <p:cNvCxnSpPr>
+            <a:endCxn id="3" idx="3"/>
+          </p:cNvCxnSpPr>
+          <p:nvPr/>
+        </p:nvCxnSpPr>
+        <p:spPr>
+          <a:xfrm rot="10800000" flipV="1">
+            <a:off x="3379140" y="4398317"/>
+            <a:ext cx="5672956" cy="858718"/>
+          </a:xfrm>
+          <a:prstGeom prst="bentConnector3">
+            <a:avLst>
+              <a:gd name="adj1" fmla="val 33"/>
+            </a:avLst>
+          </a:prstGeom>
+          <a:ln w="38100">
+            <a:solidFill>
+              <a:srgbClr val="0070C0"/>
+            </a:solidFill>
+            <a:tailEnd type="triangle"/>
+          </a:ln>
+        </p:spPr>
+        <p:style>
+          <a:lnRef idx="1">
+            <a:schemeClr val="accent1"/>
+          </a:lnRef>
+          <a:fillRef idx="0">
+            <a:schemeClr val="accent1"/>
+          </a:fillRef>
+          <a:effectRef idx="0">
+            <a:schemeClr val="accent1"/>
+          </a:effectRef>
+          <a:fontRef idx="minor">
+            <a:schemeClr val="tx1"/>
+          </a:fontRef>
+        </p:style>
+      </p:cxnSp>
+      <p:sp>
+        <p:nvSpPr>
+          <p:cNvPr id="34" name="文字方塊 33"/>
+          <p:cNvSpPr txBox="1"/>
+          <p:nvPr/>
+        </p:nvSpPr>
+        <p:spPr>
+          <a:xfrm>
+            <a:off x="1593253" y="1862593"/>
+            <a:ext cx="3185487" cy="369332"/>
+          </a:xfrm>
+          <a:prstGeom prst="rect">
+            <a:avLst/>
+          </a:prstGeom>
+          <a:noFill/>
+        </p:spPr>
+        <p:txBody>
+          <a:bodyPr wrap="none" rtlCol="0">
+            <a:spAutoFit/>
+          </a:bodyPr>
+          <a:lstStyle/>
+          <a:p>
+            <a:r>
+              <a:rPr lang="zh-TW" altLang="en-US" dirty="0"/>
+              <a:t>鎖定</a:t>
+            </a:r>
+            <a:r>
+              <a:rPr lang="zh-TW" altLang="en-US" dirty="0" smtClean="0"/>
+              <a:t>之後切換成自動模式追蹤</a:t>
+            </a:r>
+            <a:endParaRPr lang="zh-TW" altLang="en-US" dirty="0"/>
+          </a:p>
+        </p:txBody>
+      </p:sp>
+    </p:spTree>
+    <p:extLst>
+      <p:ext uri="{BB962C8B-B14F-4D97-AF65-F5344CB8AC3E}">
+        <p14:creationId xmlns:p14="http://schemas.microsoft.com/office/powerpoint/2010/main" val="3215513288"/>
       </p:ext>
     </p:extLst>
   </p:cSld>

--- a/0652074_1092影像辨識.pptx
+++ b/0652074_1092影像辨識.pptx
@@ -13,6 +13,7 @@
     <p:sldId id="264" r:id="rId7"/>
     <p:sldId id="265" r:id="rId8"/>
     <p:sldId id="266" r:id="rId9"/>
+    <p:sldId id="267" r:id="rId10"/>
   </p:sldIdLst>
   <p:sldSz cx="12192000" cy="6858000"/>
   <p:notesSz cx="6858000" cy="9144000"/>
@@ -345,7 +346,7 @@
           <a:p>
             <a:fld id="{ACBE0DA0-4DCE-4BF7-A9E3-A7B65040C92D}" type="datetimeFigureOut">
               <a:rPr lang="zh-TW" altLang="en-US" smtClean="0"/>
-              <a:t>2021/5/14</a:t>
+              <a:t>2021/5/21</a:t>
             </a:fld>
             <a:endParaRPr lang="zh-TW" altLang="en-US"/>
           </a:p>
@@ -553,7 +554,7 @@
           <a:p>
             <a:fld id="{ACBE0DA0-4DCE-4BF7-A9E3-A7B65040C92D}" type="datetimeFigureOut">
               <a:rPr lang="zh-TW" altLang="en-US" smtClean="0"/>
-              <a:t>2021/5/14</a:t>
+              <a:t>2021/5/21</a:t>
             </a:fld>
             <a:endParaRPr lang="zh-TW" altLang="en-US"/>
           </a:p>
@@ -809,7 +810,7 @@
           <a:p>
             <a:fld id="{ACBE0DA0-4DCE-4BF7-A9E3-A7B65040C92D}" type="datetimeFigureOut">
               <a:rPr lang="zh-TW" altLang="en-US" smtClean="0"/>
-              <a:t>2021/5/14</a:t>
+              <a:t>2021/5/21</a:t>
             </a:fld>
             <a:endParaRPr lang="zh-TW" altLang="en-US"/>
           </a:p>
@@ -983,7 +984,7 @@
           <a:p>
             <a:fld id="{ACBE0DA0-4DCE-4BF7-A9E3-A7B65040C92D}" type="datetimeFigureOut">
               <a:rPr lang="zh-TW" altLang="en-US" smtClean="0"/>
-              <a:t>2021/5/14</a:t>
+              <a:t>2021/5/21</a:t>
             </a:fld>
             <a:endParaRPr lang="zh-TW" altLang="en-US"/>
           </a:p>
@@ -1326,7 +1327,7 @@
           <a:p>
             <a:fld id="{ACBE0DA0-4DCE-4BF7-A9E3-A7B65040C92D}" type="datetimeFigureOut">
               <a:rPr lang="zh-TW" altLang="en-US" smtClean="0"/>
-              <a:t>2021/5/14</a:t>
+              <a:t>2021/5/21</a:t>
             </a:fld>
             <a:endParaRPr lang="zh-TW" altLang="en-US"/>
           </a:p>
@@ -1601,7 +1602,7 @@
           <a:p>
             <a:fld id="{ACBE0DA0-4DCE-4BF7-A9E3-A7B65040C92D}" type="datetimeFigureOut">
               <a:rPr lang="zh-TW" altLang="en-US" smtClean="0"/>
-              <a:t>2021/5/14</a:t>
+              <a:t>2021/5/21</a:t>
             </a:fld>
             <a:endParaRPr lang="zh-TW" altLang="en-US"/>
           </a:p>
@@ -1980,7 +1981,7 @@
           <a:p>
             <a:fld id="{ACBE0DA0-4DCE-4BF7-A9E3-A7B65040C92D}" type="datetimeFigureOut">
               <a:rPr lang="zh-TW" altLang="en-US" smtClean="0"/>
-              <a:t>2021/5/14</a:t>
+              <a:t>2021/5/21</a:t>
             </a:fld>
             <a:endParaRPr lang="zh-TW" altLang="en-US"/>
           </a:p>
@@ -2098,7 +2099,7 @@
           <a:p>
             <a:fld id="{ACBE0DA0-4DCE-4BF7-A9E3-A7B65040C92D}" type="datetimeFigureOut">
               <a:rPr lang="zh-TW" altLang="en-US" smtClean="0"/>
-              <a:t>2021/5/14</a:t>
+              <a:t>2021/5/21</a:t>
             </a:fld>
             <a:endParaRPr lang="zh-TW" altLang="en-US"/>
           </a:p>
@@ -2269,7 +2270,7 @@
           <a:p>
             <a:fld id="{ACBE0DA0-4DCE-4BF7-A9E3-A7B65040C92D}" type="datetimeFigureOut">
               <a:rPr lang="zh-TW" altLang="en-US" smtClean="0"/>
-              <a:t>2021/5/14</a:t>
+              <a:t>2021/5/21</a:t>
             </a:fld>
             <a:endParaRPr lang="zh-TW" altLang="en-US"/>
           </a:p>
@@ -2623,7 +2624,7 @@
           <a:p>
             <a:fld id="{ACBE0DA0-4DCE-4BF7-A9E3-A7B65040C92D}" type="datetimeFigureOut">
               <a:rPr lang="zh-TW" altLang="en-US" smtClean="0"/>
-              <a:t>2021/5/14</a:t>
+              <a:t>2021/5/21</a:t>
             </a:fld>
             <a:endParaRPr lang="zh-TW" altLang="en-US"/>
           </a:p>
@@ -3005,7 +3006,7 @@
           <a:p>
             <a:fld id="{ACBE0DA0-4DCE-4BF7-A9E3-A7B65040C92D}" type="datetimeFigureOut">
               <a:rPr lang="zh-TW" altLang="en-US" smtClean="0"/>
-              <a:t>2021/5/14</a:t>
+              <a:t>2021/5/21</a:t>
             </a:fld>
             <a:endParaRPr lang="zh-TW" altLang="en-US"/>
           </a:p>
@@ -3292,7 +3293,7 @@
           <a:p>
             <a:fld id="{ACBE0DA0-4DCE-4BF7-A9E3-A7B65040C92D}" type="datetimeFigureOut">
               <a:rPr lang="zh-TW" altLang="en-US" smtClean="0"/>
-              <a:t>2021/5/14</a:t>
+              <a:t>2021/5/21</a:t>
             </a:fld>
             <a:endParaRPr lang="zh-TW" altLang="en-US"/>
           </a:p>
@@ -3952,19 +3953,11 @@
           <a:p>
             <a:r>
               <a:rPr lang="en-US" altLang="zh-TW" dirty="0" smtClean="0"/>
-              <a:t>1</a:t>
-            </a:r>
-            <a:r>
-              <a:rPr lang="en-US" altLang="zh-TW" dirty="0" smtClean="0"/>
-              <a:t>.</a:t>
+              <a:t>1.</a:t>
             </a:r>
             <a:r>
               <a:rPr lang="zh-TW" altLang="en-US" dirty="0" smtClean="0"/>
-              <a:t>可以切換手動自動，自動時先</a:t>
-            </a:r>
-            <a:r>
-              <a:rPr lang="zh-TW" altLang="en-US" dirty="0" smtClean="0"/>
-              <a:t>鎖定第一個人</a:t>
+              <a:t>可以切換手動自動，自動時先鎖定第一個人</a:t>
             </a:r>
             <a:endParaRPr lang="en-US" altLang="zh-TW" dirty="0" smtClean="0"/>
           </a:p>
@@ -4060,7 +4053,6 @@
               <a:rPr lang="zh-TW" altLang="en-US" dirty="0"/>
               <a:t>環境需求</a:t>
             </a:r>
-            <a:endParaRPr lang="zh-TW" altLang="en-US" dirty="0"/>
           </a:p>
         </p:txBody>
       </p:sp>
@@ -4189,7 +4181,6 @@
               <a:rPr lang="en-US" altLang="zh-TW" sz="1600" b="1" dirty="0"/>
               <a:t>GUI (webserver)</a:t>
             </a:r>
-            <a:endParaRPr lang="en-US" altLang="zh-TW" sz="1600" b="1" dirty="0"/>
           </a:p>
         </p:txBody>
       </p:sp>
@@ -4263,11 +4254,7 @@
           <a:p>
             <a:r>
               <a:rPr lang="en-US" altLang="zh-TW" dirty="0" smtClean="0"/>
-              <a:t>1</a:t>
-            </a:r>
-            <a:r>
-              <a:rPr lang="en-US" altLang="zh-TW" dirty="0" smtClean="0"/>
-              <a:t>.</a:t>
+              <a:t>1.</a:t>
             </a:r>
             <a:r>
               <a:rPr lang="zh-TW" altLang="en-US" dirty="0" smtClean="0"/>
@@ -4325,11 +4312,7 @@
             </a:r>
             <a:r>
               <a:rPr lang="zh-TW" altLang="en-US" dirty="0" smtClean="0"/>
-              <a:t>驅動馬達</a:t>
-            </a:r>
-            <a:r>
-              <a:rPr lang="zh-TW" altLang="en-US" dirty="0" smtClean="0"/>
-              <a:t>移動鏡頭</a:t>
+              <a:t>驅動馬達移動鏡頭</a:t>
             </a:r>
             <a:endParaRPr lang="en-US" altLang="zh-TW" dirty="0" smtClean="0"/>
           </a:p>
@@ -8987,6 +8970,180 @@
     <p:extLst>
       <p:ext uri="{BB962C8B-B14F-4D97-AF65-F5344CB8AC3E}">
         <p14:creationId xmlns:p14="http://schemas.microsoft.com/office/powerpoint/2010/main" val="3215513288"/>
+      </p:ext>
+    </p:extLst>
+  </p:cSld>
+  <p:clrMapOvr>
+    <a:masterClrMapping/>
+  </p:clrMapOvr>
+</p:sld>
+</file>
+
+<file path=ppt/slides/slide9.xml><?xml version="1.0" encoding="utf-8"?>
+<p:sld xmlns:a="http://schemas.openxmlformats.org/drawingml/2006/main" xmlns:r="http://schemas.openxmlformats.org/officeDocument/2006/relationships" xmlns:p="http://schemas.openxmlformats.org/presentationml/2006/main">
+  <p:cSld>
+    <p:spTree>
+      <p:nvGrpSpPr>
+        <p:cNvPr id="1" name=""/>
+        <p:cNvGrpSpPr/>
+        <p:nvPr/>
+      </p:nvGrpSpPr>
+      <p:grpSpPr>
+        <a:xfrm>
+          <a:off x="0" y="0"/>
+          <a:ext cx="0" cy="0"/>
+          <a:chOff x="0" y="0"/>
+          <a:chExt cx="0" cy="0"/>
+        </a:xfrm>
+      </p:grpSpPr>
+      <p:sp>
+        <p:nvSpPr>
+          <p:cNvPr id="2" name="標題 1"/>
+          <p:cNvSpPr>
+            <a:spLocks noGrp="1"/>
+          </p:cNvSpPr>
+          <p:nvPr>
+            <p:ph type="title"/>
+          </p:nvPr>
+        </p:nvSpPr>
+        <p:spPr/>
+        <p:txBody>
+          <a:bodyPr/>
+          <a:lstStyle/>
+          <a:p>
+            <a:r>
+              <a:rPr lang="en-US" altLang="zh-TW" b="1" dirty="0"/>
+              <a:t>schedule</a:t>
+            </a:r>
+            <a:endParaRPr lang="zh-TW" altLang="en-US" b="1" dirty="0"/>
+          </a:p>
+        </p:txBody>
+      </p:sp>
+      <p:sp>
+        <p:nvSpPr>
+          <p:cNvPr id="3" name="內容版面配置區 2"/>
+          <p:cNvSpPr>
+            <a:spLocks noGrp="1"/>
+          </p:cNvSpPr>
+          <p:nvPr>
+            <p:ph idx="1"/>
+          </p:nvPr>
+        </p:nvSpPr>
+        <p:spPr/>
+        <p:txBody>
+          <a:bodyPr/>
+          <a:lstStyle/>
+          <a:p>
+            <a:endParaRPr lang="en-US" altLang="zh-TW" dirty="0" smtClean="0"/>
+          </a:p>
+          <a:p>
+            <a:r>
+              <a:rPr lang="en-US" altLang="zh-TW" dirty="0" smtClean="0"/>
+              <a:t>5/28	:</a:t>
+            </a:r>
+            <a:r>
+              <a:rPr lang="zh-TW" altLang="en-US" dirty="0" smtClean="0"/>
+              <a:t>輸入影像</a:t>
+            </a:r>
+            <a:r>
+              <a:rPr lang="en-US" altLang="zh-TW" dirty="0" smtClean="0"/>
+              <a:t>&amp;</a:t>
+            </a:r>
+            <a:r>
+              <a:rPr lang="zh-TW" altLang="en-US" dirty="0"/>
+              <a:t>二值化及</a:t>
+            </a:r>
+            <a:r>
+              <a:rPr lang="en-US" altLang="zh-TW" dirty="0"/>
+              <a:t>marker</a:t>
+            </a:r>
+            <a:r>
+              <a:rPr lang="zh-TW" altLang="en-US" dirty="0"/>
+              <a:t>選取目標</a:t>
+            </a:r>
+            <a:endParaRPr lang="en-US" altLang="zh-TW" dirty="0" smtClean="0"/>
+          </a:p>
+          <a:p>
+            <a:r>
+              <a:rPr lang="en-US" altLang="zh-TW" dirty="0" smtClean="0"/>
+              <a:t>6/4	:</a:t>
+            </a:r>
+            <a:r>
+              <a:rPr lang="en-US" altLang="zh-TW" dirty="0"/>
+              <a:t> HVS,ROI</a:t>
+            </a:r>
+            <a:r>
+              <a:rPr lang="zh-TW" altLang="en-US" dirty="0"/>
+              <a:t>鎖定目標</a:t>
+            </a:r>
+            <a:r>
+              <a:rPr lang="en-US" altLang="zh-TW" dirty="0"/>
+              <a:t>&amp;</a:t>
+            </a:r>
+            <a:r>
+              <a:rPr lang="zh-TW" altLang="en-US" dirty="0"/>
+              <a:t>設定左右範圍</a:t>
+            </a:r>
+            <a:endParaRPr lang="en-US" altLang="zh-TW" dirty="0" smtClean="0"/>
+          </a:p>
+          <a:p>
+            <a:r>
+              <a:rPr lang="en-US" altLang="zh-TW" dirty="0" smtClean="0"/>
+              <a:t>6/11	:</a:t>
+            </a:r>
+            <a:r>
+              <a:rPr lang="zh-TW" altLang="en-US" dirty="0" smtClean="0"/>
+              <a:t>方位比較左右</a:t>
+            </a:r>
+            <a:r>
+              <a:rPr lang="zh-TW" altLang="en-US" dirty="0" smtClean="0"/>
+              <a:t>移動功能</a:t>
+            </a:r>
+            <a:endParaRPr lang="en-US" altLang="zh-TW" dirty="0" smtClean="0"/>
+          </a:p>
+          <a:p>
+            <a:r>
+              <a:rPr lang="en-US" altLang="zh-TW" dirty="0" smtClean="0"/>
+              <a:t>6/15	:</a:t>
+            </a:r>
+            <a:r>
+              <a:rPr lang="zh-TW" altLang="en-US" dirty="0" smtClean="0"/>
+              <a:t>整合手動控制及自動區</a:t>
+            </a:r>
+            <a:r>
+              <a:rPr lang="zh-TW" altLang="en-US" dirty="0" smtClean="0"/>
+              <a:t>塊</a:t>
+            </a:r>
+            <a:r>
+              <a:rPr lang="en-US" altLang="zh-TW" dirty="0" smtClean="0"/>
+              <a:t>&amp;</a:t>
+            </a:r>
+            <a:r>
+              <a:rPr lang="zh-TW" altLang="en-US" smtClean="0"/>
+              <a:t>輸出控制</a:t>
+            </a:r>
+            <a:endParaRPr lang="en-US" altLang="zh-TW" dirty="0" smtClean="0"/>
+          </a:p>
+          <a:p>
+            <a:r>
+              <a:rPr lang="en-US" altLang="zh-TW" dirty="0" smtClean="0"/>
+              <a:t>6/25	:</a:t>
+            </a:r>
+            <a:r>
+              <a:rPr lang="zh-TW" altLang="en-US" dirty="0" smtClean="0"/>
+              <a:t> 整體架構整合完成</a:t>
+            </a:r>
+            <a:endParaRPr lang="en-US" altLang="zh-TW" dirty="0" smtClean="0"/>
+          </a:p>
+          <a:p>
+            <a:endParaRPr lang="zh-TW" altLang="en-US" dirty="0"/>
+          </a:p>
+        </p:txBody>
+      </p:sp>
+    </p:spTree>
+    <p:extLst>
+      <p:ext uri="{BB962C8B-B14F-4D97-AF65-F5344CB8AC3E}">
+        <p14:creationId xmlns:p14="http://schemas.microsoft.com/office/powerpoint/2010/main" val="1009265122"/>
       </p:ext>
     </p:extLst>
   </p:cSld>
